--- a/Lecture_21.pptx
+++ b/Lecture_21.pptx
@@ -19,6 +19,11 @@
     <p:sldId id="266" r:id="rId13"/>
     <p:sldId id="267" r:id="rId14"/>
     <p:sldId id="268" r:id="rId15"/>
+    <p:sldId id="271" r:id="rId16"/>
+    <p:sldId id="270" r:id="rId17"/>
+    <p:sldId id="273" r:id="rId18"/>
+    <p:sldId id="272" r:id="rId19"/>
+    <p:sldId id="274" r:id="rId20"/>
   </p:sldIdLst>
   <p:sldSz cx="12192000" cy="6858000"/>
   <p:notesSz cx="6858000" cy="9144000"/>
@@ -272,7 +277,7 @@
           <a:p>
             <a:fld id="{2AF41B97-E2CF-4D4F-B94A-3414D15BA86E}" type="datetimeFigureOut">
               <a:rPr lang="en-US" smtClean="0"/>
-              <a:t>10/26/2019</a:t>
+              <a:t>10/27/2019</a:t>
             </a:fld>
             <a:endParaRPr lang="en-US"/>
           </a:p>
@@ -470,7 +475,7 @@
           <a:p>
             <a:fld id="{2AF41B97-E2CF-4D4F-B94A-3414D15BA86E}" type="datetimeFigureOut">
               <a:rPr lang="en-US" smtClean="0"/>
-              <a:t>10/26/2019</a:t>
+              <a:t>10/27/2019</a:t>
             </a:fld>
             <a:endParaRPr lang="en-US"/>
           </a:p>
@@ -678,7 +683,7 @@
           <a:p>
             <a:fld id="{2AF41B97-E2CF-4D4F-B94A-3414D15BA86E}" type="datetimeFigureOut">
               <a:rPr lang="en-US" smtClean="0"/>
-              <a:t>10/26/2019</a:t>
+              <a:t>10/27/2019</a:t>
             </a:fld>
             <a:endParaRPr lang="en-US"/>
           </a:p>
@@ -876,7 +881,7 @@
           <a:p>
             <a:fld id="{2AF41B97-E2CF-4D4F-B94A-3414D15BA86E}" type="datetimeFigureOut">
               <a:rPr lang="en-US" smtClean="0"/>
-              <a:t>10/26/2019</a:t>
+              <a:t>10/27/2019</a:t>
             </a:fld>
             <a:endParaRPr lang="en-US"/>
           </a:p>
@@ -1151,7 +1156,7 @@
           <a:p>
             <a:fld id="{2AF41B97-E2CF-4D4F-B94A-3414D15BA86E}" type="datetimeFigureOut">
               <a:rPr lang="en-US" smtClean="0"/>
-              <a:t>10/26/2019</a:t>
+              <a:t>10/27/2019</a:t>
             </a:fld>
             <a:endParaRPr lang="en-US"/>
           </a:p>
@@ -1416,7 +1421,7 @@
           <a:p>
             <a:fld id="{2AF41B97-E2CF-4D4F-B94A-3414D15BA86E}" type="datetimeFigureOut">
               <a:rPr lang="en-US" smtClean="0"/>
-              <a:t>10/26/2019</a:t>
+              <a:t>10/27/2019</a:t>
             </a:fld>
             <a:endParaRPr lang="en-US"/>
           </a:p>
@@ -1828,7 +1833,7 @@
           <a:p>
             <a:fld id="{2AF41B97-E2CF-4D4F-B94A-3414D15BA86E}" type="datetimeFigureOut">
               <a:rPr lang="en-US" smtClean="0"/>
-              <a:t>10/26/2019</a:t>
+              <a:t>10/27/2019</a:t>
             </a:fld>
             <a:endParaRPr lang="en-US"/>
           </a:p>
@@ -1969,7 +1974,7 @@
           <a:p>
             <a:fld id="{2AF41B97-E2CF-4D4F-B94A-3414D15BA86E}" type="datetimeFigureOut">
               <a:rPr lang="en-US" smtClean="0"/>
-              <a:t>10/26/2019</a:t>
+              <a:t>10/27/2019</a:t>
             </a:fld>
             <a:endParaRPr lang="en-US"/>
           </a:p>
@@ -2082,7 +2087,7 @@
           <a:p>
             <a:fld id="{2AF41B97-E2CF-4D4F-B94A-3414D15BA86E}" type="datetimeFigureOut">
               <a:rPr lang="en-US" smtClean="0"/>
-              <a:t>10/26/2019</a:t>
+              <a:t>10/27/2019</a:t>
             </a:fld>
             <a:endParaRPr lang="en-US"/>
           </a:p>
@@ -2393,7 +2398,7 @@
           <a:p>
             <a:fld id="{2AF41B97-E2CF-4D4F-B94A-3414D15BA86E}" type="datetimeFigureOut">
               <a:rPr lang="en-US" smtClean="0"/>
-              <a:t>10/26/2019</a:t>
+              <a:t>10/27/2019</a:t>
             </a:fld>
             <a:endParaRPr lang="en-US"/>
           </a:p>
@@ -2681,7 +2686,7 @@
           <a:p>
             <a:fld id="{2AF41B97-E2CF-4D4F-B94A-3414D15BA86E}" type="datetimeFigureOut">
               <a:rPr lang="en-US" smtClean="0"/>
-              <a:t>10/26/2019</a:t>
+              <a:t>10/27/2019</a:t>
             </a:fld>
             <a:endParaRPr lang="en-US"/>
           </a:p>
@@ -2922,7 +2927,7 @@
           <a:p>
             <a:fld id="{2AF41B97-E2CF-4D4F-B94A-3414D15BA86E}" type="datetimeFigureOut">
               <a:rPr lang="en-US" smtClean="0"/>
-              <a:t>10/26/2019</a:t>
+              <a:t>10/27/2019</a:t>
             </a:fld>
             <a:endParaRPr lang="en-US"/>
           </a:p>
@@ -3493,6 +3498,370 @@
               <a:bodyPr/>
               <a:lstStyle/>
               <a:p>
+                <a:pPr marL="0" indent="0">
+                  <a:buNone/>
+                </a:pPr>
+                <a14:m>
+                  <m:oMathPara xmlns:m="http://schemas.openxmlformats.org/officeDocument/2006/math">
+                    <m:oMathParaPr>
+                      <m:jc m:val="centerGroup"/>
+                    </m:oMathParaPr>
+                    <m:oMath xmlns:m="http://schemas.openxmlformats.org/officeDocument/2006/math">
+                      <m:f>
+                        <m:fPr>
+                          <m:ctrlPr>
+                            <a:rPr lang="en-US" i="1">
+                              <a:latin typeface="Cambria Math" panose="02040503050406030204" pitchFamily="18" charset="0"/>
+                            </a:rPr>
+                          </m:ctrlPr>
+                        </m:fPr>
+                        <m:num>
+                          <m:r>
+                            <a:rPr lang="en-US" i="1">
+                              <a:latin typeface="Cambria Math" panose="02040503050406030204" pitchFamily="18" charset="0"/>
+                              <a:ea typeface="Cambria Math" panose="02040503050406030204" pitchFamily="18" charset="0"/>
+                            </a:rPr>
+                            <m:t>𝜕</m:t>
+                          </m:r>
+                          <m:r>
+                            <a:rPr lang="en-US" i="1">
+                              <a:latin typeface="Cambria Math" panose="02040503050406030204" pitchFamily="18" charset="0"/>
+                              <a:ea typeface="Cambria Math" panose="02040503050406030204" pitchFamily="18" charset="0"/>
+                            </a:rPr>
+                            <m:t>𝐿</m:t>
+                          </m:r>
+                        </m:num>
+                        <m:den>
+                          <m:r>
+                            <a:rPr lang="en-US" i="1">
+                              <a:latin typeface="Cambria Math" panose="02040503050406030204" pitchFamily="18" charset="0"/>
+                              <a:ea typeface="Cambria Math" panose="02040503050406030204" pitchFamily="18" charset="0"/>
+                            </a:rPr>
+                            <m:t>𝜕</m:t>
+                          </m:r>
+                          <m:sSubSup>
+                            <m:sSubSupPr>
+                              <m:ctrlPr>
+                                <a:rPr lang="en-US" i="1">
+                                  <a:latin typeface="Cambria Math" panose="02040503050406030204" pitchFamily="18" charset="0"/>
+                                  <a:ea typeface="Cambria Math" panose="02040503050406030204" pitchFamily="18" charset="0"/>
+                                </a:rPr>
+                              </m:ctrlPr>
+                            </m:sSubSupPr>
+                            <m:e>
+                              <m:r>
+                                <a:rPr lang="en-US" b="1" i="1">
+                                  <a:latin typeface="Cambria Math" panose="02040503050406030204" pitchFamily="18" charset="0"/>
+                                  <a:ea typeface="Cambria Math" panose="02040503050406030204" pitchFamily="18" charset="0"/>
+                                </a:rPr>
+                                <m:t>𝜽</m:t>
+                              </m:r>
+                            </m:e>
+                            <m:sub>
+                              <m:r>
+                                <a:rPr lang="en-US" i="1">
+                                  <a:latin typeface="Cambria Math" panose="02040503050406030204" pitchFamily="18" charset="0"/>
+                                  <a:ea typeface="Cambria Math" panose="02040503050406030204" pitchFamily="18" charset="0"/>
+                                </a:rPr>
+                                <m:t>𝑘</m:t>
+                              </m:r>
+                            </m:sub>
+                            <m:sup>
+                              <m:r>
+                                <a:rPr lang="en-US" i="1">
+                                  <a:latin typeface="Cambria Math" panose="02040503050406030204" pitchFamily="18" charset="0"/>
+                                  <a:ea typeface="Cambria Math" panose="02040503050406030204" pitchFamily="18" charset="0"/>
+                                </a:rPr>
+                                <m:t>(</m:t>
+                              </m:r>
+                              <m:r>
+                                <a:rPr lang="en-US" i="1">
+                                  <a:latin typeface="Cambria Math" panose="02040503050406030204" pitchFamily="18" charset="0"/>
+                                  <a:ea typeface="Cambria Math" panose="02040503050406030204" pitchFamily="18" charset="0"/>
+                                </a:rPr>
+                                <m:t>𝑙</m:t>
+                              </m:r>
+                              <m:r>
+                                <a:rPr lang="en-US" i="1">
+                                  <a:latin typeface="Cambria Math" panose="02040503050406030204" pitchFamily="18" charset="0"/>
+                                  <a:ea typeface="Cambria Math" panose="02040503050406030204" pitchFamily="18" charset="0"/>
+                                </a:rPr>
+                                <m:t>)</m:t>
+                              </m:r>
+                            </m:sup>
+                          </m:sSubSup>
+                        </m:den>
+                      </m:f>
+                      <m:r>
+                        <a:rPr lang="en-US" i="1">
+                          <a:latin typeface="Cambria Math" panose="02040503050406030204" pitchFamily="18" charset="0"/>
+                        </a:rPr>
+                        <m:t>=−</m:t>
+                      </m:r>
+                      <m:sSubSup>
+                        <m:sSubSupPr>
+                          <m:ctrlPr>
+                            <a:rPr lang="en-US" i="1">
+                              <a:latin typeface="Cambria Math" panose="02040503050406030204" pitchFamily="18" charset="0"/>
+                            </a:rPr>
+                          </m:ctrlPr>
+                        </m:sSubSupPr>
+                        <m:e>
+                          <m:r>
+                            <a:rPr lang="en-US" b="1" i="1">
+                              <a:latin typeface="Cambria Math" panose="02040503050406030204" pitchFamily="18" charset="0"/>
+                            </a:rPr>
+                            <m:t>𝑯</m:t>
+                          </m:r>
+                        </m:e>
+                        <m:sub>
+                          <m:r>
+                            <a:rPr lang="en-US" i="1">
+                              <a:latin typeface="Cambria Math" panose="02040503050406030204" pitchFamily="18" charset="0"/>
+                            </a:rPr>
+                            <m:t>𝑘</m:t>
+                          </m:r>
+                        </m:sub>
+                        <m:sup>
+                          <m:d>
+                            <m:dPr>
+                              <m:ctrlPr>
+                                <a:rPr lang="en-US" i="1">
+                                  <a:latin typeface="Cambria Math" panose="02040503050406030204" pitchFamily="18" charset="0"/>
+                                </a:rPr>
+                              </m:ctrlPr>
+                            </m:dPr>
+                            <m:e>
+                              <m:r>
+                                <a:rPr lang="en-US" i="1">
+                                  <a:latin typeface="Cambria Math" panose="02040503050406030204" pitchFamily="18" charset="0"/>
+                                </a:rPr>
+                                <m:t>𝑙</m:t>
+                              </m:r>
+                              <m:r>
+                                <a:rPr lang="en-US" i="1">
+                                  <a:latin typeface="Cambria Math" panose="02040503050406030204" pitchFamily="18" charset="0"/>
+                                </a:rPr>
+                                <m:t>−1</m:t>
+                              </m:r>
+                            </m:e>
+                          </m:d>
+                        </m:sup>
+                      </m:sSubSup>
+                      <m:sSup>
+                        <m:sSupPr>
+                          <m:ctrlPr>
+                            <a:rPr lang="en-US" i="1">
+                              <a:latin typeface="Cambria Math" panose="02040503050406030204" pitchFamily="18" charset="0"/>
+                            </a:rPr>
+                          </m:ctrlPr>
+                        </m:sSupPr>
+                        <m:e>
+                          <m:r>
+                            <a:rPr lang="en-US" b="1" i="1">
+                              <a:latin typeface="Cambria Math" panose="02040503050406030204" pitchFamily="18" charset="0"/>
+                            </a:rPr>
+                            <m:t>𝑫</m:t>
+                          </m:r>
+                        </m:e>
+                        <m:sup>
+                          <m:d>
+                            <m:dPr>
+                              <m:ctrlPr>
+                                <a:rPr lang="en-US" i="1">
+                                  <a:latin typeface="Cambria Math" panose="02040503050406030204" pitchFamily="18" charset="0"/>
+                                </a:rPr>
+                              </m:ctrlPr>
+                            </m:dPr>
+                            <m:e>
+                              <m:r>
+                                <a:rPr lang="en-US" i="1">
+                                  <a:latin typeface="Cambria Math" panose="02040503050406030204" pitchFamily="18" charset="0"/>
+                                </a:rPr>
+                                <m:t>𝑙</m:t>
+                              </m:r>
+                            </m:e>
+                          </m:d>
+                        </m:sup>
+                      </m:sSup>
+                      <m:sSup>
+                        <m:sSupPr>
+                          <m:ctrlPr>
+                            <a:rPr lang="en-US" i="1">
+                              <a:latin typeface="Cambria Math" panose="02040503050406030204" pitchFamily="18" charset="0"/>
+                            </a:rPr>
+                          </m:ctrlPr>
+                        </m:sSupPr>
+                        <m:e>
+                          <m:r>
+                            <a:rPr lang="en-US" b="1" i="1">
+                              <a:latin typeface="Cambria Math" panose="02040503050406030204" pitchFamily="18" charset="0"/>
+                            </a:rPr>
+                            <m:t>𝑾</m:t>
+                          </m:r>
+                        </m:e>
+                        <m:sup>
+                          <m:r>
+                            <a:rPr lang="en-US" i="1">
+                              <a:latin typeface="Cambria Math" panose="02040503050406030204" pitchFamily="18" charset="0"/>
+                            </a:rPr>
+                            <m:t>𝑇</m:t>
+                          </m:r>
+                          <m:d>
+                            <m:dPr>
+                              <m:ctrlPr>
+                                <a:rPr lang="en-US" i="1">
+                                  <a:latin typeface="Cambria Math" panose="02040503050406030204" pitchFamily="18" charset="0"/>
+                                </a:rPr>
+                              </m:ctrlPr>
+                            </m:dPr>
+                            <m:e>
+                              <m:r>
+                                <a:rPr lang="en-US" i="1">
+                                  <a:latin typeface="Cambria Math" panose="02040503050406030204" pitchFamily="18" charset="0"/>
+                                </a:rPr>
+                                <m:t>𝑙</m:t>
+                              </m:r>
+                              <m:r>
+                                <a:rPr lang="en-US" i="1">
+                                  <a:latin typeface="Cambria Math" panose="02040503050406030204" pitchFamily="18" charset="0"/>
+                                </a:rPr>
+                                <m:t>+1</m:t>
+                              </m:r>
+                            </m:e>
+                          </m:d>
+                        </m:sup>
+                      </m:sSup>
+                      <m:r>
+                        <a:rPr lang="en-US" i="1">
+                          <a:latin typeface="Cambria Math" panose="02040503050406030204" pitchFamily="18" charset="0"/>
+                        </a:rPr>
+                        <m:t>…</m:t>
+                      </m:r>
+                      <m:sSup>
+                        <m:sSupPr>
+                          <m:ctrlPr>
+                            <a:rPr lang="en-US" i="1">
+                              <a:latin typeface="Cambria Math" panose="02040503050406030204" pitchFamily="18" charset="0"/>
+                            </a:rPr>
+                          </m:ctrlPr>
+                        </m:sSupPr>
+                        <m:e>
+                          <m:r>
+                            <a:rPr lang="en-US" b="1" i="1">
+                              <a:latin typeface="Cambria Math" panose="02040503050406030204" pitchFamily="18" charset="0"/>
+                            </a:rPr>
+                            <m:t>𝑫</m:t>
+                          </m:r>
+                        </m:e>
+                        <m:sup>
+                          <m:r>
+                            <a:rPr lang="en-US" i="1">
+                              <a:latin typeface="Cambria Math" panose="02040503050406030204" pitchFamily="18" charset="0"/>
+                            </a:rPr>
+                            <m:t>(</m:t>
+                          </m:r>
+                          <m:r>
+                            <a:rPr lang="en-US" i="1">
+                              <a:latin typeface="Cambria Math" panose="02040503050406030204" pitchFamily="18" charset="0"/>
+                            </a:rPr>
+                            <m:t>𝐿</m:t>
+                          </m:r>
+                          <m:r>
+                            <a:rPr lang="en-US" i="1">
+                              <a:latin typeface="Cambria Math" panose="02040503050406030204" pitchFamily="18" charset="0"/>
+                            </a:rPr>
+                            <m:t>)</m:t>
+                          </m:r>
+                        </m:sup>
+                      </m:sSup>
+                      <m:sSup>
+                        <m:sSupPr>
+                          <m:ctrlPr>
+                            <a:rPr lang="en-US" i="1">
+                              <a:latin typeface="Cambria Math" panose="02040503050406030204" pitchFamily="18" charset="0"/>
+                            </a:rPr>
+                          </m:ctrlPr>
+                        </m:sSupPr>
+                        <m:e>
+                          <m:r>
+                            <a:rPr lang="en-US" b="1" i="1">
+                              <a:latin typeface="Cambria Math" panose="02040503050406030204" pitchFamily="18" charset="0"/>
+                            </a:rPr>
+                            <m:t>𝑾</m:t>
+                          </m:r>
+                        </m:e>
+                        <m:sup>
+                          <m:r>
+                            <a:rPr lang="en-US" i="1">
+                              <a:latin typeface="Cambria Math" panose="02040503050406030204" pitchFamily="18" charset="0"/>
+                            </a:rPr>
+                            <m:t>𝑇</m:t>
+                          </m:r>
+                          <m:r>
+                            <a:rPr lang="en-US" i="1">
+                              <a:latin typeface="Cambria Math" panose="02040503050406030204" pitchFamily="18" charset="0"/>
+                            </a:rPr>
+                            <m:t>(</m:t>
+                          </m:r>
+                          <m:r>
+                            <a:rPr lang="en-US" i="1">
+                              <a:latin typeface="Cambria Math" panose="02040503050406030204" pitchFamily="18" charset="0"/>
+                            </a:rPr>
+                            <m:t>𝐿</m:t>
+                          </m:r>
+                          <m:r>
+                            <a:rPr lang="en-US" i="1">
+                              <a:latin typeface="Cambria Math" panose="02040503050406030204" pitchFamily="18" charset="0"/>
+                            </a:rPr>
+                            <m:t>+1)</m:t>
+                          </m:r>
+                        </m:sup>
+                      </m:sSup>
+                      <m:sSup>
+                        <m:sSupPr>
+                          <m:ctrlPr>
+                            <a:rPr lang="en-US" i="1">
+                              <a:latin typeface="Cambria Math" panose="02040503050406030204" pitchFamily="18" charset="0"/>
+                            </a:rPr>
+                          </m:ctrlPr>
+                        </m:sSupPr>
+                        <m:e>
+                          <m:r>
+                            <a:rPr lang="en-US" i="1">
+                              <a:latin typeface="Cambria Math" panose="02040503050406030204" pitchFamily="18" charset="0"/>
+                              <a:ea typeface="Cambria Math" panose="02040503050406030204" pitchFamily="18" charset="0"/>
+                            </a:rPr>
+                            <m:t>∆</m:t>
+                          </m:r>
+                        </m:e>
+                        <m:sup>
+                          <m:r>
+                            <a:rPr lang="en-US" i="1">
+                              <a:latin typeface="Cambria Math" panose="02040503050406030204" pitchFamily="18" charset="0"/>
+                            </a:rPr>
+                            <m:t>(</m:t>
+                          </m:r>
+                          <m:r>
+                            <a:rPr lang="en-US" i="1">
+                              <a:latin typeface="Cambria Math" panose="02040503050406030204" pitchFamily="18" charset="0"/>
+                            </a:rPr>
+                            <m:t>𝐿</m:t>
+                          </m:r>
+                          <m:r>
+                            <a:rPr lang="en-US" i="1">
+                              <a:latin typeface="Cambria Math" panose="02040503050406030204" pitchFamily="18" charset="0"/>
+                            </a:rPr>
+                            <m:t>+1)</m:t>
+                          </m:r>
+                        </m:sup>
+                      </m:sSup>
+                    </m:oMath>
+                  </m:oMathPara>
+                </a14:m>
+                <a:endParaRPr lang="en-US" dirty="0"/>
+              </a:p>
+              <a:p>
                 <a:r>
                   <a:rPr lang="en-US" dirty="0"/>
                   <a:t>The above equations are amenable to numerical optimization</a:t>
@@ -4370,7 +4739,7 @@
               <a:blipFill>
                 <a:blip r:embed="rId2"/>
                 <a:stretch>
-                  <a:fillRect l="-900" t="-1736" r="-1500"/>
+                  <a:fillRect l="-900" r="-1500" b="-102"/>
                 </a:stretch>
               </a:blipFill>
             </p:spPr>
@@ -4399,6 +4768,333 @@
   <p:clrMapOvr>
     <a:masterClrMapping/>
   </p:clrMapOvr>
+  <p:timing>
+    <p:tnLst>
+      <p:par>
+        <p:cTn id="1" dur="indefinite" restart="never" nodeType="tmRoot">
+          <p:childTnLst>
+            <p:seq concurrent="1" nextAc="seek">
+              <p:cTn id="2" dur="indefinite" nodeType="mainSeq">
+                <p:childTnLst>
+                  <p:par>
+                    <p:cTn id="3" fill="hold">
+                      <p:stCondLst>
+                        <p:cond delay="indefinite"/>
+                      </p:stCondLst>
+                      <p:childTnLst>
+                        <p:par>
+                          <p:cTn id="4" fill="hold">
+                            <p:stCondLst>
+                              <p:cond delay="0"/>
+                            </p:stCondLst>
+                            <p:childTnLst>
+                              <p:par>
+                                <p:cTn id="5" presetID="1" presetClass="entr" presetSubtype="0" fill="hold" grpId="0" nodeType="clickEffect">
+                                  <p:stCondLst>
+                                    <p:cond delay="0"/>
+                                  </p:stCondLst>
+                                  <p:childTnLst>
+                                    <p:set>
+                                      <p:cBhvr>
+                                        <p:cTn id="6" dur="1" fill="hold">
+                                          <p:stCondLst>
+                                            <p:cond delay="0"/>
+                                          </p:stCondLst>
+                                        </p:cTn>
+                                        <p:tgtEl>
+                                          <p:spTgt spid="3">
+                                            <p:txEl>
+                                              <p:pRg st="0" end="0"/>
+                                            </p:txEl>
+                                          </p:spTgt>
+                                        </p:tgtEl>
+                                        <p:attrNameLst>
+                                          <p:attrName>style.visibility</p:attrName>
+                                        </p:attrNameLst>
+                                      </p:cBhvr>
+                                      <p:to>
+                                        <p:strVal val="visible"/>
+                                      </p:to>
+                                    </p:set>
+                                  </p:childTnLst>
+                                </p:cTn>
+                              </p:par>
+                            </p:childTnLst>
+                          </p:cTn>
+                        </p:par>
+                      </p:childTnLst>
+                    </p:cTn>
+                  </p:par>
+                  <p:par>
+                    <p:cTn id="7" fill="hold">
+                      <p:stCondLst>
+                        <p:cond delay="indefinite"/>
+                      </p:stCondLst>
+                      <p:childTnLst>
+                        <p:par>
+                          <p:cTn id="8" fill="hold">
+                            <p:stCondLst>
+                              <p:cond delay="0"/>
+                            </p:stCondLst>
+                            <p:childTnLst>
+                              <p:par>
+                                <p:cTn id="9" presetID="1" presetClass="entr" presetSubtype="0" fill="hold" grpId="0" nodeType="clickEffect">
+                                  <p:stCondLst>
+                                    <p:cond delay="0"/>
+                                  </p:stCondLst>
+                                  <p:childTnLst>
+                                    <p:set>
+                                      <p:cBhvr>
+                                        <p:cTn id="10" dur="1" fill="hold">
+                                          <p:stCondLst>
+                                            <p:cond delay="0"/>
+                                          </p:stCondLst>
+                                        </p:cTn>
+                                        <p:tgtEl>
+                                          <p:spTgt spid="3">
+                                            <p:txEl>
+                                              <p:pRg st="1" end="1"/>
+                                            </p:txEl>
+                                          </p:spTgt>
+                                        </p:tgtEl>
+                                        <p:attrNameLst>
+                                          <p:attrName>style.visibility</p:attrName>
+                                        </p:attrNameLst>
+                                      </p:cBhvr>
+                                      <p:to>
+                                        <p:strVal val="visible"/>
+                                      </p:to>
+                                    </p:set>
+                                  </p:childTnLst>
+                                </p:cTn>
+                              </p:par>
+                            </p:childTnLst>
+                          </p:cTn>
+                        </p:par>
+                      </p:childTnLst>
+                    </p:cTn>
+                  </p:par>
+                  <p:par>
+                    <p:cTn id="11" fill="hold">
+                      <p:stCondLst>
+                        <p:cond delay="indefinite"/>
+                      </p:stCondLst>
+                      <p:childTnLst>
+                        <p:par>
+                          <p:cTn id="12" fill="hold">
+                            <p:stCondLst>
+                              <p:cond delay="0"/>
+                            </p:stCondLst>
+                            <p:childTnLst>
+                              <p:par>
+                                <p:cTn id="13" presetID="1" presetClass="entr" presetSubtype="0" fill="hold" grpId="0" nodeType="clickEffect">
+                                  <p:stCondLst>
+                                    <p:cond delay="0"/>
+                                  </p:stCondLst>
+                                  <p:childTnLst>
+                                    <p:set>
+                                      <p:cBhvr>
+                                        <p:cTn id="14" dur="1" fill="hold">
+                                          <p:stCondLst>
+                                            <p:cond delay="0"/>
+                                          </p:stCondLst>
+                                        </p:cTn>
+                                        <p:tgtEl>
+                                          <p:spTgt spid="3">
+                                            <p:txEl>
+                                              <p:pRg st="2" end="2"/>
+                                            </p:txEl>
+                                          </p:spTgt>
+                                        </p:tgtEl>
+                                        <p:attrNameLst>
+                                          <p:attrName>style.visibility</p:attrName>
+                                        </p:attrNameLst>
+                                      </p:cBhvr>
+                                      <p:to>
+                                        <p:strVal val="visible"/>
+                                      </p:to>
+                                    </p:set>
+                                  </p:childTnLst>
+                                </p:cTn>
+                              </p:par>
+                            </p:childTnLst>
+                          </p:cTn>
+                        </p:par>
+                      </p:childTnLst>
+                    </p:cTn>
+                  </p:par>
+                  <p:par>
+                    <p:cTn id="15" fill="hold">
+                      <p:stCondLst>
+                        <p:cond delay="indefinite"/>
+                      </p:stCondLst>
+                      <p:childTnLst>
+                        <p:par>
+                          <p:cTn id="16" fill="hold">
+                            <p:stCondLst>
+                              <p:cond delay="0"/>
+                            </p:stCondLst>
+                            <p:childTnLst>
+                              <p:par>
+                                <p:cTn id="17" presetID="1" presetClass="entr" presetSubtype="0" fill="hold" grpId="0" nodeType="clickEffect">
+                                  <p:stCondLst>
+                                    <p:cond delay="0"/>
+                                  </p:stCondLst>
+                                  <p:childTnLst>
+                                    <p:set>
+                                      <p:cBhvr>
+                                        <p:cTn id="18" dur="1" fill="hold">
+                                          <p:stCondLst>
+                                            <p:cond delay="0"/>
+                                          </p:stCondLst>
+                                        </p:cTn>
+                                        <p:tgtEl>
+                                          <p:spTgt spid="3">
+                                            <p:txEl>
+                                              <p:pRg st="3" end="3"/>
+                                            </p:txEl>
+                                          </p:spTgt>
+                                        </p:tgtEl>
+                                        <p:attrNameLst>
+                                          <p:attrName>style.visibility</p:attrName>
+                                        </p:attrNameLst>
+                                      </p:cBhvr>
+                                      <p:to>
+                                        <p:strVal val="visible"/>
+                                      </p:to>
+                                    </p:set>
+                                  </p:childTnLst>
+                                </p:cTn>
+                              </p:par>
+                            </p:childTnLst>
+                          </p:cTn>
+                        </p:par>
+                      </p:childTnLst>
+                    </p:cTn>
+                  </p:par>
+                  <p:par>
+                    <p:cTn id="19" fill="hold">
+                      <p:stCondLst>
+                        <p:cond delay="indefinite"/>
+                      </p:stCondLst>
+                      <p:childTnLst>
+                        <p:par>
+                          <p:cTn id="20" fill="hold">
+                            <p:stCondLst>
+                              <p:cond delay="0"/>
+                            </p:stCondLst>
+                            <p:childTnLst>
+                              <p:par>
+                                <p:cTn id="21" presetID="1" presetClass="entr" presetSubtype="0" fill="hold" grpId="0" nodeType="clickEffect">
+                                  <p:stCondLst>
+                                    <p:cond delay="0"/>
+                                  </p:stCondLst>
+                                  <p:childTnLst>
+                                    <p:set>
+                                      <p:cBhvr>
+                                        <p:cTn id="22" dur="1" fill="hold">
+                                          <p:stCondLst>
+                                            <p:cond delay="0"/>
+                                          </p:stCondLst>
+                                        </p:cTn>
+                                        <p:tgtEl>
+                                          <p:spTgt spid="3">
+                                            <p:txEl>
+                                              <p:pRg st="4" end="4"/>
+                                            </p:txEl>
+                                          </p:spTgt>
+                                        </p:tgtEl>
+                                        <p:attrNameLst>
+                                          <p:attrName>style.visibility</p:attrName>
+                                        </p:attrNameLst>
+                                      </p:cBhvr>
+                                      <p:to>
+                                        <p:strVal val="visible"/>
+                                      </p:to>
+                                    </p:set>
+                                  </p:childTnLst>
+                                </p:cTn>
+                              </p:par>
+                            </p:childTnLst>
+                          </p:cTn>
+                        </p:par>
+                      </p:childTnLst>
+                    </p:cTn>
+                  </p:par>
+                  <p:par>
+                    <p:cTn id="23" fill="hold">
+                      <p:stCondLst>
+                        <p:cond delay="indefinite"/>
+                      </p:stCondLst>
+                      <p:childTnLst>
+                        <p:par>
+                          <p:cTn id="24" fill="hold">
+                            <p:stCondLst>
+                              <p:cond delay="0"/>
+                            </p:stCondLst>
+                            <p:childTnLst>
+                              <p:par>
+                                <p:cTn id="25" presetID="1" presetClass="entr" presetSubtype="0" fill="hold" grpId="0" nodeType="clickEffect">
+                                  <p:stCondLst>
+                                    <p:cond delay="0"/>
+                                  </p:stCondLst>
+                                  <p:childTnLst>
+                                    <p:set>
+                                      <p:cBhvr>
+                                        <p:cTn id="26" dur="1" fill="hold">
+                                          <p:stCondLst>
+                                            <p:cond delay="0"/>
+                                          </p:stCondLst>
+                                        </p:cTn>
+                                        <p:tgtEl>
+                                          <p:spTgt spid="3">
+                                            <p:txEl>
+                                              <p:pRg st="5" end="5"/>
+                                            </p:txEl>
+                                          </p:spTgt>
+                                        </p:tgtEl>
+                                        <p:attrNameLst>
+                                          <p:attrName>style.visibility</p:attrName>
+                                        </p:attrNameLst>
+                                      </p:cBhvr>
+                                      <p:to>
+                                        <p:strVal val="visible"/>
+                                      </p:to>
+                                    </p:set>
+                                  </p:childTnLst>
+                                </p:cTn>
+                              </p:par>
+                            </p:childTnLst>
+                          </p:cTn>
+                        </p:par>
+                      </p:childTnLst>
+                    </p:cTn>
+                  </p:par>
+                </p:childTnLst>
+              </p:cTn>
+              <p:prevCondLst>
+                <p:cond evt="onPrev" delay="0">
+                  <p:tgtEl>
+                    <p:sldTgt/>
+                  </p:tgtEl>
+                </p:cond>
+              </p:prevCondLst>
+              <p:nextCondLst>
+                <p:cond evt="onNext" delay="0">
+                  <p:tgtEl>
+                    <p:sldTgt/>
+                  </p:tgtEl>
+                </p:cond>
+              </p:nextCondLst>
+            </p:seq>
+          </p:childTnLst>
+        </p:cTn>
+      </p:par>
+    </p:tnLst>
+    <p:bldLst>
+      <p:bldP spid="3" grpId="0" build="p"/>
+    </p:bldLst>
+  </p:timing>
 </p:sld>
 </file>
 
@@ -4437,58 +5133,19 @@
         </p:nvSpPr>
         <p:spPr>
           <a:xfrm>
-            <a:off x="0" y="7981"/>
-            <a:ext cx="12192000" cy="875597"/>
-          </a:xfrm>
-        </p:spPr>
-        <p:txBody>
-          <a:bodyPr/>
-          <a:lstStyle/>
-          <a:p>
-            <a:r>
-              <a:rPr lang="en-US" dirty="0"/>
-              <a:t>Backpropagation </a:t>
-            </a:r>
-          </a:p>
-        </p:txBody>
-      </p:sp>
-      <p:sp>
-        <p:nvSpPr>
-          <p:cNvPr id="3" name="Content Placeholder 2">
-            <a:extLst>
-              <a:ext uri="{FF2B5EF4-FFF2-40B4-BE49-F238E27FC236}">
-                <a16:creationId xmlns:a16="http://schemas.microsoft.com/office/drawing/2014/main" id="{AF636BE3-95D2-4CEB-B804-F0010D58C00F}"/>
-              </a:ext>
-            </a:extLst>
-          </p:cNvPr>
-          <p:cNvSpPr>
-            <a:spLocks noGrp="1"/>
-          </p:cNvSpPr>
-          <p:nvPr>
-            <p:ph idx="1"/>
-          </p:nvPr>
-        </p:nvSpPr>
-        <p:spPr>
-          <a:xfrm>
-            <a:off x="0" y="5876818"/>
-            <a:ext cx="12192000" cy="973200"/>
+            <a:off x="0" y="7982"/>
+            <a:ext cx="12192000" cy="579680"/>
           </a:xfrm>
         </p:spPr>
         <p:txBody>
           <a:bodyPr>
-            <a:normAutofit lnSpcReduction="10000"/>
+            <a:noAutofit/>
           </a:bodyPr>
           <a:lstStyle/>
           <a:p>
             <a:r>
-              <a:rPr lang="en-US" dirty="0"/>
-              <a:t>Backpropagation in a deep network </a:t>
-            </a:r>
-          </a:p>
-          <a:p>
-            <a:r>
-              <a:rPr lang="en-US" dirty="0"/>
-              <a:t>Forward computation shown in gray arrows</a:t>
+              <a:rPr lang="en-US" sz="2800" dirty="0"/>
+              <a:t>Backpropagation in a deep network (forward computation shown in gray arrows)</a:t>
             </a:r>
           </a:p>
         </p:txBody>
@@ -4515,8 +5172,8 @@
         </p:blipFill>
         <p:spPr>
           <a:xfrm>
-            <a:off x="0" y="765624"/>
-            <a:ext cx="11291299" cy="4933231"/>
+            <a:off x="0" y="981378"/>
+            <a:ext cx="12168940" cy="5316677"/>
           </a:xfrm>
           <a:prstGeom prst="rect">
             <a:avLst/>
@@ -4571,46 +5228,13 @@
         </p:nvSpPr>
         <p:spPr>
           <a:xfrm>
-            <a:off x="0" y="7981"/>
+            <a:off x="0" y="79899"/>
             <a:ext cx="12192000" cy="875597"/>
           </a:xfrm>
         </p:spPr>
         <p:txBody>
-          <a:bodyPr/>
-          <a:lstStyle/>
-          <a:p>
-            <a:r>
-              <a:rPr lang="en-US" dirty="0"/>
-              <a:t>Backpropagation</a:t>
-            </a:r>
-          </a:p>
-        </p:txBody>
-      </p:sp>
-      <p:sp>
-        <p:nvSpPr>
-          <p:cNvPr id="3" name="Content Placeholder 2">
-            <a:extLst>
-              <a:ext uri="{FF2B5EF4-FFF2-40B4-BE49-F238E27FC236}">
-                <a16:creationId xmlns:a16="http://schemas.microsoft.com/office/drawing/2014/main" id="{AF636BE3-95D2-4CEB-B804-F0010D58C00F}"/>
-              </a:ext>
-            </a:extLst>
-          </p:cNvPr>
-          <p:cNvSpPr>
-            <a:spLocks noGrp="1"/>
-          </p:cNvSpPr>
-          <p:nvPr>
-            <p:ph idx="1"/>
-          </p:nvPr>
-        </p:nvSpPr>
-        <p:spPr>
-          <a:xfrm>
-            <a:off x="-1" y="6051480"/>
-            <a:ext cx="12191999" cy="798538"/>
-          </a:xfrm>
-        </p:spPr>
-        <p:txBody>
           <a:bodyPr>
-            <a:normAutofit fontScale="92500" lnSpcReduction="10000"/>
+            <a:normAutofit fontScale="90000"/>
           </a:bodyPr>
           <a:lstStyle/>
           <a:p>
@@ -4643,8 +5267,8 @@
         </p:blipFill>
         <p:spPr>
           <a:xfrm>
-            <a:off x="1" y="911729"/>
-            <a:ext cx="9524143" cy="4867047"/>
+            <a:off x="585627" y="1065072"/>
+            <a:ext cx="11239928" cy="5743851"/>
           </a:xfrm>
           <a:prstGeom prst="rect">
             <a:avLst/>
@@ -4801,6 +5425,431 @@
   <p:clrMapOvr>
     <a:masterClrMapping/>
   </p:clrMapOvr>
+  <p:timing>
+    <p:tnLst>
+      <p:par>
+        <p:cTn id="1" dur="indefinite" restart="never" nodeType="tmRoot">
+          <p:childTnLst>
+            <p:seq concurrent="1" nextAc="seek">
+              <p:cTn id="2" dur="indefinite" nodeType="mainSeq">
+                <p:childTnLst>
+                  <p:par>
+                    <p:cTn id="3" fill="hold">
+                      <p:stCondLst>
+                        <p:cond delay="indefinite"/>
+                      </p:stCondLst>
+                      <p:childTnLst>
+                        <p:par>
+                          <p:cTn id="4" fill="hold">
+                            <p:stCondLst>
+                              <p:cond delay="0"/>
+                            </p:stCondLst>
+                            <p:childTnLst>
+                              <p:par>
+                                <p:cTn id="5" presetID="1" presetClass="entr" presetSubtype="0" fill="hold" grpId="0" nodeType="clickEffect">
+                                  <p:stCondLst>
+                                    <p:cond delay="0"/>
+                                  </p:stCondLst>
+                                  <p:childTnLst>
+                                    <p:set>
+                                      <p:cBhvr>
+                                        <p:cTn id="6" dur="1" fill="hold">
+                                          <p:stCondLst>
+                                            <p:cond delay="0"/>
+                                          </p:stCondLst>
+                                        </p:cTn>
+                                        <p:tgtEl>
+                                          <p:spTgt spid="3">
+                                            <p:txEl>
+                                              <p:pRg st="0" end="0"/>
+                                            </p:txEl>
+                                          </p:spTgt>
+                                        </p:tgtEl>
+                                        <p:attrNameLst>
+                                          <p:attrName>style.visibility</p:attrName>
+                                        </p:attrNameLst>
+                                      </p:cBhvr>
+                                      <p:to>
+                                        <p:strVal val="visible"/>
+                                      </p:to>
+                                    </p:set>
+                                  </p:childTnLst>
+                                </p:cTn>
+                              </p:par>
+                            </p:childTnLst>
+                          </p:cTn>
+                        </p:par>
+                      </p:childTnLst>
+                    </p:cTn>
+                  </p:par>
+                  <p:par>
+                    <p:cTn id="7" fill="hold">
+                      <p:stCondLst>
+                        <p:cond delay="indefinite"/>
+                      </p:stCondLst>
+                      <p:childTnLst>
+                        <p:par>
+                          <p:cTn id="8" fill="hold">
+                            <p:stCondLst>
+                              <p:cond delay="0"/>
+                            </p:stCondLst>
+                            <p:childTnLst>
+                              <p:par>
+                                <p:cTn id="9" presetID="1" presetClass="entr" presetSubtype="0" fill="hold" grpId="0" nodeType="clickEffect">
+                                  <p:stCondLst>
+                                    <p:cond delay="0"/>
+                                  </p:stCondLst>
+                                  <p:childTnLst>
+                                    <p:set>
+                                      <p:cBhvr>
+                                        <p:cTn id="10" dur="1" fill="hold">
+                                          <p:stCondLst>
+                                            <p:cond delay="0"/>
+                                          </p:stCondLst>
+                                        </p:cTn>
+                                        <p:tgtEl>
+                                          <p:spTgt spid="3">
+                                            <p:txEl>
+                                              <p:pRg st="1" end="1"/>
+                                            </p:txEl>
+                                          </p:spTgt>
+                                        </p:tgtEl>
+                                        <p:attrNameLst>
+                                          <p:attrName>style.visibility</p:attrName>
+                                        </p:attrNameLst>
+                                      </p:cBhvr>
+                                      <p:to>
+                                        <p:strVal val="visible"/>
+                                      </p:to>
+                                    </p:set>
+                                  </p:childTnLst>
+                                </p:cTn>
+                              </p:par>
+                            </p:childTnLst>
+                          </p:cTn>
+                        </p:par>
+                      </p:childTnLst>
+                    </p:cTn>
+                  </p:par>
+                  <p:par>
+                    <p:cTn id="11" fill="hold">
+                      <p:stCondLst>
+                        <p:cond delay="indefinite"/>
+                      </p:stCondLst>
+                      <p:childTnLst>
+                        <p:par>
+                          <p:cTn id="12" fill="hold">
+                            <p:stCondLst>
+                              <p:cond delay="0"/>
+                            </p:stCondLst>
+                            <p:childTnLst>
+                              <p:par>
+                                <p:cTn id="13" presetID="1" presetClass="entr" presetSubtype="0" fill="hold" grpId="0" nodeType="clickEffect">
+                                  <p:stCondLst>
+                                    <p:cond delay="0"/>
+                                  </p:stCondLst>
+                                  <p:childTnLst>
+                                    <p:set>
+                                      <p:cBhvr>
+                                        <p:cTn id="14" dur="1" fill="hold">
+                                          <p:stCondLst>
+                                            <p:cond delay="0"/>
+                                          </p:stCondLst>
+                                        </p:cTn>
+                                        <p:tgtEl>
+                                          <p:spTgt spid="3">
+                                            <p:txEl>
+                                              <p:pRg st="2" end="2"/>
+                                            </p:txEl>
+                                          </p:spTgt>
+                                        </p:tgtEl>
+                                        <p:attrNameLst>
+                                          <p:attrName>style.visibility</p:attrName>
+                                        </p:attrNameLst>
+                                      </p:cBhvr>
+                                      <p:to>
+                                        <p:strVal val="visible"/>
+                                      </p:to>
+                                    </p:set>
+                                  </p:childTnLst>
+                                </p:cTn>
+                              </p:par>
+                            </p:childTnLst>
+                          </p:cTn>
+                        </p:par>
+                      </p:childTnLst>
+                    </p:cTn>
+                  </p:par>
+                  <p:par>
+                    <p:cTn id="15" fill="hold">
+                      <p:stCondLst>
+                        <p:cond delay="indefinite"/>
+                      </p:stCondLst>
+                      <p:childTnLst>
+                        <p:par>
+                          <p:cTn id="16" fill="hold">
+                            <p:stCondLst>
+                              <p:cond delay="0"/>
+                            </p:stCondLst>
+                            <p:childTnLst>
+                              <p:par>
+                                <p:cTn id="17" presetID="1" presetClass="entr" presetSubtype="0" fill="hold" grpId="0" nodeType="clickEffect">
+                                  <p:stCondLst>
+                                    <p:cond delay="0"/>
+                                  </p:stCondLst>
+                                  <p:childTnLst>
+                                    <p:set>
+                                      <p:cBhvr>
+                                        <p:cTn id="18" dur="1" fill="hold">
+                                          <p:stCondLst>
+                                            <p:cond delay="0"/>
+                                          </p:stCondLst>
+                                        </p:cTn>
+                                        <p:tgtEl>
+                                          <p:spTgt spid="3">
+                                            <p:txEl>
+                                              <p:pRg st="3" end="3"/>
+                                            </p:txEl>
+                                          </p:spTgt>
+                                        </p:tgtEl>
+                                        <p:attrNameLst>
+                                          <p:attrName>style.visibility</p:attrName>
+                                        </p:attrNameLst>
+                                      </p:cBhvr>
+                                      <p:to>
+                                        <p:strVal val="visible"/>
+                                      </p:to>
+                                    </p:set>
+                                  </p:childTnLst>
+                                </p:cTn>
+                              </p:par>
+                            </p:childTnLst>
+                          </p:cTn>
+                        </p:par>
+                      </p:childTnLst>
+                    </p:cTn>
+                  </p:par>
+                  <p:par>
+                    <p:cTn id="19" fill="hold">
+                      <p:stCondLst>
+                        <p:cond delay="indefinite"/>
+                      </p:stCondLst>
+                      <p:childTnLst>
+                        <p:par>
+                          <p:cTn id="20" fill="hold">
+                            <p:stCondLst>
+                              <p:cond delay="0"/>
+                            </p:stCondLst>
+                            <p:childTnLst>
+                              <p:par>
+                                <p:cTn id="21" presetID="1" presetClass="entr" presetSubtype="0" fill="hold" grpId="0" nodeType="clickEffect">
+                                  <p:stCondLst>
+                                    <p:cond delay="0"/>
+                                  </p:stCondLst>
+                                  <p:childTnLst>
+                                    <p:set>
+                                      <p:cBhvr>
+                                        <p:cTn id="22" dur="1" fill="hold">
+                                          <p:stCondLst>
+                                            <p:cond delay="0"/>
+                                          </p:stCondLst>
+                                        </p:cTn>
+                                        <p:tgtEl>
+                                          <p:spTgt spid="3">
+                                            <p:txEl>
+                                              <p:pRg st="4" end="4"/>
+                                            </p:txEl>
+                                          </p:spTgt>
+                                        </p:tgtEl>
+                                        <p:attrNameLst>
+                                          <p:attrName>style.visibility</p:attrName>
+                                        </p:attrNameLst>
+                                      </p:cBhvr>
+                                      <p:to>
+                                        <p:strVal val="visible"/>
+                                      </p:to>
+                                    </p:set>
+                                  </p:childTnLst>
+                                </p:cTn>
+                              </p:par>
+                            </p:childTnLst>
+                          </p:cTn>
+                        </p:par>
+                      </p:childTnLst>
+                    </p:cTn>
+                  </p:par>
+                  <p:par>
+                    <p:cTn id="23" fill="hold">
+                      <p:stCondLst>
+                        <p:cond delay="indefinite"/>
+                      </p:stCondLst>
+                      <p:childTnLst>
+                        <p:par>
+                          <p:cTn id="24" fill="hold">
+                            <p:stCondLst>
+                              <p:cond delay="0"/>
+                            </p:stCondLst>
+                            <p:childTnLst>
+                              <p:par>
+                                <p:cTn id="25" presetID="1" presetClass="entr" presetSubtype="0" fill="hold" grpId="0" nodeType="clickEffect">
+                                  <p:stCondLst>
+                                    <p:cond delay="0"/>
+                                  </p:stCondLst>
+                                  <p:childTnLst>
+                                    <p:set>
+                                      <p:cBhvr>
+                                        <p:cTn id="26" dur="1" fill="hold">
+                                          <p:stCondLst>
+                                            <p:cond delay="0"/>
+                                          </p:stCondLst>
+                                        </p:cTn>
+                                        <p:tgtEl>
+                                          <p:spTgt spid="3">
+                                            <p:txEl>
+                                              <p:pRg st="5" end="5"/>
+                                            </p:txEl>
+                                          </p:spTgt>
+                                        </p:tgtEl>
+                                        <p:attrNameLst>
+                                          <p:attrName>style.visibility</p:attrName>
+                                        </p:attrNameLst>
+                                      </p:cBhvr>
+                                      <p:to>
+                                        <p:strVal val="visible"/>
+                                      </p:to>
+                                    </p:set>
+                                  </p:childTnLst>
+                                </p:cTn>
+                              </p:par>
+                            </p:childTnLst>
+                          </p:cTn>
+                        </p:par>
+                      </p:childTnLst>
+                    </p:cTn>
+                  </p:par>
+                  <p:par>
+                    <p:cTn id="27" fill="hold">
+                      <p:stCondLst>
+                        <p:cond delay="indefinite"/>
+                      </p:stCondLst>
+                      <p:childTnLst>
+                        <p:par>
+                          <p:cTn id="28" fill="hold">
+                            <p:stCondLst>
+                              <p:cond delay="0"/>
+                            </p:stCondLst>
+                            <p:childTnLst>
+                              <p:par>
+                                <p:cTn id="29" presetID="1" presetClass="entr" presetSubtype="0" fill="hold" grpId="0" nodeType="clickEffect">
+                                  <p:stCondLst>
+                                    <p:cond delay="0"/>
+                                  </p:stCondLst>
+                                  <p:childTnLst>
+                                    <p:set>
+                                      <p:cBhvr>
+                                        <p:cTn id="30" dur="1" fill="hold">
+                                          <p:stCondLst>
+                                            <p:cond delay="0"/>
+                                          </p:stCondLst>
+                                        </p:cTn>
+                                        <p:tgtEl>
+                                          <p:spTgt spid="3">
+                                            <p:txEl>
+                                              <p:pRg st="6" end="6"/>
+                                            </p:txEl>
+                                          </p:spTgt>
+                                        </p:tgtEl>
+                                        <p:attrNameLst>
+                                          <p:attrName>style.visibility</p:attrName>
+                                        </p:attrNameLst>
+                                      </p:cBhvr>
+                                      <p:to>
+                                        <p:strVal val="visible"/>
+                                      </p:to>
+                                    </p:set>
+                                  </p:childTnLst>
+                                </p:cTn>
+                              </p:par>
+                            </p:childTnLst>
+                          </p:cTn>
+                        </p:par>
+                      </p:childTnLst>
+                    </p:cTn>
+                  </p:par>
+                  <p:par>
+                    <p:cTn id="31" fill="hold">
+                      <p:stCondLst>
+                        <p:cond delay="indefinite"/>
+                      </p:stCondLst>
+                      <p:childTnLst>
+                        <p:par>
+                          <p:cTn id="32" fill="hold">
+                            <p:stCondLst>
+                              <p:cond delay="0"/>
+                            </p:stCondLst>
+                            <p:childTnLst>
+                              <p:par>
+                                <p:cTn id="33" presetID="1" presetClass="entr" presetSubtype="0" fill="hold" grpId="0" nodeType="clickEffect">
+                                  <p:stCondLst>
+                                    <p:cond delay="0"/>
+                                  </p:stCondLst>
+                                  <p:childTnLst>
+                                    <p:set>
+                                      <p:cBhvr>
+                                        <p:cTn id="34" dur="1" fill="hold">
+                                          <p:stCondLst>
+                                            <p:cond delay="0"/>
+                                          </p:stCondLst>
+                                        </p:cTn>
+                                        <p:tgtEl>
+                                          <p:spTgt spid="3">
+                                            <p:txEl>
+                                              <p:pRg st="7" end="7"/>
+                                            </p:txEl>
+                                          </p:spTgt>
+                                        </p:tgtEl>
+                                        <p:attrNameLst>
+                                          <p:attrName>style.visibility</p:attrName>
+                                        </p:attrNameLst>
+                                      </p:cBhvr>
+                                      <p:to>
+                                        <p:strVal val="visible"/>
+                                      </p:to>
+                                    </p:set>
+                                  </p:childTnLst>
+                                </p:cTn>
+                              </p:par>
+                            </p:childTnLst>
+                          </p:cTn>
+                        </p:par>
+                      </p:childTnLst>
+                    </p:cTn>
+                  </p:par>
+                </p:childTnLst>
+              </p:cTn>
+              <p:prevCondLst>
+                <p:cond evt="onPrev" delay="0">
+                  <p:tgtEl>
+                    <p:sldTgt/>
+                  </p:tgtEl>
+                </p:cond>
+              </p:prevCondLst>
+              <p:nextCondLst>
+                <p:cond evt="onNext" delay="0">
+                  <p:tgtEl>
+                    <p:sldTgt/>
+                  </p:tgtEl>
+                </p:cond>
+              </p:nextCondLst>
+            </p:seq>
+          </p:childTnLst>
+        </p:cTn>
+      </p:par>
+    </p:tnLst>
+    <p:bldLst>
+      <p:bldP spid="3" grpId="0" build="p"/>
+    </p:bldLst>
+  </p:timing>
 </p:sld>
 </file>
 
@@ -4847,7 +5896,1900 @@
           <a:bodyPr/>
           <a:lstStyle/>
           <a:p>
+            <a:r>
+              <a:rPr lang="en-US" dirty="0"/>
+              <a:t>Checking backpropagation implementations</a:t>
+            </a:r>
+          </a:p>
+        </p:txBody>
+      </p:sp>
+      <mc:AlternateContent xmlns:mc="http://schemas.openxmlformats.org/markup-compatibility/2006">
+        <mc:Choice xmlns:a14="http://schemas.microsoft.com/office/drawing/2010/main" Requires="a14">
+          <p:sp>
+            <p:nvSpPr>
+              <p:cNvPr id="3" name="Content Placeholder 2">
+                <a:extLst>
+                  <a:ext uri="{FF2B5EF4-FFF2-40B4-BE49-F238E27FC236}">
+                    <a16:creationId xmlns:a16="http://schemas.microsoft.com/office/drawing/2014/main" id="{AF636BE3-95D2-4CEB-B804-F0010D58C00F}"/>
+                  </a:ext>
+                </a:extLst>
+              </p:cNvPr>
+              <p:cNvSpPr>
+                <a:spLocks noGrp="1"/>
+              </p:cNvSpPr>
+              <p:nvPr>
+                <p:ph idx="1"/>
+              </p:nvPr>
+            </p:nvSpPr>
+            <p:spPr>
+              <a:xfrm>
+                <a:off x="-1" y="883578"/>
+                <a:ext cx="12191999" cy="5966440"/>
+              </a:xfrm>
+            </p:spPr>
+            <p:txBody>
+              <a:bodyPr/>
+              <a:lstStyle/>
+              <a:p>
+                <a:r>
+                  <a:rPr lang="en-US" dirty="0"/>
+                  <a:t>Check backprop implementation for correctness by comparing analytic values of gradients with those computed numerically</a:t>
+                </a:r>
+              </a:p>
+              <a:p>
+                <a:r>
+                  <a:rPr lang="en-US" dirty="0"/>
+                  <a:t>Example: add/subtract a small perturbation </a:t>
+                </a:r>
+                <a14:m>
+                  <m:oMath xmlns:m="http://schemas.openxmlformats.org/officeDocument/2006/math">
+                    <m:r>
+                      <a:rPr lang="en-US" i="1" smtClean="0">
+                        <a:latin typeface="Cambria Math" panose="02040503050406030204" pitchFamily="18" charset="0"/>
+                        <a:ea typeface="Cambria Math" panose="02040503050406030204" pitchFamily="18" charset="0"/>
+                      </a:rPr>
+                      <m:t>𝜀</m:t>
+                    </m:r>
+                  </m:oMath>
+                </a14:m>
+                <a:r>
+                  <a:rPr lang="en-US" dirty="0"/>
+                  <a:t> to each parameter </a:t>
+                </a:r>
+                <a14:m>
+                  <m:oMath xmlns:m="http://schemas.openxmlformats.org/officeDocument/2006/math">
+                    <m:r>
+                      <a:rPr lang="en-US" i="1" smtClean="0">
+                        <a:latin typeface="Cambria Math" panose="02040503050406030204" pitchFamily="18" charset="0"/>
+                        <a:ea typeface="Cambria Math" panose="02040503050406030204" pitchFamily="18" charset="0"/>
+                      </a:rPr>
+                      <m:t>𝜃</m:t>
+                    </m:r>
+                  </m:oMath>
+                </a14:m>
+                <a:r>
+                  <a:rPr lang="en-US" dirty="0"/>
+                  <a:t> and then compute the symmetric finite difference approximation to derivative of loss:</a:t>
+                </a:r>
+              </a:p>
+              <a:p>
+                <a:pPr marL="0" indent="0">
+                  <a:buNone/>
+                </a:pPr>
+                <a:r>
+                  <a:rPr lang="en-US" sz="4000" dirty="0"/>
+                  <a:t>		</a:t>
+                </a:r>
+                <a14:m>
+                  <m:oMath xmlns:m="http://schemas.openxmlformats.org/officeDocument/2006/math">
+                    <m:f>
+                      <m:fPr>
+                        <m:ctrlPr>
+                          <a:rPr lang="en-US" sz="4000" i="1" smtClean="0">
+                            <a:latin typeface="Cambria Math" panose="02040503050406030204" pitchFamily="18" charset="0"/>
+                          </a:rPr>
+                        </m:ctrlPr>
+                      </m:fPr>
+                      <m:num>
+                        <m:r>
+                          <a:rPr lang="en-US" sz="4000" i="1" smtClean="0">
+                            <a:latin typeface="Cambria Math" panose="02040503050406030204" pitchFamily="18" charset="0"/>
+                            <a:ea typeface="Cambria Math" panose="02040503050406030204" pitchFamily="18" charset="0"/>
+                          </a:rPr>
+                          <m:t>𝜕</m:t>
+                        </m:r>
+                        <m:r>
+                          <a:rPr lang="en-US" sz="4000" b="0" i="1" smtClean="0">
+                            <a:latin typeface="Cambria Math" panose="02040503050406030204" pitchFamily="18" charset="0"/>
+                            <a:ea typeface="Cambria Math" panose="02040503050406030204" pitchFamily="18" charset="0"/>
+                          </a:rPr>
+                          <m:t>𝐿</m:t>
+                        </m:r>
+                      </m:num>
+                      <m:den>
+                        <m:r>
+                          <a:rPr lang="en-US" sz="4000" i="1" smtClean="0">
+                            <a:latin typeface="Cambria Math" panose="02040503050406030204" pitchFamily="18" charset="0"/>
+                            <a:ea typeface="Cambria Math" panose="02040503050406030204" pitchFamily="18" charset="0"/>
+                          </a:rPr>
+                          <m:t>𝜕𝜃</m:t>
+                        </m:r>
+                      </m:den>
+                    </m:f>
+                    <m:r>
+                      <a:rPr lang="en-US" sz="4000" b="0" i="1" smtClean="0">
+                        <a:latin typeface="Cambria Math" panose="02040503050406030204" pitchFamily="18" charset="0"/>
+                      </a:rPr>
+                      <m:t>=</m:t>
+                    </m:r>
+                    <m:f>
+                      <m:fPr>
+                        <m:ctrlPr>
+                          <a:rPr lang="en-US" sz="4000" b="0" i="1" smtClean="0">
+                            <a:latin typeface="Cambria Math" panose="02040503050406030204" pitchFamily="18" charset="0"/>
+                          </a:rPr>
+                        </m:ctrlPr>
+                      </m:fPr>
+                      <m:num>
+                        <m:r>
+                          <a:rPr lang="en-US" sz="4000" b="0" i="1" smtClean="0">
+                            <a:latin typeface="Cambria Math" panose="02040503050406030204" pitchFamily="18" charset="0"/>
+                          </a:rPr>
+                          <m:t>𝐿</m:t>
+                        </m:r>
+                        <m:d>
+                          <m:dPr>
+                            <m:ctrlPr>
+                              <a:rPr lang="en-US" sz="4000" b="0" i="1" smtClean="0">
+                                <a:latin typeface="Cambria Math" panose="02040503050406030204" pitchFamily="18" charset="0"/>
+                              </a:rPr>
+                            </m:ctrlPr>
+                          </m:dPr>
+                          <m:e>
+                            <m:r>
+                              <a:rPr lang="en-US" sz="4000" b="0" i="1" smtClean="0">
+                                <a:latin typeface="Cambria Math" panose="02040503050406030204" pitchFamily="18" charset="0"/>
+                                <a:ea typeface="Cambria Math" panose="02040503050406030204" pitchFamily="18" charset="0"/>
+                              </a:rPr>
+                              <m:t>𝜃</m:t>
+                            </m:r>
+                            <m:r>
+                              <a:rPr lang="en-US" sz="4000" b="0" i="1" smtClean="0">
+                                <a:latin typeface="Cambria Math" panose="02040503050406030204" pitchFamily="18" charset="0"/>
+                                <a:ea typeface="Cambria Math" panose="02040503050406030204" pitchFamily="18" charset="0"/>
+                              </a:rPr>
+                              <m:t>+</m:t>
+                            </m:r>
+                            <m:r>
+                              <a:rPr lang="en-US" sz="4000" b="0" i="1" smtClean="0">
+                                <a:latin typeface="Cambria Math" panose="02040503050406030204" pitchFamily="18" charset="0"/>
+                                <a:ea typeface="Cambria Math" panose="02040503050406030204" pitchFamily="18" charset="0"/>
+                              </a:rPr>
+                              <m:t>𝜀</m:t>
+                            </m:r>
+                          </m:e>
+                        </m:d>
+                        <m:r>
+                          <a:rPr lang="en-US" sz="4000" b="0" i="1" smtClean="0">
+                            <a:latin typeface="Cambria Math" panose="02040503050406030204" pitchFamily="18" charset="0"/>
+                            <a:ea typeface="Cambria Math" panose="02040503050406030204" pitchFamily="18" charset="0"/>
+                          </a:rPr>
+                          <m:t>−</m:t>
+                        </m:r>
+                        <m:r>
+                          <a:rPr lang="en-US" sz="4000" b="0" i="1" smtClean="0">
+                            <a:latin typeface="Cambria Math" panose="02040503050406030204" pitchFamily="18" charset="0"/>
+                            <a:ea typeface="Cambria Math" panose="02040503050406030204" pitchFamily="18" charset="0"/>
+                          </a:rPr>
+                          <m:t>𝐿</m:t>
+                        </m:r>
+                        <m:r>
+                          <a:rPr lang="en-US" sz="4000" b="0" i="1" smtClean="0">
+                            <a:latin typeface="Cambria Math" panose="02040503050406030204" pitchFamily="18" charset="0"/>
+                            <a:ea typeface="Cambria Math" panose="02040503050406030204" pitchFamily="18" charset="0"/>
+                          </a:rPr>
+                          <m:t>(</m:t>
+                        </m:r>
+                        <m:r>
+                          <a:rPr lang="en-US" sz="4000" b="0" i="1" smtClean="0">
+                            <a:latin typeface="Cambria Math" panose="02040503050406030204" pitchFamily="18" charset="0"/>
+                            <a:ea typeface="Cambria Math" panose="02040503050406030204" pitchFamily="18" charset="0"/>
+                          </a:rPr>
+                          <m:t>𝜃</m:t>
+                        </m:r>
+                        <m:r>
+                          <a:rPr lang="en-US" sz="4000" b="0" i="1" smtClean="0">
+                            <a:latin typeface="Cambria Math" panose="02040503050406030204" pitchFamily="18" charset="0"/>
+                            <a:ea typeface="Cambria Math" panose="02040503050406030204" pitchFamily="18" charset="0"/>
+                          </a:rPr>
+                          <m:t>−</m:t>
+                        </m:r>
+                        <m:r>
+                          <a:rPr lang="en-US" sz="4000" b="0" i="1" smtClean="0">
+                            <a:latin typeface="Cambria Math" panose="02040503050406030204" pitchFamily="18" charset="0"/>
+                            <a:ea typeface="Cambria Math" panose="02040503050406030204" pitchFamily="18" charset="0"/>
+                          </a:rPr>
+                          <m:t>𝜀</m:t>
+                        </m:r>
+                        <m:r>
+                          <a:rPr lang="en-US" sz="4000" b="0" i="1" smtClean="0">
+                            <a:latin typeface="Cambria Math" panose="02040503050406030204" pitchFamily="18" charset="0"/>
+                            <a:ea typeface="Cambria Math" panose="02040503050406030204" pitchFamily="18" charset="0"/>
+                          </a:rPr>
+                          <m:t>)</m:t>
+                        </m:r>
+                      </m:num>
+                      <m:den>
+                        <m:r>
+                          <a:rPr lang="en-US" sz="4000" b="0" i="1" smtClean="0">
+                            <a:latin typeface="Cambria Math" panose="02040503050406030204" pitchFamily="18" charset="0"/>
+                          </a:rPr>
+                          <m:t>2</m:t>
+                        </m:r>
+                        <m:r>
+                          <a:rPr lang="en-US" sz="4000" b="0" i="1" smtClean="0">
+                            <a:latin typeface="Cambria Math" panose="02040503050406030204" pitchFamily="18" charset="0"/>
+                            <a:ea typeface="Cambria Math" panose="02040503050406030204" pitchFamily="18" charset="0"/>
+                          </a:rPr>
+                          <m:t>𝜀</m:t>
+                        </m:r>
+                      </m:den>
+                    </m:f>
+                  </m:oMath>
+                </a14:m>
+                <a:r>
+                  <a:rPr lang="en-US" dirty="0"/>
+                  <a:t>, </a:t>
+                </a:r>
+              </a:p>
+              <a:p>
+                <a:r>
+                  <a:rPr lang="en-US" dirty="0"/>
+                  <a:t>Where the error in approximation is </a:t>
+                </a:r>
+                <a14:m>
+                  <m:oMath xmlns:m="http://schemas.openxmlformats.org/officeDocument/2006/math">
+                    <m:r>
+                      <a:rPr lang="en-US" b="0" i="1" smtClean="0">
+                        <a:latin typeface="Cambria Math" panose="02040503050406030204" pitchFamily="18" charset="0"/>
+                      </a:rPr>
+                      <m:t>𝑂</m:t>
+                    </m:r>
+                    <m:r>
+                      <a:rPr lang="en-US" b="0" i="1" smtClean="0">
+                        <a:latin typeface="Cambria Math" panose="02040503050406030204" pitchFamily="18" charset="0"/>
+                      </a:rPr>
+                      <m:t>(</m:t>
+                    </m:r>
+                    <m:sSup>
+                      <m:sSupPr>
+                        <m:ctrlPr>
+                          <a:rPr lang="en-US" b="0" i="1" smtClean="0">
+                            <a:latin typeface="Cambria Math" panose="02040503050406030204" pitchFamily="18" charset="0"/>
+                          </a:rPr>
+                        </m:ctrlPr>
+                      </m:sSupPr>
+                      <m:e>
+                        <m:r>
+                          <a:rPr lang="en-US" b="0" i="1" smtClean="0">
+                            <a:latin typeface="Cambria Math" panose="02040503050406030204" pitchFamily="18" charset="0"/>
+                            <a:ea typeface="Cambria Math" panose="02040503050406030204" pitchFamily="18" charset="0"/>
+                          </a:rPr>
+                          <m:t>𝜀</m:t>
+                        </m:r>
+                      </m:e>
+                      <m:sup>
+                        <m:r>
+                          <a:rPr lang="en-US" b="0" i="1" smtClean="0">
+                            <a:latin typeface="Cambria Math" panose="02040503050406030204" pitchFamily="18" charset="0"/>
+                          </a:rPr>
+                          <m:t>2</m:t>
+                        </m:r>
+                      </m:sup>
+                    </m:sSup>
+                    <m:r>
+                      <a:rPr lang="en-US" b="0" i="1" smtClean="0">
+                        <a:latin typeface="Cambria Math" panose="02040503050406030204" pitchFamily="18" charset="0"/>
+                      </a:rPr>
+                      <m:t>)</m:t>
+                    </m:r>
+                  </m:oMath>
+                </a14:m>
+                <a:endParaRPr lang="en-US" dirty="0"/>
+              </a:p>
+            </p:txBody>
+          </p:sp>
+        </mc:Choice>
+        <mc:Fallback>
+          <p:sp>
+            <p:nvSpPr>
+              <p:cNvPr id="3" name="Content Placeholder 2">
+                <a:extLst>
+                  <a:ext uri="{FF2B5EF4-FFF2-40B4-BE49-F238E27FC236}">
+                    <a16:creationId xmlns:a16="http://schemas.microsoft.com/office/drawing/2014/main" id="{AF636BE3-95D2-4CEB-B804-F0010D58C00F}"/>
+                  </a:ext>
+                </a:extLst>
+              </p:cNvPr>
+              <p:cNvSpPr>
+                <a:spLocks noGrp="1" noRot="1" noChangeAspect="1" noMove="1" noResize="1" noEditPoints="1" noAdjustHandles="1" noChangeArrowheads="1" noChangeShapeType="1" noTextEdit="1"/>
+              </p:cNvSpPr>
+              <p:nvPr>
+                <p:ph idx="1"/>
+              </p:nvPr>
+            </p:nvSpPr>
+            <p:spPr>
+              <a:xfrm>
+                <a:off x="-1" y="883578"/>
+                <a:ext cx="12191999" cy="5966440"/>
+              </a:xfrm>
+              <a:blipFill>
+                <a:blip r:embed="rId2"/>
+                <a:stretch>
+                  <a:fillRect l="-900" t="-1736"/>
+                </a:stretch>
+              </a:blipFill>
+            </p:spPr>
+            <p:txBody>
+              <a:bodyPr/>
+              <a:lstStyle/>
+              <a:p>
+                <a:r>
+                  <a:rPr lang="en-US">
+                    <a:noFill/>
+                  </a:rPr>
+                  <a:t> </a:t>
+                </a:r>
+              </a:p>
+            </p:txBody>
+          </p:sp>
+        </mc:Fallback>
+      </mc:AlternateContent>
+    </p:spTree>
+    <p:extLst>
+      <p:ext uri="{BB962C8B-B14F-4D97-AF65-F5344CB8AC3E}">
+        <p14:creationId xmlns:p14="http://schemas.microsoft.com/office/powerpoint/2010/main" val="912345105"/>
+      </p:ext>
+    </p:extLst>
+  </p:cSld>
+  <p:clrMapOvr>
+    <a:masterClrMapping/>
+  </p:clrMapOvr>
+  <p:timing>
+    <p:tnLst>
+      <p:par>
+        <p:cTn id="1" dur="indefinite" restart="never" nodeType="tmRoot">
+          <p:childTnLst>
+            <p:seq concurrent="1" nextAc="seek">
+              <p:cTn id="2" dur="indefinite" nodeType="mainSeq">
+                <p:childTnLst>
+                  <p:par>
+                    <p:cTn id="3" fill="hold">
+                      <p:stCondLst>
+                        <p:cond delay="indefinite"/>
+                      </p:stCondLst>
+                      <p:childTnLst>
+                        <p:par>
+                          <p:cTn id="4" fill="hold">
+                            <p:stCondLst>
+                              <p:cond delay="0"/>
+                            </p:stCondLst>
+                            <p:childTnLst>
+                              <p:par>
+                                <p:cTn id="5" presetID="1" presetClass="entr" presetSubtype="0" fill="hold" grpId="0" nodeType="clickEffect">
+                                  <p:stCondLst>
+                                    <p:cond delay="0"/>
+                                  </p:stCondLst>
+                                  <p:childTnLst>
+                                    <p:set>
+                                      <p:cBhvr>
+                                        <p:cTn id="6" dur="1" fill="hold">
+                                          <p:stCondLst>
+                                            <p:cond delay="0"/>
+                                          </p:stCondLst>
+                                        </p:cTn>
+                                        <p:tgtEl>
+                                          <p:spTgt spid="3">
+                                            <p:txEl>
+                                              <p:pRg st="0" end="0"/>
+                                            </p:txEl>
+                                          </p:spTgt>
+                                        </p:tgtEl>
+                                        <p:attrNameLst>
+                                          <p:attrName>style.visibility</p:attrName>
+                                        </p:attrNameLst>
+                                      </p:cBhvr>
+                                      <p:to>
+                                        <p:strVal val="visible"/>
+                                      </p:to>
+                                    </p:set>
+                                  </p:childTnLst>
+                                </p:cTn>
+                              </p:par>
+                            </p:childTnLst>
+                          </p:cTn>
+                        </p:par>
+                      </p:childTnLst>
+                    </p:cTn>
+                  </p:par>
+                  <p:par>
+                    <p:cTn id="7" fill="hold">
+                      <p:stCondLst>
+                        <p:cond delay="indefinite"/>
+                      </p:stCondLst>
+                      <p:childTnLst>
+                        <p:par>
+                          <p:cTn id="8" fill="hold">
+                            <p:stCondLst>
+                              <p:cond delay="0"/>
+                            </p:stCondLst>
+                            <p:childTnLst>
+                              <p:par>
+                                <p:cTn id="9" presetID="1" presetClass="entr" presetSubtype="0" fill="hold" grpId="0" nodeType="clickEffect">
+                                  <p:stCondLst>
+                                    <p:cond delay="0"/>
+                                  </p:stCondLst>
+                                  <p:childTnLst>
+                                    <p:set>
+                                      <p:cBhvr>
+                                        <p:cTn id="10" dur="1" fill="hold">
+                                          <p:stCondLst>
+                                            <p:cond delay="0"/>
+                                          </p:stCondLst>
+                                        </p:cTn>
+                                        <p:tgtEl>
+                                          <p:spTgt spid="3">
+                                            <p:txEl>
+                                              <p:pRg st="1" end="1"/>
+                                            </p:txEl>
+                                          </p:spTgt>
+                                        </p:tgtEl>
+                                        <p:attrNameLst>
+                                          <p:attrName>style.visibility</p:attrName>
+                                        </p:attrNameLst>
+                                      </p:cBhvr>
+                                      <p:to>
+                                        <p:strVal val="visible"/>
+                                      </p:to>
+                                    </p:set>
+                                  </p:childTnLst>
+                                </p:cTn>
+                              </p:par>
+                            </p:childTnLst>
+                          </p:cTn>
+                        </p:par>
+                      </p:childTnLst>
+                    </p:cTn>
+                  </p:par>
+                  <p:par>
+                    <p:cTn id="11" fill="hold">
+                      <p:stCondLst>
+                        <p:cond delay="indefinite"/>
+                      </p:stCondLst>
+                      <p:childTnLst>
+                        <p:par>
+                          <p:cTn id="12" fill="hold">
+                            <p:stCondLst>
+                              <p:cond delay="0"/>
+                            </p:stCondLst>
+                            <p:childTnLst>
+                              <p:par>
+                                <p:cTn id="13" presetID="1" presetClass="entr" presetSubtype="0" fill="hold" grpId="0" nodeType="clickEffect">
+                                  <p:stCondLst>
+                                    <p:cond delay="0"/>
+                                  </p:stCondLst>
+                                  <p:childTnLst>
+                                    <p:set>
+                                      <p:cBhvr>
+                                        <p:cTn id="14" dur="1" fill="hold">
+                                          <p:stCondLst>
+                                            <p:cond delay="0"/>
+                                          </p:stCondLst>
+                                        </p:cTn>
+                                        <p:tgtEl>
+                                          <p:spTgt spid="3">
+                                            <p:txEl>
+                                              <p:pRg st="2" end="2"/>
+                                            </p:txEl>
+                                          </p:spTgt>
+                                        </p:tgtEl>
+                                        <p:attrNameLst>
+                                          <p:attrName>style.visibility</p:attrName>
+                                        </p:attrNameLst>
+                                      </p:cBhvr>
+                                      <p:to>
+                                        <p:strVal val="visible"/>
+                                      </p:to>
+                                    </p:set>
+                                  </p:childTnLst>
+                                </p:cTn>
+                              </p:par>
+                            </p:childTnLst>
+                          </p:cTn>
+                        </p:par>
+                      </p:childTnLst>
+                    </p:cTn>
+                  </p:par>
+                  <p:par>
+                    <p:cTn id="15" fill="hold">
+                      <p:stCondLst>
+                        <p:cond delay="indefinite"/>
+                      </p:stCondLst>
+                      <p:childTnLst>
+                        <p:par>
+                          <p:cTn id="16" fill="hold">
+                            <p:stCondLst>
+                              <p:cond delay="0"/>
+                            </p:stCondLst>
+                            <p:childTnLst>
+                              <p:par>
+                                <p:cTn id="17" presetID="1" presetClass="entr" presetSubtype="0" fill="hold" grpId="0" nodeType="clickEffect">
+                                  <p:stCondLst>
+                                    <p:cond delay="0"/>
+                                  </p:stCondLst>
+                                  <p:childTnLst>
+                                    <p:set>
+                                      <p:cBhvr>
+                                        <p:cTn id="18" dur="1" fill="hold">
+                                          <p:stCondLst>
+                                            <p:cond delay="0"/>
+                                          </p:stCondLst>
+                                        </p:cTn>
+                                        <p:tgtEl>
+                                          <p:spTgt spid="3">
+                                            <p:txEl>
+                                              <p:pRg st="3" end="3"/>
+                                            </p:txEl>
+                                          </p:spTgt>
+                                        </p:tgtEl>
+                                        <p:attrNameLst>
+                                          <p:attrName>style.visibility</p:attrName>
+                                        </p:attrNameLst>
+                                      </p:cBhvr>
+                                      <p:to>
+                                        <p:strVal val="visible"/>
+                                      </p:to>
+                                    </p:set>
+                                  </p:childTnLst>
+                                </p:cTn>
+                              </p:par>
+                            </p:childTnLst>
+                          </p:cTn>
+                        </p:par>
+                      </p:childTnLst>
+                    </p:cTn>
+                  </p:par>
+                </p:childTnLst>
+              </p:cTn>
+              <p:prevCondLst>
+                <p:cond evt="onPrev" delay="0">
+                  <p:tgtEl>
+                    <p:sldTgt/>
+                  </p:tgtEl>
+                </p:cond>
+              </p:prevCondLst>
+              <p:nextCondLst>
+                <p:cond evt="onNext" delay="0">
+                  <p:tgtEl>
+                    <p:sldTgt/>
+                  </p:tgtEl>
+                </p:cond>
+              </p:nextCondLst>
+            </p:seq>
+          </p:childTnLst>
+        </p:cTn>
+      </p:par>
+    </p:tnLst>
+    <p:bldLst>
+      <p:bldP spid="3" grpId="0" build="p"/>
+    </p:bldLst>
+  </p:timing>
+</p:sld>
+</file>
+
+<file path=ppt/slides/slide15.xml><?xml version="1.0" encoding="utf-8"?>
+<p:sld xmlns:a="http://schemas.openxmlformats.org/drawingml/2006/main" xmlns:r="http://schemas.openxmlformats.org/officeDocument/2006/relationships" xmlns:p="http://schemas.openxmlformats.org/presentationml/2006/main">
+  <p:cSld>
+    <p:spTree>
+      <p:nvGrpSpPr>
+        <p:cNvPr id="1" name=""/>
+        <p:cNvGrpSpPr/>
+        <p:nvPr/>
+      </p:nvGrpSpPr>
+      <p:grpSpPr>
+        <a:xfrm>
+          <a:off x="0" y="0"/>
+          <a:ext cx="0" cy="0"/>
+          <a:chOff x="0" y="0"/>
+          <a:chExt cx="0" cy="0"/>
+        </a:xfrm>
+      </p:grpSpPr>
+      <p:sp>
+        <p:nvSpPr>
+          <p:cNvPr id="2" name="Title 1">
+            <a:extLst>
+              <a:ext uri="{FF2B5EF4-FFF2-40B4-BE49-F238E27FC236}">
+                <a16:creationId xmlns:a16="http://schemas.microsoft.com/office/drawing/2014/main" id="{1580A507-614B-4037-AE04-1D63D378A64F}"/>
+              </a:ext>
+            </a:extLst>
+          </p:cNvPr>
+          <p:cNvSpPr>
+            <a:spLocks noGrp="1"/>
+          </p:cNvSpPr>
+          <p:nvPr>
+            <p:ph type="title"/>
+          </p:nvPr>
+        </p:nvSpPr>
+        <p:spPr>
+          <a:xfrm>
+            <a:off x="0" y="18256"/>
+            <a:ext cx="10515600" cy="824226"/>
+          </a:xfrm>
+        </p:spPr>
+        <p:txBody>
+          <a:bodyPr/>
+          <a:lstStyle/>
+          <a:p>
+            <a:r>
+              <a:rPr lang="en-US" dirty="0"/>
+              <a:t>Convolutional neural networks (CNNs)</a:t>
+            </a:r>
+          </a:p>
+        </p:txBody>
+      </p:sp>
+      <mc:AlternateContent xmlns:mc="http://schemas.openxmlformats.org/markup-compatibility/2006">
+        <mc:Choice xmlns:a14="http://schemas.microsoft.com/office/drawing/2010/main" Requires="a14">
+          <p:sp>
+            <p:nvSpPr>
+              <p:cNvPr id="3" name="Content Placeholder 2">
+                <a:extLst>
+                  <a:ext uri="{FF2B5EF4-FFF2-40B4-BE49-F238E27FC236}">
+                    <a16:creationId xmlns:a16="http://schemas.microsoft.com/office/drawing/2014/main" id="{2372F903-1A52-4D62-8008-5DE5F0980F06}"/>
+                  </a:ext>
+                </a:extLst>
+              </p:cNvPr>
+              <p:cNvSpPr>
+                <a:spLocks noGrp="1"/>
+              </p:cNvSpPr>
+              <p:nvPr>
+                <p:ph idx="1"/>
+              </p:nvPr>
+            </p:nvSpPr>
+            <p:spPr>
+              <a:xfrm>
+                <a:off x="0" y="880405"/>
+                <a:ext cx="12192000" cy="1690618"/>
+              </a:xfrm>
+            </p:spPr>
+            <p:txBody>
+              <a:bodyPr>
+                <a:normAutofit/>
+              </a:bodyPr>
+              <a:lstStyle/>
+              <a:p>
+                <a:r>
+                  <a:rPr lang="en-US" dirty="0"/>
+                  <a:t>Convolution is the process of adding each element of the image to its local neighbors, weighted by a kernel</a:t>
+                </a:r>
+              </a:p>
+              <a:p>
+                <a:pPr marL="0" indent="0">
+                  <a:buNone/>
+                </a:pPr>
+                <a14:m>
+                  <m:oMathPara xmlns:m="http://schemas.openxmlformats.org/officeDocument/2006/math">
+                    <m:oMathParaPr>
+                      <m:jc m:val="centerGroup"/>
+                    </m:oMathParaPr>
+                    <m:oMath xmlns:m="http://schemas.openxmlformats.org/officeDocument/2006/math">
+                      <m:r>
+                        <a:rPr lang="en-US" b="0" i="1" smtClean="0">
+                          <a:latin typeface="Cambria Math" panose="02040503050406030204" pitchFamily="18" charset="0"/>
+                        </a:rPr>
+                        <m:t>𝑔</m:t>
+                      </m:r>
+                      <m:d>
+                        <m:dPr>
+                          <m:ctrlPr>
+                            <a:rPr lang="en-US" b="0" i="1" smtClean="0">
+                              <a:latin typeface="Cambria Math" panose="02040503050406030204" pitchFamily="18" charset="0"/>
+                            </a:rPr>
+                          </m:ctrlPr>
+                        </m:dPr>
+                        <m:e>
+                          <m:r>
+                            <a:rPr lang="en-US" b="0" i="1" smtClean="0">
+                              <a:latin typeface="Cambria Math" panose="02040503050406030204" pitchFamily="18" charset="0"/>
+                            </a:rPr>
+                            <m:t>𝑥</m:t>
+                          </m:r>
+                          <m:r>
+                            <a:rPr lang="en-US" b="0" i="1" smtClean="0">
+                              <a:latin typeface="Cambria Math" panose="02040503050406030204" pitchFamily="18" charset="0"/>
+                            </a:rPr>
+                            <m:t>,</m:t>
+                          </m:r>
+                          <m:r>
+                            <a:rPr lang="en-US" b="0" i="1" smtClean="0">
+                              <a:latin typeface="Cambria Math" panose="02040503050406030204" pitchFamily="18" charset="0"/>
+                            </a:rPr>
+                            <m:t>𝑦</m:t>
+                          </m:r>
+                        </m:e>
+                      </m:d>
+                      <m:r>
+                        <a:rPr lang="en-US" b="0" i="1" smtClean="0">
+                          <a:latin typeface="Cambria Math" panose="02040503050406030204" pitchFamily="18" charset="0"/>
+                        </a:rPr>
+                        <m:t>=</m:t>
+                      </m:r>
+                      <m:r>
+                        <a:rPr lang="en-US" b="0" i="1" smtClean="0">
+                          <a:latin typeface="Cambria Math" panose="02040503050406030204" pitchFamily="18" charset="0"/>
+                          <a:ea typeface="Cambria Math" panose="02040503050406030204" pitchFamily="18" charset="0"/>
+                        </a:rPr>
+                        <m:t>𝜔</m:t>
+                      </m:r>
+                      <m:r>
+                        <a:rPr lang="en-US" b="0" i="1" smtClean="0">
+                          <a:latin typeface="Cambria Math" panose="02040503050406030204" pitchFamily="18" charset="0"/>
+                          <a:ea typeface="Cambria Math" panose="02040503050406030204" pitchFamily="18" charset="0"/>
+                        </a:rPr>
+                        <m:t>∗</m:t>
+                      </m:r>
+                      <m:r>
+                        <a:rPr lang="en-US" b="0" i="1" smtClean="0">
+                          <a:latin typeface="Cambria Math" panose="02040503050406030204" pitchFamily="18" charset="0"/>
+                          <a:ea typeface="Cambria Math" panose="02040503050406030204" pitchFamily="18" charset="0"/>
+                        </a:rPr>
+                        <m:t>𝑓</m:t>
+                      </m:r>
+                      <m:d>
+                        <m:dPr>
+                          <m:ctrlPr>
+                            <a:rPr lang="en-US" b="0" i="1" smtClean="0">
+                              <a:latin typeface="Cambria Math" panose="02040503050406030204" pitchFamily="18" charset="0"/>
+                              <a:ea typeface="Cambria Math" panose="02040503050406030204" pitchFamily="18" charset="0"/>
+                            </a:rPr>
+                          </m:ctrlPr>
+                        </m:dPr>
+                        <m:e>
+                          <m:r>
+                            <a:rPr lang="en-US" b="0" i="1" smtClean="0">
+                              <a:latin typeface="Cambria Math" panose="02040503050406030204" pitchFamily="18" charset="0"/>
+                              <a:ea typeface="Cambria Math" panose="02040503050406030204" pitchFamily="18" charset="0"/>
+                            </a:rPr>
+                            <m:t>𝑥</m:t>
+                          </m:r>
+                          <m:r>
+                            <a:rPr lang="en-US" b="0" i="1" smtClean="0">
+                              <a:latin typeface="Cambria Math" panose="02040503050406030204" pitchFamily="18" charset="0"/>
+                              <a:ea typeface="Cambria Math" panose="02040503050406030204" pitchFamily="18" charset="0"/>
+                            </a:rPr>
+                            <m:t>,</m:t>
+                          </m:r>
+                          <m:r>
+                            <a:rPr lang="en-US" b="0" i="1" smtClean="0">
+                              <a:latin typeface="Cambria Math" panose="02040503050406030204" pitchFamily="18" charset="0"/>
+                              <a:ea typeface="Cambria Math" panose="02040503050406030204" pitchFamily="18" charset="0"/>
+                            </a:rPr>
+                            <m:t>𝑦</m:t>
+                          </m:r>
+                        </m:e>
+                      </m:d>
+                      <m:r>
+                        <a:rPr lang="en-US" b="0" i="1" smtClean="0">
+                          <a:latin typeface="Cambria Math" panose="02040503050406030204" pitchFamily="18" charset="0"/>
+                          <a:ea typeface="Cambria Math" panose="02040503050406030204" pitchFamily="18" charset="0"/>
+                        </a:rPr>
+                        <m:t>=</m:t>
+                      </m:r>
+                      <m:nary>
+                        <m:naryPr>
+                          <m:chr m:val="∑"/>
+                          <m:limLoc m:val="subSup"/>
+                          <m:ctrlPr>
+                            <a:rPr lang="en-US" b="0" i="1" smtClean="0">
+                              <a:latin typeface="Cambria Math" panose="02040503050406030204" pitchFamily="18" charset="0"/>
+                              <a:ea typeface="Cambria Math" panose="02040503050406030204" pitchFamily="18" charset="0"/>
+                            </a:rPr>
+                          </m:ctrlPr>
+                        </m:naryPr>
+                        <m:sub>
+                          <m:r>
+                            <m:rPr>
+                              <m:brk m:alnAt="25"/>
+                            </m:rPr>
+                            <a:rPr lang="en-US" b="0" i="1" smtClean="0">
+                              <a:latin typeface="Cambria Math" panose="02040503050406030204" pitchFamily="18" charset="0"/>
+                              <a:ea typeface="Cambria Math" panose="02040503050406030204" pitchFamily="18" charset="0"/>
+                            </a:rPr>
+                            <m:t>𝑠</m:t>
+                          </m:r>
+                          <m:r>
+                            <a:rPr lang="en-US" b="0" i="1" smtClean="0">
+                              <a:latin typeface="Cambria Math" panose="02040503050406030204" pitchFamily="18" charset="0"/>
+                              <a:ea typeface="Cambria Math" panose="02040503050406030204" pitchFamily="18" charset="0"/>
+                            </a:rPr>
+                            <m:t>=−</m:t>
+                          </m:r>
+                          <m:r>
+                            <a:rPr lang="en-US" b="0" i="1" smtClean="0">
+                              <a:latin typeface="Cambria Math" panose="02040503050406030204" pitchFamily="18" charset="0"/>
+                              <a:ea typeface="Cambria Math" panose="02040503050406030204" pitchFamily="18" charset="0"/>
+                            </a:rPr>
+                            <m:t>𝑎</m:t>
+                          </m:r>
+                        </m:sub>
+                        <m:sup>
+                          <m:r>
+                            <a:rPr lang="en-US" b="0" i="1" smtClean="0">
+                              <a:latin typeface="Cambria Math" panose="02040503050406030204" pitchFamily="18" charset="0"/>
+                              <a:ea typeface="Cambria Math" panose="02040503050406030204" pitchFamily="18" charset="0"/>
+                            </a:rPr>
+                            <m:t>𝑎</m:t>
+                          </m:r>
+                        </m:sup>
+                        <m:e>
+                          <m:nary>
+                            <m:naryPr>
+                              <m:chr m:val="∑"/>
+                              <m:limLoc m:val="subSup"/>
+                              <m:ctrlPr>
+                                <a:rPr lang="en-US" b="0" i="1" smtClean="0">
+                                  <a:latin typeface="Cambria Math" panose="02040503050406030204" pitchFamily="18" charset="0"/>
+                                  <a:ea typeface="Cambria Math" panose="02040503050406030204" pitchFamily="18" charset="0"/>
+                                </a:rPr>
+                              </m:ctrlPr>
+                            </m:naryPr>
+                            <m:sub>
+                              <m:r>
+                                <m:rPr>
+                                  <m:brk m:alnAt="25"/>
+                                </m:rPr>
+                                <a:rPr lang="en-US" b="0" i="1" smtClean="0">
+                                  <a:latin typeface="Cambria Math" panose="02040503050406030204" pitchFamily="18" charset="0"/>
+                                  <a:ea typeface="Cambria Math" panose="02040503050406030204" pitchFamily="18" charset="0"/>
+                                </a:rPr>
+                                <m:t>𝑡</m:t>
+                              </m:r>
+                              <m:r>
+                                <a:rPr lang="en-US" b="0" i="1" smtClean="0">
+                                  <a:latin typeface="Cambria Math" panose="02040503050406030204" pitchFamily="18" charset="0"/>
+                                  <a:ea typeface="Cambria Math" panose="02040503050406030204" pitchFamily="18" charset="0"/>
+                                </a:rPr>
+                                <m:t>=−</m:t>
+                              </m:r>
+                              <m:r>
+                                <a:rPr lang="en-US" b="0" i="1" smtClean="0">
+                                  <a:latin typeface="Cambria Math" panose="02040503050406030204" pitchFamily="18" charset="0"/>
+                                  <a:ea typeface="Cambria Math" panose="02040503050406030204" pitchFamily="18" charset="0"/>
+                                </a:rPr>
+                                <m:t>𝑏</m:t>
+                              </m:r>
+                            </m:sub>
+                            <m:sup>
+                              <m:r>
+                                <a:rPr lang="en-US" b="0" i="1" smtClean="0">
+                                  <a:latin typeface="Cambria Math" panose="02040503050406030204" pitchFamily="18" charset="0"/>
+                                  <a:ea typeface="Cambria Math" panose="02040503050406030204" pitchFamily="18" charset="0"/>
+                                </a:rPr>
+                                <m:t>𝑏</m:t>
+                              </m:r>
+                            </m:sup>
+                            <m:e>
+                              <m:r>
+                                <a:rPr lang="en-US" b="0" i="1" smtClean="0">
+                                  <a:latin typeface="Cambria Math" panose="02040503050406030204" pitchFamily="18" charset="0"/>
+                                  <a:ea typeface="Cambria Math" panose="02040503050406030204" pitchFamily="18" charset="0"/>
+                                </a:rPr>
+                                <m:t>𝜔</m:t>
+                              </m:r>
+                              <m:d>
+                                <m:dPr>
+                                  <m:ctrlPr>
+                                    <a:rPr lang="en-US" b="0" i="1" smtClean="0">
+                                      <a:latin typeface="Cambria Math" panose="02040503050406030204" pitchFamily="18" charset="0"/>
+                                      <a:ea typeface="Cambria Math" panose="02040503050406030204" pitchFamily="18" charset="0"/>
+                                    </a:rPr>
+                                  </m:ctrlPr>
+                                </m:dPr>
+                                <m:e>
+                                  <m:r>
+                                    <a:rPr lang="en-US" b="0" i="1" smtClean="0">
+                                      <a:latin typeface="Cambria Math" panose="02040503050406030204" pitchFamily="18" charset="0"/>
+                                      <a:ea typeface="Cambria Math" panose="02040503050406030204" pitchFamily="18" charset="0"/>
+                                    </a:rPr>
+                                    <m:t>𝑠</m:t>
+                                  </m:r>
+                                  <m:r>
+                                    <a:rPr lang="en-US" b="0" i="1" smtClean="0">
+                                      <a:latin typeface="Cambria Math" panose="02040503050406030204" pitchFamily="18" charset="0"/>
+                                      <a:ea typeface="Cambria Math" panose="02040503050406030204" pitchFamily="18" charset="0"/>
+                                    </a:rPr>
+                                    <m:t>,</m:t>
+                                  </m:r>
+                                  <m:r>
+                                    <a:rPr lang="en-US" b="0" i="1" smtClean="0">
+                                      <a:latin typeface="Cambria Math" panose="02040503050406030204" pitchFamily="18" charset="0"/>
+                                      <a:ea typeface="Cambria Math" panose="02040503050406030204" pitchFamily="18" charset="0"/>
+                                    </a:rPr>
+                                    <m:t>𝑡</m:t>
+                                  </m:r>
+                                </m:e>
+                              </m:d>
+                              <m:r>
+                                <a:rPr lang="en-US" b="0" i="1" smtClean="0">
+                                  <a:latin typeface="Cambria Math" panose="02040503050406030204" pitchFamily="18" charset="0"/>
+                                  <a:ea typeface="Cambria Math" panose="02040503050406030204" pitchFamily="18" charset="0"/>
+                                </a:rPr>
+                                <m:t>𝑓</m:t>
+                              </m:r>
+                              <m:r>
+                                <a:rPr lang="en-US" b="0" i="1" smtClean="0">
+                                  <a:latin typeface="Cambria Math" panose="02040503050406030204" pitchFamily="18" charset="0"/>
+                                  <a:ea typeface="Cambria Math" panose="02040503050406030204" pitchFamily="18" charset="0"/>
+                                </a:rPr>
+                                <m:t>(</m:t>
+                              </m:r>
+                              <m:r>
+                                <a:rPr lang="en-US" b="0" i="1" smtClean="0">
+                                  <a:latin typeface="Cambria Math" panose="02040503050406030204" pitchFamily="18" charset="0"/>
+                                  <a:ea typeface="Cambria Math" panose="02040503050406030204" pitchFamily="18" charset="0"/>
+                                </a:rPr>
+                                <m:t>𝑥</m:t>
+                              </m:r>
+                              <m:r>
+                                <a:rPr lang="en-US" b="0" i="1" smtClean="0">
+                                  <a:latin typeface="Cambria Math" panose="02040503050406030204" pitchFamily="18" charset="0"/>
+                                  <a:ea typeface="Cambria Math" panose="02040503050406030204" pitchFamily="18" charset="0"/>
+                                </a:rPr>
+                                <m:t>−</m:t>
+                              </m:r>
+                              <m:r>
+                                <a:rPr lang="en-US" b="0" i="1" smtClean="0">
+                                  <a:latin typeface="Cambria Math" panose="02040503050406030204" pitchFamily="18" charset="0"/>
+                                  <a:ea typeface="Cambria Math" panose="02040503050406030204" pitchFamily="18" charset="0"/>
+                                </a:rPr>
+                                <m:t>𝑠</m:t>
+                              </m:r>
+                              <m:r>
+                                <a:rPr lang="en-US" b="0" i="1" smtClean="0">
+                                  <a:latin typeface="Cambria Math" panose="02040503050406030204" pitchFamily="18" charset="0"/>
+                                  <a:ea typeface="Cambria Math" panose="02040503050406030204" pitchFamily="18" charset="0"/>
+                                </a:rPr>
+                                <m:t>,</m:t>
+                              </m:r>
+                              <m:r>
+                                <a:rPr lang="en-US" b="0" i="1" smtClean="0">
+                                  <a:latin typeface="Cambria Math" panose="02040503050406030204" pitchFamily="18" charset="0"/>
+                                  <a:ea typeface="Cambria Math" panose="02040503050406030204" pitchFamily="18" charset="0"/>
+                                </a:rPr>
+                                <m:t>𝑦</m:t>
+                              </m:r>
+                              <m:r>
+                                <a:rPr lang="en-US" b="0" i="1" smtClean="0">
+                                  <a:latin typeface="Cambria Math" panose="02040503050406030204" pitchFamily="18" charset="0"/>
+                                  <a:ea typeface="Cambria Math" panose="02040503050406030204" pitchFamily="18" charset="0"/>
+                                </a:rPr>
+                                <m:t>−</m:t>
+                              </m:r>
+                              <m:r>
+                                <a:rPr lang="en-US" b="0" i="1" smtClean="0">
+                                  <a:latin typeface="Cambria Math" panose="02040503050406030204" pitchFamily="18" charset="0"/>
+                                  <a:ea typeface="Cambria Math" panose="02040503050406030204" pitchFamily="18" charset="0"/>
+                                </a:rPr>
+                                <m:t>𝑡</m:t>
+                              </m:r>
+                              <m:r>
+                                <a:rPr lang="en-US" b="0" i="1" smtClean="0">
+                                  <a:latin typeface="Cambria Math" panose="02040503050406030204" pitchFamily="18" charset="0"/>
+                                  <a:ea typeface="Cambria Math" panose="02040503050406030204" pitchFamily="18" charset="0"/>
+                                </a:rPr>
+                                <m:t>)</m:t>
+                              </m:r>
+                            </m:e>
+                          </m:nary>
+                        </m:e>
+                      </m:nary>
+                    </m:oMath>
+                  </m:oMathPara>
+                </a14:m>
+                <a:endParaRPr lang="en-US" dirty="0"/>
+              </a:p>
+            </p:txBody>
+          </p:sp>
+        </mc:Choice>
+        <mc:Fallback>
+          <p:sp>
+            <p:nvSpPr>
+              <p:cNvPr id="3" name="Content Placeholder 2">
+                <a:extLst>
+                  <a:ext uri="{FF2B5EF4-FFF2-40B4-BE49-F238E27FC236}">
+                    <a16:creationId xmlns:a16="http://schemas.microsoft.com/office/drawing/2014/main" id="{2372F903-1A52-4D62-8008-5DE5F0980F06}"/>
+                  </a:ext>
+                </a:extLst>
+              </p:cNvPr>
+              <p:cNvSpPr>
+                <a:spLocks noGrp="1" noRot="1" noChangeAspect="1" noMove="1" noResize="1" noEditPoints="1" noAdjustHandles="1" noChangeArrowheads="1" noChangeShapeType="1" noTextEdit="1"/>
+              </p:cNvSpPr>
+              <p:nvPr>
+                <p:ph idx="1"/>
+              </p:nvPr>
+            </p:nvSpPr>
+            <p:spPr>
+              <a:xfrm>
+                <a:off x="0" y="880405"/>
+                <a:ext cx="12192000" cy="1690618"/>
+              </a:xfrm>
+              <a:blipFill>
+                <a:blip r:embed="rId2"/>
+                <a:stretch>
+                  <a:fillRect l="-900" t="-5755"/>
+                </a:stretch>
+              </a:blipFill>
+            </p:spPr>
+            <p:txBody>
+              <a:bodyPr/>
+              <a:lstStyle/>
+              <a:p>
+                <a:r>
+                  <a:rPr lang="en-US">
+                    <a:noFill/>
+                  </a:rPr>
+                  <a:t> </a:t>
+                </a:r>
+              </a:p>
+            </p:txBody>
+          </p:sp>
+        </mc:Fallback>
+      </mc:AlternateContent>
+      <p:pic>
+        <p:nvPicPr>
+          <p:cNvPr id="4" name="Picture 3">
+            <a:extLst>
+              <a:ext uri="{FF2B5EF4-FFF2-40B4-BE49-F238E27FC236}">
+                <a16:creationId xmlns:a16="http://schemas.microsoft.com/office/drawing/2014/main" id="{7CB6DAF2-84EF-40CE-8E72-3F9BCE99547F}"/>
+              </a:ext>
+            </a:extLst>
+          </p:cNvPr>
+          <p:cNvPicPr>
+            <a:picLocks noChangeAspect="1"/>
+          </p:cNvPicPr>
+          <p:nvPr/>
+        </p:nvPicPr>
+        <p:blipFill>
+          <a:blip r:embed="rId3"/>
+          <a:stretch>
+            <a:fillRect/>
+          </a:stretch>
+        </p:blipFill>
+        <p:spPr>
+          <a:xfrm>
+            <a:off x="7995318" y="4471525"/>
+            <a:ext cx="1849562" cy="1849562"/>
+          </a:xfrm>
+          <a:prstGeom prst="rect">
+            <a:avLst/>
+          </a:prstGeom>
+        </p:spPr>
+      </p:pic>
+      <p:pic>
+        <p:nvPicPr>
+          <p:cNvPr id="1026" name="Picture 2">
+            <a:extLst>
+              <a:ext uri="{FF2B5EF4-FFF2-40B4-BE49-F238E27FC236}">
+                <a16:creationId xmlns:a16="http://schemas.microsoft.com/office/drawing/2014/main" id="{047F2583-825E-4F8D-A69C-D9D6D12F4A3D}"/>
+              </a:ext>
+            </a:extLst>
+          </p:cNvPr>
+          <p:cNvPicPr>
+            <a:picLocks noChangeAspect="1" noChangeArrowheads="1"/>
+          </p:cNvPicPr>
+          <p:nvPr/>
+        </p:nvPicPr>
+        <p:blipFill>
+          <a:blip r:embed="rId4">
+            <a:extLst>
+              <a:ext uri="{28A0092B-C50C-407E-A947-70E740481C1C}">
+                <a14:useLocalDpi xmlns:a14="http://schemas.microsoft.com/office/drawing/2010/main" val="0"/>
+              </a:ext>
+            </a:extLst>
+          </a:blip>
+          <a:srcRect/>
+          <a:stretch>
+            <a:fillRect/>
+          </a:stretch>
+        </p:blipFill>
+        <p:spPr bwMode="auto">
+          <a:xfrm>
+            <a:off x="2194175" y="4471525"/>
+            <a:ext cx="1849562" cy="1849562"/>
+          </a:xfrm>
+          <a:prstGeom prst="rect">
+            <a:avLst/>
+          </a:prstGeom>
+          <a:noFill/>
+          <a:extLst>
+            <a:ext uri="{909E8E84-426E-40DD-AFC4-6F175D3DCCD1}">
+              <a14:hiddenFill xmlns:a14="http://schemas.microsoft.com/office/drawing/2010/main">
+                <a:solidFill>
+                  <a:srgbClr val="FFFFFF"/>
+                </a:solidFill>
+              </a14:hiddenFill>
+            </a:ext>
+          </a:extLst>
+        </p:spPr>
+      </p:pic>
+      <p:pic>
+        <p:nvPicPr>
+          <p:cNvPr id="1028" name="Picture 4">
+            <a:extLst>
+              <a:ext uri="{FF2B5EF4-FFF2-40B4-BE49-F238E27FC236}">
+                <a16:creationId xmlns:a16="http://schemas.microsoft.com/office/drawing/2014/main" id="{0C2CE69C-6F59-4055-B6F5-05C564F65500}"/>
+              </a:ext>
+            </a:extLst>
+          </p:cNvPr>
+          <p:cNvPicPr>
+            <a:picLocks noChangeAspect="1" noChangeArrowheads="1"/>
+          </p:cNvPicPr>
+          <p:nvPr/>
+        </p:nvPicPr>
+        <p:blipFill>
+          <a:blip r:embed="rId5">
+            <a:extLst>
+              <a:ext uri="{28A0092B-C50C-407E-A947-70E740481C1C}">
+                <a14:useLocalDpi xmlns:a14="http://schemas.microsoft.com/office/drawing/2010/main" val="0"/>
+              </a:ext>
+            </a:extLst>
+          </a:blip>
+          <a:srcRect/>
+          <a:stretch>
+            <a:fillRect/>
+          </a:stretch>
+        </p:blipFill>
+        <p:spPr bwMode="auto">
+          <a:xfrm>
+            <a:off x="5078792" y="4471525"/>
+            <a:ext cx="1849562" cy="1849562"/>
+          </a:xfrm>
+          <a:prstGeom prst="rect">
+            <a:avLst/>
+          </a:prstGeom>
+          <a:noFill/>
+          <a:extLst>
+            <a:ext uri="{909E8E84-426E-40DD-AFC4-6F175D3DCCD1}">
+              <a14:hiddenFill xmlns:a14="http://schemas.microsoft.com/office/drawing/2010/main">
+                <a:solidFill>
+                  <a:srgbClr val="FFFFFF"/>
+                </a:solidFill>
+              </a14:hiddenFill>
+            </a:ext>
+          </a:extLst>
+        </p:spPr>
+      </p:pic>
+      <p:pic>
+        <p:nvPicPr>
+          <p:cNvPr id="11" name="Picture 10">
+            <a:extLst>
+              <a:ext uri="{FF2B5EF4-FFF2-40B4-BE49-F238E27FC236}">
+                <a16:creationId xmlns:a16="http://schemas.microsoft.com/office/drawing/2014/main" id="{DD0EB4A9-EE8B-4FC6-8C38-4329FD22F11E}"/>
+              </a:ext>
+            </a:extLst>
+          </p:cNvPr>
+          <p:cNvPicPr>
+            <a:picLocks noChangeAspect="1"/>
+          </p:cNvPicPr>
+          <p:nvPr/>
+        </p:nvPicPr>
+        <p:blipFill>
+          <a:blip r:embed="rId6"/>
+          <a:stretch>
+            <a:fillRect/>
+          </a:stretch>
+        </p:blipFill>
+        <p:spPr>
+          <a:xfrm>
+            <a:off x="7939880" y="3221328"/>
+            <a:ext cx="1905000" cy="1076325"/>
+          </a:xfrm>
+          <a:prstGeom prst="rect">
+            <a:avLst/>
+          </a:prstGeom>
+        </p:spPr>
+      </p:pic>
+      <p:pic>
+        <p:nvPicPr>
+          <p:cNvPr id="12" name="Picture 11">
+            <a:extLst>
+              <a:ext uri="{FF2B5EF4-FFF2-40B4-BE49-F238E27FC236}">
+                <a16:creationId xmlns:a16="http://schemas.microsoft.com/office/drawing/2014/main" id="{2113EA03-10AA-43F1-8834-1EB4CD50B83F}"/>
+              </a:ext>
+            </a:extLst>
+          </p:cNvPr>
+          <p:cNvPicPr>
+            <a:picLocks noChangeAspect="1"/>
+          </p:cNvPicPr>
+          <p:nvPr/>
+        </p:nvPicPr>
+        <p:blipFill>
+          <a:blip r:embed="rId7"/>
+          <a:stretch>
+            <a:fillRect/>
+          </a:stretch>
+        </p:blipFill>
+        <p:spPr>
+          <a:xfrm>
+            <a:off x="2480781" y="3095940"/>
+            <a:ext cx="1276350" cy="1104900"/>
+          </a:xfrm>
+          <a:prstGeom prst="rect">
+            <a:avLst/>
+          </a:prstGeom>
+        </p:spPr>
+      </p:pic>
+      <p:pic>
+        <p:nvPicPr>
+          <p:cNvPr id="13" name="Picture 12">
+            <a:extLst>
+              <a:ext uri="{FF2B5EF4-FFF2-40B4-BE49-F238E27FC236}">
+                <a16:creationId xmlns:a16="http://schemas.microsoft.com/office/drawing/2014/main" id="{AC032A02-E9EE-49C3-AA8E-64804F7757B8}"/>
+              </a:ext>
+            </a:extLst>
+          </p:cNvPr>
+          <p:cNvPicPr>
+            <a:picLocks noChangeAspect="1"/>
+          </p:cNvPicPr>
+          <p:nvPr/>
+        </p:nvPicPr>
+        <p:blipFill>
+          <a:blip r:embed="rId8"/>
+          <a:stretch>
+            <a:fillRect/>
+          </a:stretch>
+        </p:blipFill>
+        <p:spPr>
+          <a:xfrm>
+            <a:off x="4295869" y="2671282"/>
+            <a:ext cx="2809875" cy="1657350"/>
+          </a:xfrm>
+          <a:prstGeom prst="rect">
+            <a:avLst/>
+          </a:prstGeom>
+        </p:spPr>
+      </p:pic>
+      <p:sp>
+        <p:nvSpPr>
+          <p:cNvPr id="14" name="TextBox 13">
+            <a:extLst>
+              <a:ext uri="{FF2B5EF4-FFF2-40B4-BE49-F238E27FC236}">
+                <a16:creationId xmlns:a16="http://schemas.microsoft.com/office/drawing/2014/main" id="{AEA058DD-7970-48D2-96C5-8E98497F61BA}"/>
+              </a:ext>
+            </a:extLst>
+          </p:cNvPr>
+          <p:cNvSpPr txBox="1"/>
+          <p:nvPr/>
+        </p:nvSpPr>
+        <p:spPr>
+          <a:xfrm>
+            <a:off x="2720859" y="6229134"/>
+            <a:ext cx="1947809" cy="369332"/>
+          </a:xfrm>
+          <a:prstGeom prst="rect">
+            <a:avLst/>
+          </a:prstGeom>
+          <a:noFill/>
+        </p:spPr>
+        <p:txBody>
+          <a:bodyPr wrap="square" rtlCol="0">
+            <a:spAutoFit/>
+          </a:bodyPr>
+          <a:lstStyle/>
+          <a:p>
+            <a:r>
+              <a:rPr lang="en-US" dirty="0"/>
+              <a:t>Original</a:t>
+            </a:r>
+          </a:p>
+        </p:txBody>
+      </p:sp>
+      <p:sp>
+        <p:nvSpPr>
+          <p:cNvPr id="15" name="TextBox 14">
+            <a:extLst>
+              <a:ext uri="{FF2B5EF4-FFF2-40B4-BE49-F238E27FC236}">
+                <a16:creationId xmlns:a16="http://schemas.microsoft.com/office/drawing/2014/main" id="{31FB3359-5E42-4275-9655-7A0775439086}"/>
+              </a:ext>
+            </a:extLst>
+          </p:cNvPr>
+          <p:cNvSpPr txBox="1"/>
+          <p:nvPr/>
+        </p:nvSpPr>
+        <p:spPr>
+          <a:xfrm>
+            <a:off x="5033400" y="6236680"/>
+            <a:ext cx="2125199" cy="369332"/>
+          </a:xfrm>
+          <a:prstGeom prst="rect">
+            <a:avLst/>
+          </a:prstGeom>
+          <a:noFill/>
+        </p:spPr>
+        <p:txBody>
+          <a:bodyPr wrap="square" rtlCol="0">
+            <a:spAutoFit/>
+          </a:bodyPr>
+          <a:lstStyle/>
+          <a:p>
+            <a:r>
+              <a:rPr lang="en-US" dirty="0"/>
+              <a:t>Gaussian blur (5x5)</a:t>
+            </a:r>
+          </a:p>
+        </p:txBody>
+      </p:sp>
+      <p:sp>
+        <p:nvSpPr>
+          <p:cNvPr id="16" name="TextBox 15">
+            <a:extLst>
+              <a:ext uri="{FF2B5EF4-FFF2-40B4-BE49-F238E27FC236}">
+                <a16:creationId xmlns:a16="http://schemas.microsoft.com/office/drawing/2014/main" id="{72925A31-9270-465B-B556-5917DA9423A9}"/>
+              </a:ext>
+            </a:extLst>
+          </p:cNvPr>
+          <p:cNvSpPr txBox="1"/>
+          <p:nvPr/>
+        </p:nvSpPr>
+        <p:spPr>
+          <a:xfrm>
+            <a:off x="8105336" y="6236680"/>
+            <a:ext cx="1905000" cy="369332"/>
+          </a:xfrm>
+          <a:prstGeom prst="rect">
+            <a:avLst/>
+          </a:prstGeom>
+          <a:noFill/>
+        </p:spPr>
+        <p:txBody>
+          <a:bodyPr wrap="square" rtlCol="0">
+            <a:spAutoFit/>
+          </a:bodyPr>
+          <a:lstStyle/>
+          <a:p>
+            <a:r>
+              <a:rPr lang="en-US" dirty="0"/>
+              <a:t>Edge detection</a:t>
+            </a:r>
+          </a:p>
+        </p:txBody>
+      </p:sp>
+      <p:sp>
+        <p:nvSpPr>
+          <p:cNvPr id="17" name="Rectangle 16">
+            <a:extLst>
+              <a:ext uri="{FF2B5EF4-FFF2-40B4-BE49-F238E27FC236}">
+                <a16:creationId xmlns:a16="http://schemas.microsoft.com/office/drawing/2014/main" id="{2BD1072A-6066-4CFC-8B75-EACAB8C2DCEB}"/>
+              </a:ext>
+            </a:extLst>
+          </p:cNvPr>
+          <p:cNvSpPr/>
+          <p:nvPr/>
+        </p:nvSpPr>
+        <p:spPr>
+          <a:xfrm>
+            <a:off x="-57755" y="6507185"/>
+            <a:ext cx="5557227" cy="369332"/>
+          </a:xfrm>
+          <a:prstGeom prst="rect">
+            <a:avLst/>
+          </a:prstGeom>
+        </p:spPr>
+        <p:txBody>
+          <a:bodyPr wrap="none">
+            <a:spAutoFit/>
+          </a:bodyPr>
+          <a:lstStyle/>
+          <a:p>
+            <a:r>
+              <a:rPr lang="en-US" dirty="0">
+                <a:hlinkClick r:id="rId9"/>
+              </a:rPr>
+              <a:t>https://en.wikipedia.org/wiki/Kernel_(image_processing)</a:t>
+            </a:r>
             <a:endParaRPr lang="en-US" dirty="0"/>
+          </a:p>
+        </p:txBody>
+      </p:sp>
+    </p:spTree>
+    <p:extLst>
+      <p:ext uri="{BB962C8B-B14F-4D97-AF65-F5344CB8AC3E}">
+        <p14:creationId xmlns:p14="http://schemas.microsoft.com/office/powerpoint/2010/main" val="3165293378"/>
+      </p:ext>
+    </p:extLst>
+  </p:cSld>
+  <p:clrMapOvr>
+    <a:masterClrMapping/>
+  </p:clrMapOvr>
+  <p:timing>
+    <p:tnLst>
+      <p:par>
+        <p:cTn id="1" dur="indefinite" restart="never" nodeType="tmRoot">
+          <p:childTnLst>
+            <p:seq concurrent="1" nextAc="seek">
+              <p:cTn id="2" dur="indefinite" nodeType="mainSeq">
+                <p:childTnLst>
+                  <p:par>
+                    <p:cTn id="3" fill="hold">
+                      <p:stCondLst>
+                        <p:cond delay="indefinite"/>
+                      </p:stCondLst>
+                      <p:childTnLst>
+                        <p:par>
+                          <p:cTn id="4" fill="hold">
+                            <p:stCondLst>
+                              <p:cond delay="0"/>
+                            </p:stCondLst>
+                            <p:childTnLst>
+                              <p:par>
+                                <p:cTn id="5" presetID="1" presetClass="entr" presetSubtype="0" fill="hold" grpId="0" nodeType="clickEffect">
+                                  <p:stCondLst>
+                                    <p:cond delay="0"/>
+                                  </p:stCondLst>
+                                  <p:childTnLst>
+                                    <p:set>
+                                      <p:cBhvr>
+                                        <p:cTn id="6" dur="1" fill="hold">
+                                          <p:stCondLst>
+                                            <p:cond delay="0"/>
+                                          </p:stCondLst>
+                                        </p:cTn>
+                                        <p:tgtEl>
+                                          <p:spTgt spid="3">
+                                            <p:txEl>
+                                              <p:pRg st="0" end="0"/>
+                                            </p:txEl>
+                                          </p:spTgt>
+                                        </p:tgtEl>
+                                        <p:attrNameLst>
+                                          <p:attrName>style.visibility</p:attrName>
+                                        </p:attrNameLst>
+                                      </p:cBhvr>
+                                      <p:to>
+                                        <p:strVal val="visible"/>
+                                      </p:to>
+                                    </p:set>
+                                  </p:childTnLst>
+                                </p:cTn>
+                              </p:par>
+                            </p:childTnLst>
+                          </p:cTn>
+                        </p:par>
+                      </p:childTnLst>
+                    </p:cTn>
+                  </p:par>
+                  <p:par>
+                    <p:cTn id="7" fill="hold">
+                      <p:stCondLst>
+                        <p:cond delay="indefinite"/>
+                      </p:stCondLst>
+                      <p:childTnLst>
+                        <p:par>
+                          <p:cTn id="8" fill="hold">
+                            <p:stCondLst>
+                              <p:cond delay="0"/>
+                            </p:stCondLst>
+                            <p:childTnLst>
+                              <p:par>
+                                <p:cTn id="9" presetID="1" presetClass="entr" presetSubtype="0" fill="hold" grpId="0" nodeType="clickEffect">
+                                  <p:stCondLst>
+                                    <p:cond delay="0"/>
+                                  </p:stCondLst>
+                                  <p:childTnLst>
+                                    <p:set>
+                                      <p:cBhvr>
+                                        <p:cTn id="10" dur="1" fill="hold">
+                                          <p:stCondLst>
+                                            <p:cond delay="0"/>
+                                          </p:stCondLst>
+                                        </p:cTn>
+                                        <p:tgtEl>
+                                          <p:spTgt spid="3">
+                                            <p:txEl>
+                                              <p:pRg st="1" end="1"/>
+                                            </p:txEl>
+                                          </p:spTgt>
+                                        </p:tgtEl>
+                                        <p:attrNameLst>
+                                          <p:attrName>style.visibility</p:attrName>
+                                        </p:attrNameLst>
+                                      </p:cBhvr>
+                                      <p:to>
+                                        <p:strVal val="visible"/>
+                                      </p:to>
+                                    </p:set>
+                                  </p:childTnLst>
+                                </p:cTn>
+                              </p:par>
+                            </p:childTnLst>
+                          </p:cTn>
+                        </p:par>
+                      </p:childTnLst>
+                    </p:cTn>
+                  </p:par>
+                  <p:par>
+                    <p:cTn id="11" fill="hold">
+                      <p:stCondLst>
+                        <p:cond delay="indefinite"/>
+                      </p:stCondLst>
+                      <p:childTnLst>
+                        <p:par>
+                          <p:cTn id="12" fill="hold">
+                            <p:stCondLst>
+                              <p:cond delay="0"/>
+                            </p:stCondLst>
+                            <p:childTnLst>
+                              <p:par>
+                                <p:cTn id="13" presetID="1" presetClass="entr" presetSubtype="0" fill="hold" nodeType="clickEffect">
+                                  <p:stCondLst>
+                                    <p:cond delay="0"/>
+                                  </p:stCondLst>
+                                  <p:childTnLst>
+                                    <p:set>
+                                      <p:cBhvr>
+                                        <p:cTn id="14" dur="1" fill="hold">
+                                          <p:stCondLst>
+                                            <p:cond delay="0"/>
+                                          </p:stCondLst>
+                                        </p:cTn>
+                                        <p:tgtEl>
+                                          <p:spTgt spid="12"/>
+                                        </p:tgtEl>
+                                        <p:attrNameLst>
+                                          <p:attrName>style.visibility</p:attrName>
+                                        </p:attrNameLst>
+                                      </p:cBhvr>
+                                      <p:to>
+                                        <p:strVal val="visible"/>
+                                      </p:to>
+                                    </p:set>
+                                  </p:childTnLst>
+                                </p:cTn>
+                              </p:par>
+                              <p:par>
+                                <p:cTn id="15" presetID="1" presetClass="entr" presetSubtype="0" fill="hold" nodeType="withEffect">
+                                  <p:stCondLst>
+                                    <p:cond delay="0"/>
+                                  </p:stCondLst>
+                                  <p:childTnLst>
+                                    <p:set>
+                                      <p:cBhvr>
+                                        <p:cTn id="16" dur="1" fill="hold">
+                                          <p:stCondLst>
+                                            <p:cond delay="0"/>
+                                          </p:stCondLst>
+                                        </p:cTn>
+                                        <p:tgtEl>
+                                          <p:spTgt spid="1026"/>
+                                        </p:tgtEl>
+                                        <p:attrNameLst>
+                                          <p:attrName>style.visibility</p:attrName>
+                                        </p:attrNameLst>
+                                      </p:cBhvr>
+                                      <p:to>
+                                        <p:strVal val="visible"/>
+                                      </p:to>
+                                    </p:set>
+                                  </p:childTnLst>
+                                </p:cTn>
+                              </p:par>
+                              <p:par>
+                                <p:cTn id="17" presetID="1" presetClass="entr" presetSubtype="0" fill="hold" grpId="0" nodeType="withEffect">
+                                  <p:stCondLst>
+                                    <p:cond delay="0"/>
+                                  </p:stCondLst>
+                                  <p:childTnLst>
+                                    <p:set>
+                                      <p:cBhvr>
+                                        <p:cTn id="18" dur="1" fill="hold">
+                                          <p:stCondLst>
+                                            <p:cond delay="0"/>
+                                          </p:stCondLst>
+                                        </p:cTn>
+                                        <p:tgtEl>
+                                          <p:spTgt spid="14"/>
+                                        </p:tgtEl>
+                                        <p:attrNameLst>
+                                          <p:attrName>style.visibility</p:attrName>
+                                        </p:attrNameLst>
+                                      </p:cBhvr>
+                                      <p:to>
+                                        <p:strVal val="visible"/>
+                                      </p:to>
+                                    </p:set>
+                                  </p:childTnLst>
+                                </p:cTn>
+                              </p:par>
+                            </p:childTnLst>
+                          </p:cTn>
+                        </p:par>
+                      </p:childTnLst>
+                    </p:cTn>
+                  </p:par>
+                  <p:par>
+                    <p:cTn id="19" fill="hold">
+                      <p:stCondLst>
+                        <p:cond delay="indefinite"/>
+                      </p:stCondLst>
+                      <p:childTnLst>
+                        <p:par>
+                          <p:cTn id="20" fill="hold">
+                            <p:stCondLst>
+                              <p:cond delay="0"/>
+                            </p:stCondLst>
+                            <p:childTnLst>
+                              <p:par>
+                                <p:cTn id="21" presetID="1" presetClass="entr" presetSubtype="0" fill="hold" nodeType="clickEffect">
+                                  <p:stCondLst>
+                                    <p:cond delay="0"/>
+                                  </p:stCondLst>
+                                  <p:childTnLst>
+                                    <p:set>
+                                      <p:cBhvr>
+                                        <p:cTn id="22" dur="1" fill="hold">
+                                          <p:stCondLst>
+                                            <p:cond delay="0"/>
+                                          </p:stCondLst>
+                                        </p:cTn>
+                                        <p:tgtEl>
+                                          <p:spTgt spid="13"/>
+                                        </p:tgtEl>
+                                        <p:attrNameLst>
+                                          <p:attrName>style.visibility</p:attrName>
+                                        </p:attrNameLst>
+                                      </p:cBhvr>
+                                      <p:to>
+                                        <p:strVal val="visible"/>
+                                      </p:to>
+                                    </p:set>
+                                  </p:childTnLst>
+                                </p:cTn>
+                              </p:par>
+                              <p:par>
+                                <p:cTn id="23" presetID="1" presetClass="entr" presetSubtype="0" fill="hold" nodeType="withEffect">
+                                  <p:stCondLst>
+                                    <p:cond delay="0"/>
+                                  </p:stCondLst>
+                                  <p:childTnLst>
+                                    <p:set>
+                                      <p:cBhvr>
+                                        <p:cTn id="24" dur="1" fill="hold">
+                                          <p:stCondLst>
+                                            <p:cond delay="0"/>
+                                          </p:stCondLst>
+                                        </p:cTn>
+                                        <p:tgtEl>
+                                          <p:spTgt spid="1028"/>
+                                        </p:tgtEl>
+                                        <p:attrNameLst>
+                                          <p:attrName>style.visibility</p:attrName>
+                                        </p:attrNameLst>
+                                      </p:cBhvr>
+                                      <p:to>
+                                        <p:strVal val="visible"/>
+                                      </p:to>
+                                    </p:set>
+                                  </p:childTnLst>
+                                </p:cTn>
+                              </p:par>
+                              <p:par>
+                                <p:cTn id="25" presetID="1" presetClass="entr" presetSubtype="0" fill="hold" grpId="0" nodeType="withEffect">
+                                  <p:stCondLst>
+                                    <p:cond delay="0"/>
+                                  </p:stCondLst>
+                                  <p:childTnLst>
+                                    <p:set>
+                                      <p:cBhvr>
+                                        <p:cTn id="26" dur="1" fill="hold">
+                                          <p:stCondLst>
+                                            <p:cond delay="0"/>
+                                          </p:stCondLst>
+                                        </p:cTn>
+                                        <p:tgtEl>
+                                          <p:spTgt spid="15"/>
+                                        </p:tgtEl>
+                                        <p:attrNameLst>
+                                          <p:attrName>style.visibility</p:attrName>
+                                        </p:attrNameLst>
+                                      </p:cBhvr>
+                                      <p:to>
+                                        <p:strVal val="visible"/>
+                                      </p:to>
+                                    </p:set>
+                                  </p:childTnLst>
+                                </p:cTn>
+                              </p:par>
+                            </p:childTnLst>
+                          </p:cTn>
+                        </p:par>
+                      </p:childTnLst>
+                    </p:cTn>
+                  </p:par>
+                  <p:par>
+                    <p:cTn id="27" fill="hold">
+                      <p:stCondLst>
+                        <p:cond delay="indefinite"/>
+                      </p:stCondLst>
+                      <p:childTnLst>
+                        <p:par>
+                          <p:cTn id="28" fill="hold">
+                            <p:stCondLst>
+                              <p:cond delay="0"/>
+                            </p:stCondLst>
+                            <p:childTnLst>
+                              <p:par>
+                                <p:cTn id="29" presetID="1" presetClass="entr" presetSubtype="0" fill="hold" nodeType="clickEffect">
+                                  <p:stCondLst>
+                                    <p:cond delay="0"/>
+                                  </p:stCondLst>
+                                  <p:childTnLst>
+                                    <p:set>
+                                      <p:cBhvr>
+                                        <p:cTn id="30" dur="1" fill="hold">
+                                          <p:stCondLst>
+                                            <p:cond delay="0"/>
+                                          </p:stCondLst>
+                                        </p:cTn>
+                                        <p:tgtEl>
+                                          <p:spTgt spid="11"/>
+                                        </p:tgtEl>
+                                        <p:attrNameLst>
+                                          <p:attrName>style.visibility</p:attrName>
+                                        </p:attrNameLst>
+                                      </p:cBhvr>
+                                      <p:to>
+                                        <p:strVal val="visible"/>
+                                      </p:to>
+                                    </p:set>
+                                  </p:childTnLst>
+                                </p:cTn>
+                              </p:par>
+                              <p:par>
+                                <p:cTn id="31" presetID="1" presetClass="entr" presetSubtype="0" fill="hold" grpId="0" nodeType="withEffect">
+                                  <p:stCondLst>
+                                    <p:cond delay="0"/>
+                                  </p:stCondLst>
+                                  <p:childTnLst>
+                                    <p:set>
+                                      <p:cBhvr>
+                                        <p:cTn id="32" dur="1" fill="hold">
+                                          <p:stCondLst>
+                                            <p:cond delay="0"/>
+                                          </p:stCondLst>
+                                        </p:cTn>
+                                        <p:tgtEl>
+                                          <p:spTgt spid="16"/>
+                                        </p:tgtEl>
+                                        <p:attrNameLst>
+                                          <p:attrName>style.visibility</p:attrName>
+                                        </p:attrNameLst>
+                                      </p:cBhvr>
+                                      <p:to>
+                                        <p:strVal val="visible"/>
+                                      </p:to>
+                                    </p:set>
+                                  </p:childTnLst>
+                                </p:cTn>
+                              </p:par>
+                              <p:par>
+                                <p:cTn id="33" presetID="1" presetClass="entr" presetSubtype="0" fill="hold" nodeType="withEffect">
+                                  <p:stCondLst>
+                                    <p:cond delay="0"/>
+                                  </p:stCondLst>
+                                  <p:childTnLst>
+                                    <p:set>
+                                      <p:cBhvr>
+                                        <p:cTn id="34" dur="1" fill="hold">
+                                          <p:stCondLst>
+                                            <p:cond delay="0"/>
+                                          </p:stCondLst>
+                                        </p:cTn>
+                                        <p:tgtEl>
+                                          <p:spTgt spid="4"/>
+                                        </p:tgtEl>
+                                        <p:attrNameLst>
+                                          <p:attrName>style.visibility</p:attrName>
+                                        </p:attrNameLst>
+                                      </p:cBhvr>
+                                      <p:to>
+                                        <p:strVal val="visible"/>
+                                      </p:to>
+                                    </p:set>
+                                  </p:childTnLst>
+                                </p:cTn>
+                              </p:par>
+                            </p:childTnLst>
+                          </p:cTn>
+                        </p:par>
+                      </p:childTnLst>
+                    </p:cTn>
+                  </p:par>
+                </p:childTnLst>
+              </p:cTn>
+              <p:prevCondLst>
+                <p:cond evt="onPrev" delay="0">
+                  <p:tgtEl>
+                    <p:sldTgt/>
+                  </p:tgtEl>
+                </p:cond>
+              </p:prevCondLst>
+              <p:nextCondLst>
+                <p:cond evt="onNext" delay="0">
+                  <p:tgtEl>
+                    <p:sldTgt/>
+                  </p:tgtEl>
+                </p:cond>
+              </p:nextCondLst>
+            </p:seq>
+          </p:childTnLst>
+        </p:cTn>
+      </p:par>
+    </p:tnLst>
+    <p:bldLst>
+      <p:bldP spid="3" grpId="0" build="p"/>
+      <p:bldP spid="14" grpId="0"/>
+      <p:bldP spid="15" grpId="0"/>
+      <p:bldP spid="16" grpId="0"/>
+    </p:bldLst>
+  </p:timing>
+</p:sld>
+</file>
+
+<file path=ppt/slides/slide16.xml><?xml version="1.0" encoding="utf-8"?>
+<p:sld xmlns:a="http://schemas.openxmlformats.org/drawingml/2006/main" xmlns:r="http://schemas.openxmlformats.org/officeDocument/2006/relationships" xmlns:p="http://schemas.openxmlformats.org/presentationml/2006/main">
+  <p:cSld>
+    <p:spTree>
+      <p:nvGrpSpPr>
+        <p:cNvPr id="1" name=""/>
+        <p:cNvGrpSpPr/>
+        <p:nvPr/>
+      </p:nvGrpSpPr>
+      <p:grpSpPr>
+        <a:xfrm>
+          <a:off x="0" y="0"/>
+          <a:ext cx="0" cy="0"/>
+          <a:chOff x="0" y="0"/>
+          <a:chExt cx="0" cy="0"/>
+        </a:xfrm>
+      </p:grpSpPr>
+      <p:sp>
+        <p:nvSpPr>
+          <p:cNvPr id="2" name="Title 1">
+            <a:extLst>
+              <a:ext uri="{FF2B5EF4-FFF2-40B4-BE49-F238E27FC236}">
+                <a16:creationId xmlns:a16="http://schemas.microsoft.com/office/drawing/2014/main" id="{1580A507-614B-4037-AE04-1D63D378A64F}"/>
+              </a:ext>
+            </a:extLst>
+          </p:cNvPr>
+          <p:cNvSpPr>
+            <a:spLocks noGrp="1"/>
+          </p:cNvSpPr>
+          <p:nvPr>
+            <p:ph type="title"/>
+          </p:nvPr>
+        </p:nvSpPr>
+        <p:spPr>
+          <a:xfrm>
+            <a:off x="0" y="18256"/>
+            <a:ext cx="10515600" cy="824226"/>
+          </a:xfrm>
+        </p:spPr>
+        <p:txBody>
+          <a:bodyPr/>
+          <a:lstStyle/>
+          <a:p>
+            <a:r>
+              <a:rPr lang="en-US" dirty="0"/>
+              <a:t>Convolutional neural networks (CNNs)</a:t>
+            </a:r>
           </a:p>
         </p:txBody>
       </p:sp>
@@ -4856,7 +7798,7 @@
           <p:cNvPr id="3" name="Content Placeholder 2">
             <a:extLst>
               <a:ext uri="{FF2B5EF4-FFF2-40B4-BE49-F238E27FC236}">
-                <a16:creationId xmlns:a16="http://schemas.microsoft.com/office/drawing/2014/main" id="{AF636BE3-95D2-4CEB-B804-F0010D58C00F}"/>
+                <a16:creationId xmlns:a16="http://schemas.microsoft.com/office/drawing/2014/main" id="{2372F903-1A52-4D62-8008-5DE5F0980F06}"/>
               </a:ext>
             </a:extLst>
           </p:cNvPr>
@@ -4869,22 +7811,912 @@
         </p:nvSpPr>
         <p:spPr>
           <a:xfrm>
-            <a:off x="-1" y="883578"/>
-            <a:ext cx="12191999" cy="5966440"/>
+            <a:off x="0" y="880404"/>
+            <a:ext cx="12192000" cy="5959340"/>
           </a:xfrm>
         </p:spPr>
         <p:txBody>
           <a:bodyPr/>
           <a:lstStyle/>
           <a:p>
-            <a:endParaRPr lang="en-US"/>
+            <a:r>
+              <a:rPr lang="en-US" dirty="0"/>
+              <a:t>CNNs are a special kind of feedforward network proven extremely successful for image analysis</a:t>
+            </a:r>
+          </a:p>
+          <a:p>
+            <a:r>
+              <a:rPr lang="en-US" dirty="0"/>
+              <a:t>When classifying images, filtering them first can provide a useful set of spatially organized features</a:t>
+            </a:r>
+          </a:p>
+          <a:p>
+            <a:r>
+              <a:rPr lang="en-US" dirty="0"/>
+              <a:t>CNNs allow us to </a:t>
+            </a:r>
+            <a:r>
+              <a:rPr lang="en-US" i="1" dirty="0"/>
+              <a:t>learn </a:t>
+            </a:r>
+            <a:r>
+              <a:rPr lang="en-US" dirty="0"/>
+              <a:t>these filters along with other parameters of the network</a:t>
+            </a:r>
+          </a:p>
+          <a:p>
+            <a:r>
+              <a:rPr lang="en-US" dirty="0"/>
+              <a:t>Each filter implemented by multiplying a relatively small spatial zone of image by a set of weights, and feeding the result into an activation function</a:t>
+            </a:r>
           </a:p>
         </p:txBody>
       </p:sp>
     </p:spTree>
     <p:extLst>
       <p:ext uri="{BB962C8B-B14F-4D97-AF65-F5344CB8AC3E}">
-        <p14:creationId xmlns:p14="http://schemas.microsoft.com/office/powerpoint/2010/main" val="912345105"/>
+        <p14:creationId xmlns:p14="http://schemas.microsoft.com/office/powerpoint/2010/main" val="2237174431"/>
+      </p:ext>
+    </p:extLst>
+  </p:cSld>
+  <p:clrMapOvr>
+    <a:masterClrMapping/>
+  </p:clrMapOvr>
+  <p:timing>
+    <p:tnLst>
+      <p:par>
+        <p:cTn id="1" dur="indefinite" restart="never" nodeType="tmRoot">
+          <p:childTnLst>
+            <p:seq concurrent="1" nextAc="seek">
+              <p:cTn id="2" dur="indefinite" nodeType="mainSeq">
+                <p:childTnLst>
+                  <p:par>
+                    <p:cTn id="3" fill="hold">
+                      <p:stCondLst>
+                        <p:cond delay="indefinite"/>
+                      </p:stCondLst>
+                      <p:childTnLst>
+                        <p:par>
+                          <p:cTn id="4" fill="hold">
+                            <p:stCondLst>
+                              <p:cond delay="0"/>
+                            </p:stCondLst>
+                            <p:childTnLst>
+                              <p:par>
+                                <p:cTn id="5" presetID="1" presetClass="entr" presetSubtype="0" fill="hold" grpId="0" nodeType="clickEffect">
+                                  <p:stCondLst>
+                                    <p:cond delay="0"/>
+                                  </p:stCondLst>
+                                  <p:childTnLst>
+                                    <p:set>
+                                      <p:cBhvr>
+                                        <p:cTn id="6" dur="1" fill="hold">
+                                          <p:stCondLst>
+                                            <p:cond delay="0"/>
+                                          </p:stCondLst>
+                                        </p:cTn>
+                                        <p:tgtEl>
+                                          <p:spTgt spid="3">
+                                            <p:txEl>
+                                              <p:pRg st="0" end="0"/>
+                                            </p:txEl>
+                                          </p:spTgt>
+                                        </p:tgtEl>
+                                        <p:attrNameLst>
+                                          <p:attrName>style.visibility</p:attrName>
+                                        </p:attrNameLst>
+                                      </p:cBhvr>
+                                      <p:to>
+                                        <p:strVal val="visible"/>
+                                      </p:to>
+                                    </p:set>
+                                  </p:childTnLst>
+                                </p:cTn>
+                              </p:par>
+                            </p:childTnLst>
+                          </p:cTn>
+                        </p:par>
+                      </p:childTnLst>
+                    </p:cTn>
+                  </p:par>
+                  <p:par>
+                    <p:cTn id="7" fill="hold">
+                      <p:stCondLst>
+                        <p:cond delay="indefinite"/>
+                      </p:stCondLst>
+                      <p:childTnLst>
+                        <p:par>
+                          <p:cTn id="8" fill="hold">
+                            <p:stCondLst>
+                              <p:cond delay="0"/>
+                            </p:stCondLst>
+                            <p:childTnLst>
+                              <p:par>
+                                <p:cTn id="9" presetID="1" presetClass="entr" presetSubtype="0" fill="hold" grpId="0" nodeType="clickEffect">
+                                  <p:stCondLst>
+                                    <p:cond delay="0"/>
+                                  </p:stCondLst>
+                                  <p:childTnLst>
+                                    <p:set>
+                                      <p:cBhvr>
+                                        <p:cTn id="10" dur="1" fill="hold">
+                                          <p:stCondLst>
+                                            <p:cond delay="0"/>
+                                          </p:stCondLst>
+                                        </p:cTn>
+                                        <p:tgtEl>
+                                          <p:spTgt spid="3">
+                                            <p:txEl>
+                                              <p:pRg st="1" end="1"/>
+                                            </p:txEl>
+                                          </p:spTgt>
+                                        </p:tgtEl>
+                                        <p:attrNameLst>
+                                          <p:attrName>style.visibility</p:attrName>
+                                        </p:attrNameLst>
+                                      </p:cBhvr>
+                                      <p:to>
+                                        <p:strVal val="visible"/>
+                                      </p:to>
+                                    </p:set>
+                                  </p:childTnLst>
+                                </p:cTn>
+                              </p:par>
+                            </p:childTnLst>
+                          </p:cTn>
+                        </p:par>
+                      </p:childTnLst>
+                    </p:cTn>
+                  </p:par>
+                  <p:par>
+                    <p:cTn id="11" fill="hold">
+                      <p:stCondLst>
+                        <p:cond delay="indefinite"/>
+                      </p:stCondLst>
+                      <p:childTnLst>
+                        <p:par>
+                          <p:cTn id="12" fill="hold">
+                            <p:stCondLst>
+                              <p:cond delay="0"/>
+                            </p:stCondLst>
+                            <p:childTnLst>
+                              <p:par>
+                                <p:cTn id="13" presetID="1" presetClass="entr" presetSubtype="0" fill="hold" grpId="0" nodeType="clickEffect">
+                                  <p:stCondLst>
+                                    <p:cond delay="0"/>
+                                  </p:stCondLst>
+                                  <p:childTnLst>
+                                    <p:set>
+                                      <p:cBhvr>
+                                        <p:cTn id="14" dur="1" fill="hold">
+                                          <p:stCondLst>
+                                            <p:cond delay="0"/>
+                                          </p:stCondLst>
+                                        </p:cTn>
+                                        <p:tgtEl>
+                                          <p:spTgt spid="3">
+                                            <p:txEl>
+                                              <p:pRg st="2" end="2"/>
+                                            </p:txEl>
+                                          </p:spTgt>
+                                        </p:tgtEl>
+                                        <p:attrNameLst>
+                                          <p:attrName>style.visibility</p:attrName>
+                                        </p:attrNameLst>
+                                      </p:cBhvr>
+                                      <p:to>
+                                        <p:strVal val="visible"/>
+                                      </p:to>
+                                    </p:set>
+                                  </p:childTnLst>
+                                </p:cTn>
+                              </p:par>
+                            </p:childTnLst>
+                          </p:cTn>
+                        </p:par>
+                      </p:childTnLst>
+                    </p:cTn>
+                  </p:par>
+                  <p:par>
+                    <p:cTn id="15" fill="hold">
+                      <p:stCondLst>
+                        <p:cond delay="indefinite"/>
+                      </p:stCondLst>
+                      <p:childTnLst>
+                        <p:par>
+                          <p:cTn id="16" fill="hold">
+                            <p:stCondLst>
+                              <p:cond delay="0"/>
+                            </p:stCondLst>
+                            <p:childTnLst>
+                              <p:par>
+                                <p:cTn id="17" presetID="1" presetClass="entr" presetSubtype="0" fill="hold" grpId="0" nodeType="clickEffect">
+                                  <p:stCondLst>
+                                    <p:cond delay="0"/>
+                                  </p:stCondLst>
+                                  <p:childTnLst>
+                                    <p:set>
+                                      <p:cBhvr>
+                                        <p:cTn id="18" dur="1" fill="hold">
+                                          <p:stCondLst>
+                                            <p:cond delay="0"/>
+                                          </p:stCondLst>
+                                        </p:cTn>
+                                        <p:tgtEl>
+                                          <p:spTgt spid="3">
+                                            <p:txEl>
+                                              <p:pRg st="3" end="3"/>
+                                            </p:txEl>
+                                          </p:spTgt>
+                                        </p:tgtEl>
+                                        <p:attrNameLst>
+                                          <p:attrName>style.visibility</p:attrName>
+                                        </p:attrNameLst>
+                                      </p:cBhvr>
+                                      <p:to>
+                                        <p:strVal val="visible"/>
+                                      </p:to>
+                                    </p:set>
+                                  </p:childTnLst>
+                                </p:cTn>
+                              </p:par>
+                            </p:childTnLst>
+                          </p:cTn>
+                        </p:par>
+                      </p:childTnLst>
+                    </p:cTn>
+                  </p:par>
+                </p:childTnLst>
+              </p:cTn>
+              <p:prevCondLst>
+                <p:cond evt="onPrev" delay="0">
+                  <p:tgtEl>
+                    <p:sldTgt/>
+                  </p:tgtEl>
+                </p:cond>
+              </p:prevCondLst>
+              <p:nextCondLst>
+                <p:cond evt="onNext" delay="0">
+                  <p:tgtEl>
+                    <p:sldTgt/>
+                  </p:tgtEl>
+                </p:cond>
+              </p:nextCondLst>
+            </p:seq>
+          </p:childTnLst>
+        </p:cTn>
+      </p:par>
+    </p:tnLst>
+    <p:bldLst>
+      <p:bldP spid="3" grpId="0" build="p"/>
+    </p:bldLst>
+  </p:timing>
+</p:sld>
+</file>
+
+<file path=ppt/slides/slide17.xml><?xml version="1.0" encoding="utf-8"?>
+<p:sld xmlns:a="http://schemas.openxmlformats.org/drawingml/2006/main" xmlns:r="http://schemas.openxmlformats.org/officeDocument/2006/relationships" xmlns:p="http://schemas.openxmlformats.org/presentationml/2006/main">
+  <p:cSld>
+    <p:spTree>
+      <p:nvGrpSpPr>
+        <p:cNvPr id="1" name=""/>
+        <p:cNvGrpSpPr/>
+        <p:nvPr/>
+      </p:nvGrpSpPr>
+      <p:grpSpPr>
+        <a:xfrm>
+          <a:off x="0" y="0"/>
+          <a:ext cx="0" cy="0"/>
+          <a:chOff x="0" y="0"/>
+          <a:chExt cx="0" cy="0"/>
+        </a:xfrm>
+      </p:grpSpPr>
+      <p:sp>
+        <p:nvSpPr>
+          <p:cNvPr id="2" name="Title 1">
+            <a:extLst>
+              <a:ext uri="{FF2B5EF4-FFF2-40B4-BE49-F238E27FC236}">
+                <a16:creationId xmlns:a16="http://schemas.microsoft.com/office/drawing/2014/main" id="{1580A507-614B-4037-AE04-1D63D378A64F}"/>
+              </a:ext>
+            </a:extLst>
+          </p:cNvPr>
+          <p:cNvSpPr>
+            <a:spLocks noGrp="1"/>
+          </p:cNvSpPr>
+          <p:nvPr>
+            <p:ph type="title"/>
+          </p:nvPr>
+        </p:nvSpPr>
+        <p:spPr>
+          <a:xfrm>
+            <a:off x="0" y="18256"/>
+            <a:ext cx="12192000" cy="824226"/>
+          </a:xfrm>
+        </p:spPr>
+        <p:txBody>
+          <a:bodyPr>
+            <a:normAutofit/>
+          </a:bodyPr>
+          <a:lstStyle/>
+          <a:p>
+            <a:r>
+              <a:rPr lang="en-US" sz="3500" dirty="0"/>
+              <a:t>ImageNet classification with deep convolutional neural networks</a:t>
+            </a:r>
+          </a:p>
+        </p:txBody>
+      </p:sp>
+      <p:sp>
+        <p:nvSpPr>
+          <p:cNvPr id="3" name="Content Placeholder 2">
+            <a:extLst>
+              <a:ext uri="{FF2B5EF4-FFF2-40B4-BE49-F238E27FC236}">
+                <a16:creationId xmlns:a16="http://schemas.microsoft.com/office/drawing/2014/main" id="{2372F903-1A52-4D62-8008-5DE5F0980F06}"/>
+              </a:ext>
+            </a:extLst>
+          </p:cNvPr>
+          <p:cNvSpPr>
+            <a:spLocks noGrp="1"/>
+          </p:cNvSpPr>
+          <p:nvPr>
+            <p:ph idx="1"/>
+          </p:nvPr>
+        </p:nvSpPr>
+        <p:spPr>
+          <a:xfrm>
+            <a:off x="0" y="880404"/>
+            <a:ext cx="12192000" cy="2111480"/>
+          </a:xfrm>
+        </p:spPr>
+        <p:txBody>
+          <a:bodyPr>
+            <a:normAutofit fontScale="85000" lnSpcReduction="20000"/>
+          </a:bodyPr>
+          <a:lstStyle/>
+          <a:p>
+            <a:r>
+              <a:rPr lang="en-US" dirty="0"/>
+              <a:t>Trained large, deep convolutional neural network to classify the 1.2 million high-resolution images in ImageNet contest into 1000 different classes</a:t>
+            </a:r>
+          </a:p>
+          <a:p>
+            <a:r>
+              <a:rPr lang="en-US" dirty="0"/>
+              <a:t>Achieved error rate of 17.0%, considerably better than previous state-of-the-art (26%)</a:t>
+            </a:r>
+          </a:p>
+          <a:p>
+            <a:r>
+              <a:rPr lang="en-US" dirty="0"/>
+              <a:t>Neural network has 60 million parameters and 650,000 neurons</a:t>
+            </a:r>
+          </a:p>
+          <a:p>
+            <a:r>
+              <a:rPr lang="en-US" dirty="0"/>
+              <a:t>Consists of 5 convolutional layers, some of which are followed by max-pooling layers and three fully-connected layers with a final 1000-way </a:t>
+            </a:r>
+            <a:r>
+              <a:rPr lang="en-US" dirty="0" err="1"/>
+              <a:t>softmax</a:t>
+            </a:r>
+            <a:endParaRPr lang="en-US" dirty="0"/>
+          </a:p>
+        </p:txBody>
+      </p:sp>
+      <p:pic>
+        <p:nvPicPr>
+          <p:cNvPr id="4" name="Picture 3">
+            <a:extLst>
+              <a:ext uri="{FF2B5EF4-FFF2-40B4-BE49-F238E27FC236}">
+                <a16:creationId xmlns:a16="http://schemas.microsoft.com/office/drawing/2014/main" id="{13C8F875-67FD-4032-8617-FDDE6808EAEA}"/>
+              </a:ext>
+            </a:extLst>
+          </p:cNvPr>
+          <p:cNvPicPr>
+            <a:picLocks noChangeAspect="1"/>
+          </p:cNvPicPr>
+          <p:nvPr/>
+        </p:nvPicPr>
+        <p:blipFill>
+          <a:blip r:embed="rId2"/>
+          <a:stretch>
+            <a:fillRect/>
+          </a:stretch>
+        </p:blipFill>
+        <p:spPr>
+          <a:xfrm>
+            <a:off x="0" y="2991884"/>
+            <a:ext cx="12192000" cy="3847860"/>
+          </a:xfrm>
+          <a:prstGeom prst="rect">
+            <a:avLst/>
+          </a:prstGeom>
+        </p:spPr>
+      </p:pic>
+    </p:spTree>
+    <p:extLst>
+      <p:ext uri="{BB962C8B-B14F-4D97-AF65-F5344CB8AC3E}">
+        <p14:creationId xmlns:p14="http://schemas.microsoft.com/office/powerpoint/2010/main" val="717508261"/>
+      </p:ext>
+    </p:extLst>
+  </p:cSld>
+  <p:clrMapOvr>
+    <a:masterClrMapping/>
+  </p:clrMapOvr>
+  <p:timing>
+    <p:tnLst>
+      <p:par>
+        <p:cTn id="1" dur="indefinite" restart="never" nodeType="tmRoot">
+          <p:childTnLst>
+            <p:seq concurrent="1" nextAc="seek">
+              <p:cTn id="2" dur="indefinite" nodeType="mainSeq">
+                <p:childTnLst>
+                  <p:par>
+                    <p:cTn id="3" fill="hold">
+                      <p:stCondLst>
+                        <p:cond delay="indefinite"/>
+                      </p:stCondLst>
+                      <p:childTnLst>
+                        <p:par>
+                          <p:cTn id="4" fill="hold">
+                            <p:stCondLst>
+                              <p:cond delay="0"/>
+                            </p:stCondLst>
+                            <p:childTnLst>
+                              <p:par>
+                                <p:cTn id="5" presetID="1" presetClass="entr" presetSubtype="0" fill="hold" grpId="0" nodeType="clickEffect">
+                                  <p:stCondLst>
+                                    <p:cond delay="0"/>
+                                  </p:stCondLst>
+                                  <p:childTnLst>
+                                    <p:set>
+                                      <p:cBhvr>
+                                        <p:cTn id="6" dur="1" fill="hold">
+                                          <p:stCondLst>
+                                            <p:cond delay="0"/>
+                                          </p:stCondLst>
+                                        </p:cTn>
+                                        <p:tgtEl>
+                                          <p:spTgt spid="3">
+                                            <p:txEl>
+                                              <p:pRg st="0" end="0"/>
+                                            </p:txEl>
+                                          </p:spTgt>
+                                        </p:tgtEl>
+                                        <p:attrNameLst>
+                                          <p:attrName>style.visibility</p:attrName>
+                                        </p:attrNameLst>
+                                      </p:cBhvr>
+                                      <p:to>
+                                        <p:strVal val="visible"/>
+                                      </p:to>
+                                    </p:set>
+                                  </p:childTnLst>
+                                </p:cTn>
+                              </p:par>
+                            </p:childTnLst>
+                          </p:cTn>
+                        </p:par>
+                      </p:childTnLst>
+                    </p:cTn>
+                  </p:par>
+                  <p:par>
+                    <p:cTn id="7" fill="hold">
+                      <p:stCondLst>
+                        <p:cond delay="indefinite"/>
+                      </p:stCondLst>
+                      <p:childTnLst>
+                        <p:par>
+                          <p:cTn id="8" fill="hold">
+                            <p:stCondLst>
+                              <p:cond delay="0"/>
+                            </p:stCondLst>
+                            <p:childTnLst>
+                              <p:par>
+                                <p:cTn id="9" presetID="1" presetClass="entr" presetSubtype="0" fill="hold" grpId="0" nodeType="clickEffect">
+                                  <p:stCondLst>
+                                    <p:cond delay="0"/>
+                                  </p:stCondLst>
+                                  <p:childTnLst>
+                                    <p:set>
+                                      <p:cBhvr>
+                                        <p:cTn id="10" dur="1" fill="hold">
+                                          <p:stCondLst>
+                                            <p:cond delay="0"/>
+                                          </p:stCondLst>
+                                        </p:cTn>
+                                        <p:tgtEl>
+                                          <p:spTgt spid="3">
+                                            <p:txEl>
+                                              <p:pRg st="1" end="1"/>
+                                            </p:txEl>
+                                          </p:spTgt>
+                                        </p:tgtEl>
+                                        <p:attrNameLst>
+                                          <p:attrName>style.visibility</p:attrName>
+                                        </p:attrNameLst>
+                                      </p:cBhvr>
+                                      <p:to>
+                                        <p:strVal val="visible"/>
+                                      </p:to>
+                                    </p:set>
+                                  </p:childTnLst>
+                                </p:cTn>
+                              </p:par>
+                            </p:childTnLst>
+                          </p:cTn>
+                        </p:par>
+                      </p:childTnLst>
+                    </p:cTn>
+                  </p:par>
+                  <p:par>
+                    <p:cTn id="11" fill="hold">
+                      <p:stCondLst>
+                        <p:cond delay="indefinite"/>
+                      </p:stCondLst>
+                      <p:childTnLst>
+                        <p:par>
+                          <p:cTn id="12" fill="hold">
+                            <p:stCondLst>
+                              <p:cond delay="0"/>
+                            </p:stCondLst>
+                            <p:childTnLst>
+                              <p:par>
+                                <p:cTn id="13" presetID="1" presetClass="entr" presetSubtype="0" fill="hold" grpId="0" nodeType="clickEffect">
+                                  <p:stCondLst>
+                                    <p:cond delay="0"/>
+                                  </p:stCondLst>
+                                  <p:childTnLst>
+                                    <p:set>
+                                      <p:cBhvr>
+                                        <p:cTn id="14" dur="1" fill="hold">
+                                          <p:stCondLst>
+                                            <p:cond delay="0"/>
+                                          </p:stCondLst>
+                                        </p:cTn>
+                                        <p:tgtEl>
+                                          <p:spTgt spid="3">
+                                            <p:txEl>
+                                              <p:pRg st="2" end="2"/>
+                                            </p:txEl>
+                                          </p:spTgt>
+                                        </p:tgtEl>
+                                        <p:attrNameLst>
+                                          <p:attrName>style.visibility</p:attrName>
+                                        </p:attrNameLst>
+                                      </p:cBhvr>
+                                      <p:to>
+                                        <p:strVal val="visible"/>
+                                      </p:to>
+                                    </p:set>
+                                  </p:childTnLst>
+                                </p:cTn>
+                              </p:par>
+                            </p:childTnLst>
+                          </p:cTn>
+                        </p:par>
+                      </p:childTnLst>
+                    </p:cTn>
+                  </p:par>
+                  <p:par>
+                    <p:cTn id="15" fill="hold">
+                      <p:stCondLst>
+                        <p:cond delay="indefinite"/>
+                      </p:stCondLst>
+                      <p:childTnLst>
+                        <p:par>
+                          <p:cTn id="16" fill="hold">
+                            <p:stCondLst>
+                              <p:cond delay="0"/>
+                            </p:stCondLst>
+                            <p:childTnLst>
+                              <p:par>
+                                <p:cTn id="17" presetID="1" presetClass="entr" presetSubtype="0" fill="hold" grpId="0" nodeType="clickEffect">
+                                  <p:stCondLst>
+                                    <p:cond delay="0"/>
+                                  </p:stCondLst>
+                                  <p:childTnLst>
+                                    <p:set>
+                                      <p:cBhvr>
+                                        <p:cTn id="18" dur="1" fill="hold">
+                                          <p:stCondLst>
+                                            <p:cond delay="0"/>
+                                          </p:stCondLst>
+                                        </p:cTn>
+                                        <p:tgtEl>
+                                          <p:spTgt spid="3">
+                                            <p:txEl>
+                                              <p:pRg st="3" end="3"/>
+                                            </p:txEl>
+                                          </p:spTgt>
+                                        </p:tgtEl>
+                                        <p:attrNameLst>
+                                          <p:attrName>style.visibility</p:attrName>
+                                        </p:attrNameLst>
+                                      </p:cBhvr>
+                                      <p:to>
+                                        <p:strVal val="visible"/>
+                                      </p:to>
+                                    </p:set>
+                                  </p:childTnLst>
+                                </p:cTn>
+                              </p:par>
+                            </p:childTnLst>
+                          </p:cTn>
+                        </p:par>
+                      </p:childTnLst>
+                    </p:cTn>
+                  </p:par>
+                  <p:par>
+                    <p:cTn id="19" fill="hold">
+                      <p:stCondLst>
+                        <p:cond delay="indefinite"/>
+                      </p:stCondLst>
+                      <p:childTnLst>
+                        <p:par>
+                          <p:cTn id="20" fill="hold">
+                            <p:stCondLst>
+                              <p:cond delay="0"/>
+                            </p:stCondLst>
+                            <p:childTnLst>
+                              <p:par>
+                                <p:cTn id="21" presetID="1" presetClass="entr" presetSubtype="0" fill="hold" nodeType="clickEffect">
+                                  <p:stCondLst>
+                                    <p:cond delay="0"/>
+                                  </p:stCondLst>
+                                  <p:childTnLst>
+                                    <p:set>
+                                      <p:cBhvr>
+                                        <p:cTn id="22" dur="1" fill="hold">
+                                          <p:stCondLst>
+                                            <p:cond delay="0"/>
+                                          </p:stCondLst>
+                                        </p:cTn>
+                                        <p:tgtEl>
+                                          <p:spTgt spid="4"/>
+                                        </p:tgtEl>
+                                        <p:attrNameLst>
+                                          <p:attrName>style.visibility</p:attrName>
+                                        </p:attrNameLst>
+                                      </p:cBhvr>
+                                      <p:to>
+                                        <p:strVal val="visible"/>
+                                      </p:to>
+                                    </p:set>
+                                  </p:childTnLst>
+                                </p:cTn>
+                              </p:par>
+                            </p:childTnLst>
+                          </p:cTn>
+                        </p:par>
+                      </p:childTnLst>
+                    </p:cTn>
+                  </p:par>
+                </p:childTnLst>
+              </p:cTn>
+              <p:prevCondLst>
+                <p:cond evt="onPrev" delay="0">
+                  <p:tgtEl>
+                    <p:sldTgt/>
+                  </p:tgtEl>
+                </p:cond>
+              </p:prevCondLst>
+              <p:nextCondLst>
+                <p:cond evt="onNext" delay="0">
+                  <p:tgtEl>
+                    <p:sldTgt/>
+                  </p:tgtEl>
+                </p:cond>
+              </p:nextCondLst>
+            </p:seq>
+          </p:childTnLst>
+        </p:cTn>
+      </p:par>
+    </p:tnLst>
+    <p:bldLst>
+      <p:bldP spid="3" grpId="0" build="p"/>
+    </p:bldLst>
+  </p:timing>
+</p:sld>
+</file>
+
+<file path=ppt/slides/slide18.xml><?xml version="1.0" encoding="utf-8"?>
+<p:sld xmlns:a="http://schemas.openxmlformats.org/drawingml/2006/main" xmlns:r="http://schemas.openxmlformats.org/officeDocument/2006/relationships" xmlns:p="http://schemas.openxmlformats.org/presentationml/2006/main">
+  <p:cSld>
+    <p:spTree>
+      <p:nvGrpSpPr>
+        <p:cNvPr id="1" name=""/>
+        <p:cNvGrpSpPr/>
+        <p:nvPr/>
+      </p:nvGrpSpPr>
+      <p:grpSpPr>
+        <a:xfrm>
+          <a:off x="0" y="0"/>
+          <a:ext cx="0" cy="0"/>
+          <a:chOff x="0" y="0"/>
+          <a:chExt cx="0" cy="0"/>
+        </a:xfrm>
+      </p:grpSpPr>
+      <p:sp>
+        <p:nvSpPr>
+          <p:cNvPr id="3" name="Content Placeholder 2">
+            <a:extLst>
+              <a:ext uri="{FF2B5EF4-FFF2-40B4-BE49-F238E27FC236}">
+                <a16:creationId xmlns:a16="http://schemas.microsoft.com/office/drawing/2014/main" id="{2372F903-1A52-4D62-8008-5DE5F0980F06}"/>
+              </a:ext>
+            </a:extLst>
+          </p:cNvPr>
+          <p:cNvSpPr>
+            <a:spLocks noGrp="1"/>
+          </p:cNvSpPr>
+          <p:nvPr>
+            <p:ph idx="1"/>
+          </p:nvPr>
+        </p:nvSpPr>
+        <p:spPr>
+          <a:xfrm>
+            <a:off x="0" y="4767210"/>
+            <a:ext cx="12192000" cy="2113630"/>
+          </a:xfrm>
+        </p:spPr>
+        <p:txBody>
+          <a:bodyPr/>
+          <a:lstStyle/>
+          <a:p>
+            <a:r>
+              <a:rPr lang="en-US" dirty="0"/>
+              <a:t>96 convolutional filters of size 11x11x3 learned by the first convolutional layer on the 224x224x3 input images</a:t>
+            </a:r>
+          </a:p>
+          <a:p>
+            <a:r>
+              <a:rPr lang="en-US" dirty="0"/>
+              <a:t>The top 48 filters were learned on GPU 1, the bottom 48 kernels on GPU 2</a:t>
+            </a:r>
+          </a:p>
+          <a:p>
+            <a:r>
+              <a:rPr lang="en-US" dirty="0"/>
+              <a:t>Taken from “ImageNet classification with deep convolutional neural networks”</a:t>
+            </a:r>
+          </a:p>
+        </p:txBody>
+      </p:sp>
+      <p:pic>
+        <p:nvPicPr>
+          <p:cNvPr id="5" name="Picture 4">
+            <a:extLst>
+              <a:ext uri="{FF2B5EF4-FFF2-40B4-BE49-F238E27FC236}">
+                <a16:creationId xmlns:a16="http://schemas.microsoft.com/office/drawing/2014/main" id="{73635174-C329-4C77-8E60-690940D86A39}"/>
+              </a:ext>
+            </a:extLst>
+          </p:cNvPr>
+          <p:cNvPicPr>
+            <a:picLocks noChangeAspect="1"/>
+          </p:cNvPicPr>
+          <p:nvPr/>
+        </p:nvPicPr>
+        <p:blipFill>
+          <a:blip r:embed="rId2"/>
+          <a:stretch>
+            <a:fillRect/>
+          </a:stretch>
+        </p:blipFill>
+        <p:spPr>
+          <a:xfrm>
+            <a:off x="0" y="18257"/>
+            <a:ext cx="12196172" cy="4748952"/>
+          </a:xfrm>
+          <a:prstGeom prst="rect">
+            <a:avLst/>
+          </a:prstGeom>
+        </p:spPr>
+      </p:pic>
+    </p:spTree>
+    <p:extLst>
+      <p:ext uri="{BB962C8B-B14F-4D97-AF65-F5344CB8AC3E}">
+        <p14:creationId xmlns:p14="http://schemas.microsoft.com/office/powerpoint/2010/main" val="3384549881"/>
+      </p:ext>
+    </p:extLst>
+  </p:cSld>
+  <p:clrMapOvr>
+    <a:masterClrMapping/>
+  </p:clrMapOvr>
+</p:sld>
+</file>
+
+<file path=ppt/slides/slide19.xml><?xml version="1.0" encoding="utf-8"?>
+<p:sld xmlns:a="http://schemas.openxmlformats.org/drawingml/2006/main" xmlns:r="http://schemas.openxmlformats.org/officeDocument/2006/relationships" xmlns:p="http://schemas.openxmlformats.org/presentationml/2006/main">
+  <p:cSld>
+    <p:spTree>
+      <p:nvGrpSpPr>
+        <p:cNvPr id="1" name=""/>
+        <p:cNvGrpSpPr/>
+        <p:nvPr/>
+      </p:nvGrpSpPr>
+      <p:grpSpPr>
+        <a:xfrm>
+          <a:off x="0" y="0"/>
+          <a:ext cx="0" cy="0"/>
+          <a:chOff x="0" y="0"/>
+          <a:chExt cx="0" cy="0"/>
+        </a:xfrm>
+      </p:grpSpPr>
+      <p:sp>
+        <p:nvSpPr>
+          <p:cNvPr id="2" name="Title 1">
+            <a:extLst>
+              <a:ext uri="{FF2B5EF4-FFF2-40B4-BE49-F238E27FC236}">
+                <a16:creationId xmlns:a16="http://schemas.microsoft.com/office/drawing/2014/main" id="{B1CDE06F-A7FA-4645-8911-8ADD643724CE}"/>
+              </a:ext>
+            </a:extLst>
+          </p:cNvPr>
+          <p:cNvSpPr>
+            <a:spLocks noGrp="1"/>
+          </p:cNvSpPr>
+          <p:nvPr>
+            <p:ph type="title"/>
+          </p:nvPr>
+        </p:nvSpPr>
+        <p:spPr/>
+        <p:txBody>
+          <a:bodyPr/>
+          <a:lstStyle/>
+          <a:p>
+            <a:r>
+              <a:rPr lang="en-US" dirty="0"/>
+              <a:t>Recap </a:t>
+            </a:r>
+          </a:p>
+        </p:txBody>
+      </p:sp>
+      <p:sp>
+        <p:nvSpPr>
+          <p:cNvPr id="3" name="Content Placeholder 2">
+            <a:extLst>
+              <a:ext uri="{FF2B5EF4-FFF2-40B4-BE49-F238E27FC236}">
+                <a16:creationId xmlns:a16="http://schemas.microsoft.com/office/drawing/2014/main" id="{3FBE588F-1B40-40FB-A8B0-487E4C0BA671}"/>
+              </a:ext>
+            </a:extLst>
+          </p:cNvPr>
+          <p:cNvSpPr>
+            <a:spLocks noGrp="1"/>
+          </p:cNvSpPr>
+          <p:nvPr>
+            <p:ph idx="1"/>
+          </p:nvPr>
+        </p:nvSpPr>
+        <p:spPr>
+          <a:xfrm>
+            <a:off x="-1" y="1825625"/>
+            <a:ext cx="12051587" cy="4351338"/>
+          </a:xfrm>
+        </p:spPr>
+        <p:txBody>
+          <a:bodyPr/>
+          <a:lstStyle/>
+          <a:p>
+            <a:r>
+              <a:rPr lang="en-US" dirty="0"/>
+              <a:t>Backpropagation in matrix-vector form enables GPU-accelerated learning </a:t>
+            </a:r>
+          </a:p>
+          <a:p>
+            <a:r>
+              <a:rPr lang="en-US" dirty="0"/>
+              <a:t>Convolutional neural networks</a:t>
+            </a:r>
+          </a:p>
+          <a:p>
+            <a:endParaRPr lang="en-US" dirty="0"/>
+          </a:p>
+        </p:txBody>
+      </p:sp>
+    </p:spTree>
+    <p:extLst>
+      <p:ext uri="{BB962C8B-B14F-4D97-AF65-F5344CB8AC3E}">
+        <p14:creationId xmlns:p14="http://schemas.microsoft.com/office/powerpoint/2010/main" val="2817725166"/>
       </p:ext>
     </p:extLst>
   </p:cSld>
@@ -4939,44 +8771,409 @@
           <a:p>
             <a:r>
               <a:rPr lang="en-US" dirty="0"/>
-              <a:t>Backpropagation</a:t>
+              <a:t>Derivation of backpropagation in matrix-vector form</a:t>
             </a:r>
           </a:p>
         </p:txBody>
       </p:sp>
-      <p:sp>
-        <p:nvSpPr>
-          <p:cNvPr id="3" name="Content Placeholder 2">
-            <a:extLst>
-              <a:ext uri="{FF2B5EF4-FFF2-40B4-BE49-F238E27FC236}">
-                <a16:creationId xmlns:a16="http://schemas.microsoft.com/office/drawing/2014/main" id="{12B20F2C-D09D-4B8D-A63B-05B133481CAC}"/>
-              </a:ext>
-            </a:extLst>
-          </p:cNvPr>
-          <p:cNvSpPr>
-            <a:spLocks noGrp="1"/>
-          </p:cNvSpPr>
-          <p:nvPr>
-            <p:ph idx="1"/>
-          </p:nvPr>
-        </p:nvSpPr>
-        <p:spPr>
-          <a:xfrm>
-            <a:off x="0" y="863029"/>
-            <a:ext cx="12192000" cy="5994970"/>
-          </a:xfrm>
-        </p:spPr>
-        <p:txBody>
-          <a:bodyPr/>
-          <a:lstStyle/>
-          <a:p>
-            <a:r>
-              <a:rPr lang="en-US" dirty="0"/>
-              <a:t>Gradient computations decompose into a simple chain of matrix products </a:t>
-            </a:r>
-          </a:p>
-        </p:txBody>
-      </p:sp>
+      <mc:AlternateContent xmlns:mc="http://schemas.openxmlformats.org/markup-compatibility/2006">
+        <mc:Choice xmlns:a14="http://schemas.microsoft.com/office/drawing/2010/main" Requires="a14">
+          <p:sp>
+            <p:nvSpPr>
+              <p:cNvPr id="3" name="Content Placeholder 2">
+                <a:extLst>
+                  <a:ext uri="{FF2B5EF4-FFF2-40B4-BE49-F238E27FC236}">
+                    <a16:creationId xmlns:a16="http://schemas.microsoft.com/office/drawing/2014/main" id="{12B20F2C-D09D-4B8D-A63B-05B133481CAC}"/>
+                  </a:ext>
+                </a:extLst>
+              </p:cNvPr>
+              <p:cNvSpPr>
+                <a:spLocks noGrp="1"/>
+              </p:cNvSpPr>
+              <p:nvPr>
+                <p:ph idx="1"/>
+              </p:nvPr>
+            </p:nvSpPr>
+            <p:spPr>
+              <a:xfrm>
+                <a:off x="0" y="863029"/>
+                <a:ext cx="12192000" cy="5994970"/>
+              </a:xfrm>
+            </p:spPr>
+            <p:txBody>
+              <a:bodyPr>
+                <a:normAutofit/>
+              </a:bodyPr>
+              <a:lstStyle/>
+              <a:p>
+                <a:r>
+                  <a:rPr lang="en-US" dirty="0"/>
+                  <a:t>GPU advantages over CPU:</a:t>
+                </a:r>
+              </a:p>
+              <a:p>
+                <a:pPr lvl="1"/>
+                <a:r>
+                  <a:rPr lang="en-US" dirty="0"/>
+                  <a:t>GPU architecture is focused on parallelism, CPU is not</a:t>
+                </a:r>
+              </a:p>
+              <a:p>
+                <a:pPr lvl="1"/>
+                <a:r>
+                  <a:rPr lang="en-US" dirty="0"/>
+                  <a:t>GPU can do many simple operations at the same time</a:t>
+                </a:r>
+              </a:p>
+              <a:p>
+                <a:pPr lvl="1"/>
+                <a:r>
+                  <a:rPr lang="en-US" dirty="0"/>
+                  <a:t>Example: GPU can update color of each pixel in computer screen (1920*1080) 60 times per second, a GPU has thousands of Arithmetic and Logic Units per core</a:t>
+                </a:r>
+              </a:p>
+              <a:p>
+                <a:pPr lvl="1"/>
+                <a:r>
+                  <a:rPr lang="en-US" dirty="0"/>
+                  <a:t>CPU can execute a few complex operations very quickly, GPU can execute thousands of very simple operations quickly</a:t>
+                </a:r>
+              </a:p>
+              <a:p>
+                <a:pPr lvl="1"/>
+                <a:r>
+                  <a:rPr lang="en-US" dirty="0"/>
+                  <a:t>GPU also has higher speed RAM (500Gb/sec vs 80-100Gb/s for CPU)</a:t>
+                </a:r>
+              </a:p>
+              <a:p>
+                <a:r>
+                  <a:rPr lang="en-US" dirty="0"/>
+                  <a:t>De-facto algorithm for training deep neural nets is backpropagation</a:t>
+                </a:r>
+              </a:p>
+              <a:p>
+                <a:r>
+                  <a:rPr lang="en-US" dirty="0"/>
+                  <a:t>Involves computing gradient of error function with respect to each weight in the neural network: </a:t>
+                </a:r>
+                <a14:m>
+                  <m:oMath xmlns:m="http://schemas.openxmlformats.org/officeDocument/2006/math">
+                    <m:f>
+                      <m:fPr>
+                        <m:ctrlPr>
+                          <a:rPr lang="en-US" i="1">
+                            <a:latin typeface="Cambria Math" panose="02040503050406030204" pitchFamily="18" charset="0"/>
+                          </a:rPr>
+                        </m:ctrlPr>
+                      </m:fPr>
+                      <m:num>
+                        <m:r>
+                          <a:rPr lang="en-US" i="1">
+                            <a:latin typeface="Cambria Math" panose="02040503050406030204" pitchFamily="18" charset="0"/>
+                          </a:rPr>
+                          <m:t>𝑑𝐸</m:t>
+                        </m:r>
+                      </m:num>
+                      <m:den>
+                        <m:r>
+                          <a:rPr lang="en-US" i="1">
+                            <a:latin typeface="Cambria Math" panose="02040503050406030204" pitchFamily="18" charset="0"/>
+                          </a:rPr>
+                          <m:t>𝑑</m:t>
+                        </m:r>
+                        <m:sSub>
+                          <m:sSubPr>
+                            <m:ctrlPr>
+                              <a:rPr lang="en-US" i="1">
+                                <a:latin typeface="Cambria Math" panose="02040503050406030204" pitchFamily="18" charset="0"/>
+                              </a:rPr>
+                            </m:ctrlPr>
+                          </m:sSubPr>
+                          <m:e>
+                            <m:r>
+                              <a:rPr lang="en-US" i="1">
+                                <a:latin typeface="Cambria Math" panose="02040503050406030204" pitchFamily="18" charset="0"/>
+                              </a:rPr>
+                              <m:t>𝑤</m:t>
+                            </m:r>
+                          </m:e>
+                          <m:sub>
+                            <m:r>
+                              <a:rPr lang="en-US" i="1">
+                                <a:latin typeface="Cambria Math" panose="02040503050406030204" pitchFamily="18" charset="0"/>
+                              </a:rPr>
+                              <m:t>𝑖𝑗</m:t>
+                            </m:r>
+                          </m:sub>
+                        </m:sSub>
+                      </m:den>
+                    </m:f>
+                    <m:r>
+                      <a:rPr lang="en-US" i="1">
+                        <a:latin typeface="Cambria Math" panose="02040503050406030204" pitchFamily="18" charset="0"/>
+                      </a:rPr>
+                      <m:t>=(</m:t>
+                    </m:r>
+                    <m:r>
+                      <a:rPr lang="en-US" i="1">
+                        <a:latin typeface="Cambria Math" panose="02040503050406030204" pitchFamily="18" charset="0"/>
+                      </a:rPr>
+                      <m:t>𝑓</m:t>
+                    </m:r>
+                    <m:d>
+                      <m:dPr>
+                        <m:ctrlPr>
+                          <a:rPr lang="en-US" i="1">
+                            <a:latin typeface="Cambria Math" panose="02040503050406030204" pitchFamily="18" charset="0"/>
+                          </a:rPr>
+                        </m:ctrlPr>
+                      </m:dPr>
+                      <m:e>
+                        <m:r>
+                          <a:rPr lang="en-US" i="1">
+                            <a:latin typeface="Cambria Math" panose="02040503050406030204" pitchFamily="18" charset="0"/>
+                          </a:rPr>
+                          <m:t>𝑥</m:t>
+                        </m:r>
+                      </m:e>
+                    </m:d>
+                    <m:r>
+                      <a:rPr lang="en-US" i="1">
+                        <a:latin typeface="Cambria Math" panose="02040503050406030204" pitchFamily="18" charset="0"/>
+                      </a:rPr>
+                      <m:t>−</m:t>
+                    </m:r>
+                    <m:r>
+                      <a:rPr lang="en-US" i="1">
+                        <a:latin typeface="Cambria Math" panose="02040503050406030204" pitchFamily="18" charset="0"/>
+                      </a:rPr>
+                      <m:t>𝑦</m:t>
+                    </m:r>
+                    <m:r>
+                      <a:rPr lang="en-US" i="1">
+                        <a:latin typeface="Cambria Math" panose="02040503050406030204" pitchFamily="18" charset="0"/>
+                      </a:rPr>
+                      <m:t>)</m:t>
+                    </m:r>
+                    <m:sSup>
+                      <m:sSupPr>
+                        <m:ctrlPr>
+                          <a:rPr lang="en-US" i="1">
+                            <a:latin typeface="Cambria Math" panose="02040503050406030204" pitchFamily="18" charset="0"/>
+                          </a:rPr>
+                        </m:ctrlPr>
+                      </m:sSupPr>
+                      <m:e>
+                        <m:r>
+                          <a:rPr lang="en-US" i="1">
+                            <a:latin typeface="Cambria Math" panose="02040503050406030204" pitchFamily="18" charset="0"/>
+                          </a:rPr>
+                          <m:t>𝑓</m:t>
+                        </m:r>
+                      </m:e>
+                      <m:sup>
+                        <m:r>
+                          <a:rPr lang="en-US" i="1">
+                            <a:latin typeface="Cambria Math" panose="02040503050406030204" pitchFamily="18" charset="0"/>
+                          </a:rPr>
+                          <m:t>′</m:t>
+                        </m:r>
+                      </m:sup>
+                    </m:sSup>
+                    <m:r>
+                      <a:rPr lang="en-US" i="1">
+                        <a:latin typeface="Cambria Math" panose="02040503050406030204" pitchFamily="18" charset="0"/>
+                      </a:rPr>
+                      <m:t>(</m:t>
+                    </m:r>
+                    <m:r>
+                      <a:rPr lang="en-US" i="1">
+                        <a:latin typeface="Cambria Math" panose="02040503050406030204" pitchFamily="18" charset="0"/>
+                      </a:rPr>
+                      <m:t>𝑥</m:t>
+                    </m:r>
+                    <m:r>
+                      <a:rPr lang="en-US" i="1">
+                        <a:latin typeface="Cambria Math" panose="02040503050406030204" pitchFamily="18" charset="0"/>
+                      </a:rPr>
+                      <m:t>)</m:t>
+                    </m:r>
+                    <m:sSub>
+                      <m:sSubPr>
+                        <m:ctrlPr>
+                          <a:rPr lang="en-US" i="1">
+                            <a:latin typeface="Cambria Math" panose="02040503050406030204" pitchFamily="18" charset="0"/>
+                          </a:rPr>
+                        </m:ctrlPr>
+                      </m:sSubPr>
+                      <m:e>
+                        <m:r>
+                          <a:rPr lang="en-US" i="1">
+                            <a:latin typeface="Cambria Math" panose="02040503050406030204" pitchFamily="18" charset="0"/>
+                          </a:rPr>
+                          <m:t>𝑤</m:t>
+                        </m:r>
+                      </m:e>
+                      <m:sub>
+                        <m:r>
+                          <a:rPr lang="en-US" i="1">
+                            <a:latin typeface="Cambria Math" panose="02040503050406030204" pitchFamily="18" charset="0"/>
+                          </a:rPr>
+                          <m:t>𝑖</m:t>
+                        </m:r>
+                      </m:sub>
+                    </m:sSub>
+                    <m:sSup>
+                      <m:sSupPr>
+                        <m:ctrlPr>
+                          <a:rPr lang="en-US" i="1">
+                            <a:latin typeface="Cambria Math" panose="02040503050406030204" pitchFamily="18" charset="0"/>
+                          </a:rPr>
+                        </m:ctrlPr>
+                      </m:sSupPr>
+                      <m:e>
+                        <m:r>
+                          <a:rPr lang="en-US" i="1">
+                            <a:latin typeface="Cambria Math" panose="02040503050406030204" pitchFamily="18" charset="0"/>
+                          </a:rPr>
+                          <m:t>𝑓</m:t>
+                        </m:r>
+                      </m:e>
+                      <m:sup>
+                        <m:r>
+                          <a:rPr lang="en-US" i="1">
+                            <a:latin typeface="Cambria Math" panose="02040503050406030204" pitchFamily="18" charset="0"/>
+                          </a:rPr>
+                          <m:t>′</m:t>
+                        </m:r>
+                      </m:sup>
+                    </m:sSup>
+                    <m:r>
+                      <a:rPr lang="en-US" i="1">
+                        <a:latin typeface="Cambria Math" panose="02040503050406030204" pitchFamily="18" charset="0"/>
+                      </a:rPr>
+                      <m:t>(</m:t>
+                    </m:r>
+                    <m:sSub>
+                      <m:sSubPr>
+                        <m:ctrlPr>
+                          <a:rPr lang="en-US" i="1">
+                            <a:latin typeface="Cambria Math" panose="02040503050406030204" pitchFamily="18" charset="0"/>
+                          </a:rPr>
+                        </m:ctrlPr>
+                      </m:sSubPr>
+                      <m:e>
+                        <m:r>
+                          <a:rPr lang="en-US" i="1">
+                            <a:latin typeface="Cambria Math" panose="02040503050406030204" pitchFamily="18" charset="0"/>
+                          </a:rPr>
+                          <m:t>𝑥</m:t>
+                        </m:r>
+                      </m:e>
+                      <m:sub>
+                        <m:r>
+                          <a:rPr lang="en-US" i="1">
+                            <a:latin typeface="Cambria Math" panose="02040503050406030204" pitchFamily="18" charset="0"/>
+                          </a:rPr>
+                          <m:t>𝑖</m:t>
+                        </m:r>
+                      </m:sub>
+                    </m:sSub>
+                    <m:r>
+                      <a:rPr lang="en-US" i="1">
+                        <a:latin typeface="Cambria Math" panose="02040503050406030204" pitchFamily="18" charset="0"/>
+                      </a:rPr>
+                      <m:t>)</m:t>
+                    </m:r>
+                    <m:sSub>
+                      <m:sSubPr>
+                        <m:ctrlPr>
+                          <a:rPr lang="en-US" i="1">
+                            <a:latin typeface="Cambria Math" panose="02040503050406030204" pitchFamily="18" charset="0"/>
+                          </a:rPr>
+                        </m:ctrlPr>
+                      </m:sSubPr>
+                      <m:e>
+                        <m:r>
+                          <a:rPr lang="en-US" i="1">
+                            <a:latin typeface="Cambria Math" panose="02040503050406030204" pitchFamily="18" charset="0"/>
+                          </a:rPr>
+                          <m:t>𝑎</m:t>
+                        </m:r>
+                      </m:e>
+                      <m:sub>
+                        <m:r>
+                          <a:rPr lang="en-US" i="1">
+                            <a:latin typeface="Cambria Math" panose="02040503050406030204" pitchFamily="18" charset="0"/>
+                          </a:rPr>
+                          <m:t>𝑗</m:t>
+                        </m:r>
+                      </m:sub>
+                    </m:sSub>
+                  </m:oMath>
+                </a14:m>
+                <a:endParaRPr lang="en-US" dirty="0"/>
+              </a:p>
+              <a:p>
+                <a:r>
+                  <a:rPr lang="en-US" b="1" dirty="0"/>
+                  <a:t>Gradient computations decompose into a simple chain of matrix products </a:t>
+                </a:r>
+              </a:p>
+              <a:p>
+                <a:r>
+                  <a:rPr lang="en-US" dirty="0"/>
+                  <a:t>Computationally simple matrix-multiplications parallelizable on GPU’s many cores</a:t>
+                </a:r>
+              </a:p>
+            </p:txBody>
+          </p:sp>
+        </mc:Choice>
+        <mc:Fallback>
+          <p:sp>
+            <p:nvSpPr>
+              <p:cNvPr id="3" name="Content Placeholder 2">
+                <a:extLst>
+                  <a:ext uri="{FF2B5EF4-FFF2-40B4-BE49-F238E27FC236}">
+                    <a16:creationId xmlns:a16="http://schemas.microsoft.com/office/drawing/2014/main" id="{12B20F2C-D09D-4B8D-A63B-05B133481CAC}"/>
+                  </a:ext>
+                </a:extLst>
+              </p:cNvPr>
+              <p:cNvSpPr>
+                <a:spLocks noGrp="1" noRot="1" noChangeAspect="1" noMove="1" noResize="1" noEditPoints="1" noAdjustHandles="1" noChangeArrowheads="1" noChangeShapeType="1" noTextEdit="1"/>
+              </p:cNvSpPr>
+              <p:nvPr>
+                <p:ph idx="1"/>
+              </p:nvPr>
+            </p:nvSpPr>
+            <p:spPr>
+              <a:xfrm>
+                <a:off x="0" y="863029"/>
+                <a:ext cx="12192000" cy="5994970"/>
+              </a:xfrm>
+              <a:blipFill>
+                <a:blip r:embed="rId2"/>
+                <a:stretch>
+                  <a:fillRect l="-900" t="-1729" r="-1150"/>
+                </a:stretch>
+              </a:blipFill>
+            </p:spPr>
+            <p:txBody>
+              <a:bodyPr/>
+              <a:lstStyle/>
+              <a:p>
+                <a:r>
+                  <a:rPr lang="en-US">
+                    <a:noFill/>
+                  </a:rPr>
+                  <a:t> </a:t>
+                </a:r>
+              </a:p>
+            </p:txBody>
+          </p:sp>
+        </mc:Fallback>
+      </mc:AlternateContent>
     </p:spTree>
     <p:extLst>
       <p:ext uri="{BB962C8B-B14F-4D97-AF65-F5344CB8AC3E}">
@@ -4987,6 +9184,439 @@
   <p:clrMapOvr>
     <a:masterClrMapping/>
   </p:clrMapOvr>
+  <p:timing>
+    <p:tnLst>
+      <p:par>
+        <p:cTn id="1" dur="indefinite" restart="never" nodeType="tmRoot">
+          <p:childTnLst>
+            <p:seq concurrent="1" nextAc="seek">
+              <p:cTn id="2" dur="indefinite" nodeType="mainSeq">
+                <p:childTnLst>
+                  <p:par>
+                    <p:cTn id="3" fill="hold">
+                      <p:stCondLst>
+                        <p:cond delay="indefinite"/>
+                      </p:stCondLst>
+                      <p:childTnLst>
+                        <p:par>
+                          <p:cTn id="4" fill="hold">
+                            <p:stCondLst>
+                              <p:cond delay="0"/>
+                            </p:stCondLst>
+                            <p:childTnLst>
+                              <p:par>
+                                <p:cTn id="5" presetID="1" presetClass="entr" presetSubtype="0" fill="hold" grpId="0" nodeType="clickEffect">
+                                  <p:stCondLst>
+                                    <p:cond delay="0"/>
+                                  </p:stCondLst>
+                                  <p:childTnLst>
+                                    <p:set>
+                                      <p:cBhvr>
+                                        <p:cTn id="6" dur="1" fill="hold">
+                                          <p:stCondLst>
+                                            <p:cond delay="0"/>
+                                          </p:stCondLst>
+                                        </p:cTn>
+                                        <p:tgtEl>
+                                          <p:spTgt spid="3">
+                                            <p:txEl>
+                                              <p:pRg st="0" end="0"/>
+                                            </p:txEl>
+                                          </p:spTgt>
+                                        </p:tgtEl>
+                                        <p:attrNameLst>
+                                          <p:attrName>style.visibility</p:attrName>
+                                        </p:attrNameLst>
+                                      </p:cBhvr>
+                                      <p:to>
+                                        <p:strVal val="visible"/>
+                                      </p:to>
+                                    </p:set>
+                                  </p:childTnLst>
+                                </p:cTn>
+                              </p:par>
+                              <p:par>
+                                <p:cTn id="7" presetID="1" presetClass="entr" presetSubtype="0" fill="hold" grpId="0" nodeType="withEffect">
+                                  <p:stCondLst>
+                                    <p:cond delay="0"/>
+                                  </p:stCondLst>
+                                  <p:childTnLst>
+                                    <p:set>
+                                      <p:cBhvr>
+                                        <p:cTn id="8" dur="1" fill="hold">
+                                          <p:stCondLst>
+                                            <p:cond delay="0"/>
+                                          </p:stCondLst>
+                                        </p:cTn>
+                                        <p:tgtEl>
+                                          <p:spTgt spid="3">
+                                            <p:txEl>
+                                              <p:pRg st="1" end="1"/>
+                                            </p:txEl>
+                                          </p:spTgt>
+                                        </p:tgtEl>
+                                        <p:attrNameLst>
+                                          <p:attrName>style.visibility</p:attrName>
+                                        </p:attrNameLst>
+                                      </p:cBhvr>
+                                      <p:to>
+                                        <p:strVal val="visible"/>
+                                      </p:to>
+                                    </p:set>
+                                  </p:childTnLst>
+                                </p:cTn>
+                              </p:par>
+                              <p:par>
+                                <p:cTn id="9" presetID="1" presetClass="entr" presetSubtype="0" fill="hold" grpId="0" nodeType="withEffect">
+                                  <p:stCondLst>
+                                    <p:cond delay="0"/>
+                                  </p:stCondLst>
+                                  <p:childTnLst>
+                                    <p:set>
+                                      <p:cBhvr>
+                                        <p:cTn id="10" dur="1" fill="hold">
+                                          <p:stCondLst>
+                                            <p:cond delay="0"/>
+                                          </p:stCondLst>
+                                        </p:cTn>
+                                        <p:tgtEl>
+                                          <p:spTgt spid="3">
+                                            <p:txEl>
+                                              <p:pRg st="2" end="2"/>
+                                            </p:txEl>
+                                          </p:spTgt>
+                                        </p:tgtEl>
+                                        <p:attrNameLst>
+                                          <p:attrName>style.visibility</p:attrName>
+                                        </p:attrNameLst>
+                                      </p:cBhvr>
+                                      <p:to>
+                                        <p:strVal val="visible"/>
+                                      </p:to>
+                                    </p:set>
+                                  </p:childTnLst>
+                                </p:cTn>
+                              </p:par>
+                              <p:par>
+                                <p:cTn id="11" presetID="1" presetClass="entr" presetSubtype="0" fill="hold" grpId="0" nodeType="withEffect">
+                                  <p:stCondLst>
+                                    <p:cond delay="0"/>
+                                  </p:stCondLst>
+                                  <p:childTnLst>
+                                    <p:set>
+                                      <p:cBhvr>
+                                        <p:cTn id="12" dur="1" fill="hold">
+                                          <p:stCondLst>
+                                            <p:cond delay="0"/>
+                                          </p:stCondLst>
+                                        </p:cTn>
+                                        <p:tgtEl>
+                                          <p:spTgt spid="3">
+                                            <p:txEl>
+                                              <p:pRg st="3" end="3"/>
+                                            </p:txEl>
+                                          </p:spTgt>
+                                        </p:tgtEl>
+                                        <p:attrNameLst>
+                                          <p:attrName>style.visibility</p:attrName>
+                                        </p:attrNameLst>
+                                      </p:cBhvr>
+                                      <p:to>
+                                        <p:strVal val="visible"/>
+                                      </p:to>
+                                    </p:set>
+                                  </p:childTnLst>
+                                </p:cTn>
+                              </p:par>
+                              <p:par>
+                                <p:cTn id="13" presetID="1" presetClass="entr" presetSubtype="0" fill="hold" grpId="0" nodeType="withEffect">
+                                  <p:stCondLst>
+                                    <p:cond delay="0"/>
+                                  </p:stCondLst>
+                                  <p:childTnLst>
+                                    <p:set>
+                                      <p:cBhvr>
+                                        <p:cTn id="14" dur="1" fill="hold">
+                                          <p:stCondLst>
+                                            <p:cond delay="0"/>
+                                          </p:stCondLst>
+                                        </p:cTn>
+                                        <p:tgtEl>
+                                          <p:spTgt spid="3">
+                                            <p:txEl>
+                                              <p:pRg st="4" end="4"/>
+                                            </p:txEl>
+                                          </p:spTgt>
+                                        </p:tgtEl>
+                                        <p:attrNameLst>
+                                          <p:attrName>style.visibility</p:attrName>
+                                        </p:attrNameLst>
+                                      </p:cBhvr>
+                                      <p:to>
+                                        <p:strVal val="visible"/>
+                                      </p:to>
+                                    </p:set>
+                                  </p:childTnLst>
+                                </p:cTn>
+                              </p:par>
+                              <p:par>
+                                <p:cTn id="15" presetID="1" presetClass="entr" presetSubtype="0" fill="hold" grpId="0" nodeType="withEffect">
+                                  <p:stCondLst>
+                                    <p:cond delay="0"/>
+                                  </p:stCondLst>
+                                  <p:childTnLst>
+                                    <p:set>
+                                      <p:cBhvr>
+                                        <p:cTn id="16" dur="1" fill="hold">
+                                          <p:stCondLst>
+                                            <p:cond delay="0"/>
+                                          </p:stCondLst>
+                                        </p:cTn>
+                                        <p:tgtEl>
+                                          <p:spTgt spid="3">
+                                            <p:txEl>
+                                              <p:pRg st="5" end="5"/>
+                                            </p:txEl>
+                                          </p:spTgt>
+                                        </p:tgtEl>
+                                        <p:attrNameLst>
+                                          <p:attrName>style.visibility</p:attrName>
+                                        </p:attrNameLst>
+                                      </p:cBhvr>
+                                      <p:to>
+                                        <p:strVal val="visible"/>
+                                      </p:to>
+                                    </p:set>
+                                  </p:childTnLst>
+                                </p:cTn>
+                              </p:par>
+                            </p:childTnLst>
+                          </p:cTn>
+                        </p:par>
+                      </p:childTnLst>
+                    </p:cTn>
+                  </p:par>
+                  <p:par>
+                    <p:cTn id="17" fill="hold">
+                      <p:stCondLst>
+                        <p:cond delay="indefinite"/>
+                      </p:stCondLst>
+                      <p:childTnLst>
+                        <p:par>
+                          <p:cTn id="18" fill="hold">
+                            <p:stCondLst>
+                              <p:cond delay="0"/>
+                            </p:stCondLst>
+                            <p:childTnLst>
+                              <p:par>
+                                <p:cTn id="19" presetID="1" presetClass="entr" presetSubtype="0" fill="hold" grpId="0" nodeType="clickEffect">
+                                  <p:stCondLst>
+                                    <p:cond delay="0"/>
+                                  </p:stCondLst>
+                                  <p:childTnLst>
+                                    <p:set>
+                                      <p:cBhvr>
+                                        <p:cTn id="20" dur="1" fill="hold">
+                                          <p:stCondLst>
+                                            <p:cond delay="0"/>
+                                          </p:stCondLst>
+                                        </p:cTn>
+                                        <p:tgtEl>
+                                          <p:spTgt spid="3">
+                                            <p:txEl>
+                                              <p:pRg st="6" end="6"/>
+                                            </p:txEl>
+                                          </p:spTgt>
+                                        </p:tgtEl>
+                                        <p:attrNameLst>
+                                          <p:attrName>style.visibility</p:attrName>
+                                        </p:attrNameLst>
+                                      </p:cBhvr>
+                                      <p:to>
+                                        <p:strVal val="visible"/>
+                                      </p:to>
+                                    </p:set>
+                                  </p:childTnLst>
+                                </p:cTn>
+                              </p:par>
+                            </p:childTnLst>
+                          </p:cTn>
+                        </p:par>
+                      </p:childTnLst>
+                    </p:cTn>
+                  </p:par>
+                  <p:par>
+                    <p:cTn id="21" fill="hold">
+                      <p:stCondLst>
+                        <p:cond delay="indefinite"/>
+                      </p:stCondLst>
+                      <p:childTnLst>
+                        <p:par>
+                          <p:cTn id="22" fill="hold">
+                            <p:stCondLst>
+                              <p:cond delay="0"/>
+                            </p:stCondLst>
+                            <p:childTnLst>
+                              <p:par>
+                                <p:cTn id="23" presetID="1" presetClass="entr" presetSubtype="0" fill="hold" grpId="0" nodeType="clickEffect">
+                                  <p:stCondLst>
+                                    <p:cond delay="0"/>
+                                  </p:stCondLst>
+                                  <p:childTnLst>
+                                    <p:set>
+                                      <p:cBhvr>
+                                        <p:cTn id="24" dur="1" fill="hold">
+                                          <p:stCondLst>
+                                            <p:cond delay="0"/>
+                                          </p:stCondLst>
+                                        </p:cTn>
+                                        <p:tgtEl>
+                                          <p:spTgt spid="3">
+                                            <p:txEl>
+                                              <p:pRg st="7" end="7"/>
+                                            </p:txEl>
+                                          </p:spTgt>
+                                        </p:tgtEl>
+                                        <p:attrNameLst>
+                                          <p:attrName>style.visibility</p:attrName>
+                                        </p:attrNameLst>
+                                      </p:cBhvr>
+                                      <p:to>
+                                        <p:strVal val="visible"/>
+                                      </p:to>
+                                    </p:set>
+                                  </p:childTnLst>
+                                </p:cTn>
+                              </p:par>
+                            </p:childTnLst>
+                          </p:cTn>
+                        </p:par>
+                      </p:childTnLst>
+                    </p:cTn>
+                  </p:par>
+                  <p:par>
+                    <p:cTn id="25" fill="hold">
+                      <p:stCondLst>
+                        <p:cond delay="indefinite"/>
+                      </p:stCondLst>
+                      <p:childTnLst>
+                        <p:par>
+                          <p:cTn id="26" fill="hold">
+                            <p:stCondLst>
+                              <p:cond delay="0"/>
+                            </p:stCondLst>
+                            <p:childTnLst>
+                              <p:par>
+                                <p:cTn id="27" presetID="1" presetClass="entr" presetSubtype="0" fill="hold" grpId="0" nodeType="clickEffect">
+                                  <p:stCondLst>
+                                    <p:cond delay="0"/>
+                                  </p:stCondLst>
+                                  <p:childTnLst>
+                                    <p:set>
+                                      <p:cBhvr>
+                                        <p:cTn id="28" dur="1" fill="hold">
+                                          <p:stCondLst>
+                                            <p:cond delay="0"/>
+                                          </p:stCondLst>
+                                        </p:cTn>
+                                        <p:tgtEl>
+                                          <p:spTgt spid="3">
+                                            <p:txEl>
+                                              <p:pRg st="8" end="8"/>
+                                            </p:txEl>
+                                          </p:spTgt>
+                                        </p:tgtEl>
+                                        <p:attrNameLst>
+                                          <p:attrName>style.visibility</p:attrName>
+                                        </p:attrNameLst>
+                                      </p:cBhvr>
+                                      <p:to>
+                                        <p:strVal val="visible"/>
+                                      </p:to>
+                                    </p:set>
+                                  </p:childTnLst>
+                                </p:cTn>
+                              </p:par>
+                            </p:childTnLst>
+                          </p:cTn>
+                        </p:par>
+                      </p:childTnLst>
+                    </p:cTn>
+                  </p:par>
+                  <p:par>
+                    <p:cTn id="29" fill="hold">
+                      <p:stCondLst>
+                        <p:cond delay="indefinite"/>
+                      </p:stCondLst>
+                      <p:childTnLst>
+                        <p:par>
+                          <p:cTn id="30" fill="hold">
+                            <p:stCondLst>
+                              <p:cond delay="0"/>
+                            </p:stCondLst>
+                            <p:childTnLst>
+                              <p:par>
+                                <p:cTn id="31" presetID="1" presetClass="entr" presetSubtype="0" fill="hold" grpId="0" nodeType="clickEffect">
+                                  <p:stCondLst>
+                                    <p:cond delay="0"/>
+                                  </p:stCondLst>
+                                  <p:childTnLst>
+                                    <p:set>
+                                      <p:cBhvr>
+                                        <p:cTn id="32" dur="1" fill="hold">
+                                          <p:stCondLst>
+                                            <p:cond delay="0"/>
+                                          </p:stCondLst>
+                                        </p:cTn>
+                                        <p:tgtEl>
+                                          <p:spTgt spid="3">
+                                            <p:txEl>
+                                              <p:pRg st="9" end="9"/>
+                                            </p:txEl>
+                                          </p:spTgt>
+                                        </p:tgtEl>
+                                        <p:attrNameLst>
+                                          <p:attrName>style.visibility</p:attrName>
+                                        </p:attrNameLst>
+                                      </p:cBhvr>
+                                      <p:to>
+                                        <p:strVal val="visible"/>
+                                      </p:to>
+                                    </p:set>
+                                  </p:childTnLst>
+                                </p:cTn>
+                              </p:par>
+                            </p:childTnLst>
+                          </p:cTn>
+                        </p:par>
+                      </p:childTnLst>
+                    </p:cTn>
+                  </p:par>
+                </p:childTnLst>
+              </p:cTn>
+              <p:prevCondLst>
+                <p:cond evt="onPrev" delay="0">
+                  <p:tgtEl>
+                    <p:sldTgt/>
+                  </p:tgtEl>
+                </p:cond>
+              </p:prevCondLst>
+              <p:nextCondLst>
+                <p:cond evt="onNext" delay="0">
+                  <p:tgtEl>
+                    <p:sldTgt/>
+                  </p:tgtEl>
+                </p:cond>
+              </p:nextCondLst>
+            </p:seq>
+          </p:childTnLst>
+        </p:cTn>
+      </p:par>
+    </p:tnLst>
+    <p:bldLst>
+      <p:bldP spid="3" grpId="0" build="p"/>
+    </p:bldLst>
+  </p:timing>
 </p:sld>
 </file>
 
@@ -5040,8 +9670,8 @@
           </a:p>
         </p:txBody>
       </p:sp>
-      <mc:AlternateContent xmlns:mc="http://schemas.openxmlformats.org/markup-compatibility/2006" xmlns:a14="http://schemas.microsoft.com/office/drawing/2010/main">
-        <mc:Choice Requires="a14">
+      <mc:AlternateContent xmlns:mc="http://schemas.openxmlformats.org/markup-compatibility/2006">
+        <mc:Choice xmlns:a14="http://schemas.microsoft.com/office/drawing/2010/main" Requires="a14">
           <p:sp>
             <p:nvSpPr>
               <p:cNvPr id="3" name="Content Placeholder 2">
@@ -5236,7 +9866,7 @@
                 </a:r>
                 <a:r>
                   <a:rPr lang="en-US" dirty="0"/>
-                  <a:t>label and whose other dimensions are 0</a:t>
+                  <a:t>label and whose other dimensions are 0 (one-hot encoding),</a:t>
                 </a:r>
               </a:p>
               <a:p>
@@ -5368,10 +9998,10 @@
                 <a14:m>
                   <m:oMath xmlns:m="http://schemas.openxmlformats.org/officeDocument/2006/math">
                     <m:r>
-                      <a:rPr lang="en-US" b="0" i="1" smtClean="0">
+                      <a:rPr lang="en-US" b="1" i="1" smtClean="0">
                         <a:latin typeface="Cambria Math" panose="02040503050406030204" pitchFamily="18" charset="0"/>
                       </a:rPr>
-                      <m:t>𝑎</m:t>
+                      <m:t>𝒂</m:t>
                     </m:r>
                     <m:d>
                       <m:dPr>
@@ -5703,11 +10333,11 @@
                       </m:sSubSupPr>
                       <m:e>
                         <m:r>
-                          <a:rPr lang="en-US" b="0" i="1" smtClean="0">
+                          <a:rPr lang="en-US" b="1" i="1" smtClean="0">
                             <a:latin typeface="Cambria Math" panose="02040503050406030204" pitchFamily="18" charset="0"/>
                             <a:ea typeface="Cambria Math" panose="02040503050406030204" pitchFamily="18" charset="0"/>
                           </a:rPr>
-                          <m:t>𝜃</m:t>
+                          <m:t>𝜽</m:t>
                         </m:r>
                       </m:e>
                       <m:sub>
@@ -6010,7 +10640,7 @@
                   <a:t> </a:t>
                 </a:r>
                 <a:r>
-                  <a:rPr lang="en-US" sz="3800" dirty="0"/>
+                  <a:rPr lang="en-US" dirty="0"/>
                   <a:t>where </a:t>
                 </a:r>
                 <a14:m>
@@ -6018,14 +10648,14 @@
                     <m:sSub>
                       <m:sSubPr>
                         <m:ctrlPr>
-                          <a:rPr lang="en-US" sz="3800" i="1" smtClean="0">
+                          <a:rPr lang="en-US" i="1" smtClean="0">
                             <a:latin typeface="Cambria Math" panose="02040503050406030204" pitchFamily="18" charset="0"/>
                           </a:rPr>
                         </m:ctrlPr>
                       </m:sSubPr>
                       <m:e>
                         <m:r>
-                          <a:rPr lang="en-US" sz="3800" b="0" i="1" smtClean="0">
+                          <a:rPr lang="en-US" b="0" i="1" smtClean="0">
                             <a:latin typeface="Cambria Math" panose="02040503050406030204" pitchFamily="18" charset="0"/>
                           </a:rPr>
                           <m:t>𝑓</m:t>
@@ -6033,7 +10663,7 @@
                       </m:e>
                       <m:sub>
                         <m:r>
-                          <a:rPr lang="en-US" sz="3800" b="0" i="1" smtClean="0">
+                          <a:rPr lang="en-US" b="0" i="1" smtClean="0">
                             <a:latin typeface="Cambria Math" panose="02040503050406030204" pitchFamily="18" charset="0"/>
                           </a:rPr>
                           <m:t>𝑘</m:t>
@@ -6043,14 +10673,14 @@
                     <m:d>
                       <m:dPr>
                         <m:ctrlPr>
-                          <a:rPr lang="en-US" sz="3800" b="0" i="1" smtClean="0">
+                          <a:rPr lang="en-US" b="0" i="1" smtClean="0">
                             <a:latin typeface="Cambria Math" panose="02040503050406030204" pitchFamily="18" charset="0"/>
                           </a:rPr>
                         </m:ctrlPr>
                       </m:dPr>
                       <m:e>
                         <m:r>
-                          <a:rPr lang="en-US" sz="3800" b="1" i="1" smtClean="0">
+                          <a:rPr lang="en-US" b="1" i="1" smtClean="0">
                             <a:latin typeface="Cambria Math" panose="02040503050406030204" pitchFamily="18" charset="0"/>
                           </a:rPr>
                           <m:t>𝒙</m:t>
@@ -6058,7 +10688,7 @@
                       </m:e>
                     </m:d>
                     <m:r>
-                      <a:rPr lang="en-US" sz="3800" b="1" i="1" smtClean="0">
+                      <a:rPr lang="en-US" b="1" i="1" smtClean="0">
                         <a:latin typeface="Cambria Math" panose="02040503050406030204" pitchFamily="18" charset="0"/>
                       </a:rPr>
                       <m:t>=</m:t>
@@ -6066,7 +10696,7 @@
                     <m:f>
                       <m:fPr>
                         <m:ctrlPr>
-                          <a:rPr lang="en-US" sz="3800" b="1" i="1" smtClean="0">
+                          <a:rPr lang="en-US" b="1" i="1" smtClean="0">
                             <a:latin typeface="Cambria Math" panose="02040503050406030204" pitchFamily="18" charset="0"/>
                           </a:rPr>
                         </m:ctrlPr>
@@ -6076,13 +10706,13 @@
                           <m:rPr>
                             <m:sty m:val="p"/>
                           </m:rPr>
-                          <a:rPr lang="en-US" sz="3800" b="0" i="0" smtClean="0">
+                          <a:rPr lang="en-US" b="0" i="0" smtClean="0">
                             <a:latin typeface="Cambria Math" panose="02040503050406030204" pitchFamily="18" charset="0"/>
                           </a:rPr>
                           <m:t>exp</m:t>
                         </m:r>
                         <m:r>
-                          <a:rPr lang="en-US" sz="3800" b="0" i="1" smtClean="0">
+                          <a:rPr lang="en-US" b="0" i="1" smtClean="0">
                             <a:latin typeface="Cambria Math" panose="02040503050406030204" pitchFamily="18" charset="0"/>
                           </a:rPr>
                           <m:t>⁡(</m:t>
@@ -6090,14 +10720,14 @@
                         <m:sSub>
                           <m:sSubPr>
                             <m:ctrlPr>
-                              <a:rPr lang="en-US" sz="3800" b="0" i="1" smtClean="0">
+                              <a:rPr lang="en-US" b="0" i="1" smtClean="0">
                                 <a:latin typeface="Cambria Math" panose="02040503050406030204" pitchFamily="18" charset="0"/>
                               </a:rPr>
                             </m:ctrlPr>
                           </m:sSubPr>
                           <m:e>
                             <m:r>
-                              <a:rPr lang="en-US" sz="3800" b="0" i="1" smtClean="0">
+                              <a:rPr lang="en-US" b="0" i="1" smtClean="0">
                                 <a:latin typeface="Cambria Math" panose="02040503050406030204" pitchFamily="18" charset="0"/>
                               </a:rPr>
                               <m:t>𝑎</m:t>
@@ -6105,7 +10735,7 @@
                           </m:e>
                           <m:sub>
                             <m:r>
-                              <a:rPr lang="en-US" sz="3800" b="0" i="1" smtClean="0">
+                              <a:rPr lang="en-US" b="0" i="1" smtClean="0">
                                 <a:latin typeface="Cambria Math" panose="02040503050406030204" pitchFamily="18" charset="0"/>
                               </a:rPr>
                               <m:t>𝑘</m:t>
@@ -6115,14 +10745,14 @@
                         <m:d>
                           <m:dPr>
                             <m:ctrlPr>
-                              <a:rPr lang="en-US" sz="3800" b="0" i="1" smtClean="0">
+                              <a:rPr lang="en-US" b="0" i="1" smtClean="0">
                                 <a:latin typeface="Cambria Math" panose="02040503050406030204" pitchFamily="18" charset="0"/>
                               </a:rPr>
                             </m:ctrlPr>
                           </m:dPr>
                           <m:e>
                             <m:r>
-                              <a:rPr lang="en-US" sz="3800" b="1" i="1" smtClean="0">
+                              <a:rPr lang="en-US" b="1" i="1" smtClean="0">
                                 <a:latin typeface="Cambria Math" panose="02040503050406030204" pitchFamily="18" charset="0"/>
                               </a:rPr>
                               <m:t>𝒙</m:t>
@@ -6130,7 +10760,7 @@
                           </m:e>
                         </m:d>
                         <m:r>
-                          <a:rPr lang="en-US" sz="3800" b="1" i="1" smtClean="0">
+                          <a:rPr lang="en-US" b="1" i="1" smtClean="0">
                             <a:latin typeface="Cambria Math" panose="02040503050406030204" pitchFamily="18" charset="0"/>
                           </a:rPr>
                           <m:t>)</m:t>
@@ -6142,7 +10772,7 @@
                             <m:chr m:val="∑"/>
                             <m:limLoc m:val="subSup"/>
                             <m:ctrlPr>
-                              <a:rPr lang="en-US" sz="3800" b="1" i="1" smtClean="0">
+                              <a:rPr lang="en-US" b="1" i="1" smtClean="0">
                                 <a:latin typeface="Cambria Math" panose="02040503050406030204" pitchFamily="18" charset="0"/>
                               </a:rPr>
                             </m:ctrlPr>
@@ -6152,13 +10782,13 @@
                               <m:rPr>
                                 <m:brk m:alnAt="25"/>
                               </m:rPr>
-                              <a:rPr lang="en-US" sz="3800" b="0" i="1" smtClean="0">
+                              <a:rPr lang="en-US" b="0" i="1" smtClean="0">
                                 <a:latin typeface="Cambria Math" panose="02040503050406030204" pitchFamily="18" charset="0"/>
                               </a:rPr>
                               <m:t>𝑐</m:t>
                             </m:r>
                             <m:r>
-                              <a:rPr lang="en-US" sz="3800" b="0" i="1" smtClean="0">
+                              <a:rPr lang="en-US" b="0" i="1" smtClean="0">
                                 <a:latin typeface="Cambria Math" panose="02040503050406030204" pitchFamily="18" charset="0"/>
                               </a:rPr>
                               <m:t>=1</m:t>
@@ -6166,7 +10796,7 @@
                           </m:sub>
                           <m:sup>
                             <m:r>
-                              <a:rPr lang="en-US" sz="3800" b="0" i="1" smtClean="0">
+                              <a:rPr lang="en-US" b="0" i="1" smtClean="0">
                                 <a:latin typeface="Cambria Math" panose="02040503050406030204" pitchFamily="18" charset="0"/>
                               </a:rPr>
                               <m:t>𝐾</m:t>
@@ -6177,13 +10807,13 @@
                               <m:rPr>
                                 <m:sty m:val="p"/>
                               </m:rPr>
-                              <a:rPr lang="en-US" sz="3800" b="0" i="0" smtClean="0">
+                              <a:rPr lang="en-US" b="0" i="0" smtClean="0">
                                 <a:latin typeface="Cambria Math" panose="02040503050406030204" pitchFamily="18" charset="0"/>
                               </a:rPr>
                               <m:t>exp</m:t>
                             </m:r>
                             <m:r>
-                              <a:rPr lang="en-US" sz="3800" b="0" i="1" smtClean="0">
+                              <a:rPr lang="en-US" b="0" i="1" smtClean="0">
                                 <a:latin typeface="Cambria Math" panose="02040503050406030204" pitchFamily="18" charset="0"/>
                               </a:rPr>
                               <m:t>⁡(</m:t>
@@ -6191,14 +10821,14 @@
                             <m:sSub>
                               <m:sSubPr>
                                 <m:ctrlPr>
-                                  <a:rPr lang="en-US" sz="3800" b="0" i="1" smtClean="0">
+                                  <a:rPr lang="en-US" b="0" i="1" smtClean="0">
                                     <a:latin typeface="Cambria Math" panose="02040503050406030204" pitchFamily="18" charset="0"/>
                                   </a:rPr>
                                 </m:ctrlPr>
                               </m:sSubPr>
                               <m:e>
                                 <m:r>
-                                  <a:rPr lang="en-US" sz="3800" b="0" i="1" smtClean="0">
+                                  <a:rPr lang="en-US" b="0" i="1" smtClean="0">
                                     <a:latin typeface="Cambria Math" panose="02040503050406030204" pitchFamily="18" charset="0"/>
                                   </a:rPr>
                                   <m:t>𝑎</m:t>
@@ -6206,7 +10836,7 @@
                               </m:e>
                               <m:sub>
                                 <m:r>
-                                  <a:rPr lang="en-US" sz="3800" b="0" i="1" smtClean="0">
+                                  <a:rPr lang="en-US" b="0" i="1" smtClean="0">
                                     <a:latin typeface="Cambria Math" panose="02040503050406030204" pitchFamily="18" charset="0"/>
                                   </a:rPr>
                                   <m:t>𝑐</m:t>
@@ -6214,19 +10844,19 @@
                               </m:sub>
                             </m:sSub>
                             <m:r>
-                              <a:rPr lang="en-US" sz="3800" b="1" i="1" smtClean="0">
+                              <a:rPr lang="en-US" b="1" i="1" smtClean="0">
                                 <a:latin typeface="Cambria Math" panose="02040503050406030204" pitchFamily="18" charset="0"/>
                               </a:rPr>
                               <m:t>(</m:t>
                             </m:r>
                             <m:r>
-                              <a:rPr lang="en-US" sz="3800" b="1" i="1" smtClean="0">
+                              <a:rPr lang="en-US" b="1" i="1" smtClean="0">
                                 <a:latin typeface="Cambria Math" panose="02040503050406030204" pitchFamily="18" charset="0"/>
                               </a:rPr>
                               <m:t>𝒙</m:t>
                             </m:r>
                             <m:r>
-                              <a:rPr lang="en-US" sz="3800" b="1" i="1" smtClean="0">
+                              <a:rPr lang="en-US" b="1" i="1" smtClean="0">
                                 <a:latin typeface="Cambria Math" panose="02040503050406030204" pitchFamily="18" charset="0"/>
                               </a:rPr>
                               <m:t>))</m:t>
@@ -6237,12 +10867,12 @@
                     </m:f>
                   </m:oMath>
                 </a14:m>
-                <a:endParaRPr lang="en-US" sz="3800" b="1" dirty="0"/>
+                <a:endParaRPr lang="en-US" b="1" dirty="0"/>
               </a:p>
             </p:txBody>
           </p:sp>
         </mc:Choice>
-        <mc:Fallback xmlns="">
+        <mc:Fallback>
           <p:sp>
             <p:nvSpPr>
               <p:cNvPr id="3" name="Content Placeholder 2">
@@ -6650,7 +11280,7 @@
             </p:spPr>
             <p:txBody>
               <a:bodyPr>
-                <a:normAutofit/>
+                <a:normAutofit lnSpcReduction="10000"/>
               </a:bodyPr>
               <a:lstStyle/>
               <a:p>
@@ -7293,12 +11923,14 @@
                   <a:rPr lang="en-US" dirty="0"/>
                   <a:t> as:</a:t>
                 </a:r>
-                <a:br>
-                  <a:rPr lang="en-US" dirty="0"/>
-                </a:br>
+              </a:p>
+              <a:p>
+                <a:pPr marL="0" indent="0">
+                  <a:buNone/>
+                </a:pPr>
                 <a:r>
                   <a:rPr lang="en-US" dirty="0"/>
-                  <a:t>	</a:t>
+                  <a:t>		</a:t>
                 </a:r>
                 <a14:m>
                   <m:oMath xmlns:m="http://schemas.openxmlformats.org/officeDocument/2006/math">
@@ -7490,11 +12122,11 @@
                           <m:t>𝜕</m:t>
                         </m:r>
                         <m:r>
-                          <a:rPr lang="en-US" b="0" i="1" smtClean="0">
+                          <a:rPr lang="en-US" b="1" i="1" smtClean="0">
                             <a:latin typeface="Cambria Math" panose="02040503050406030204" pitchFamily="18" charset="0"/>
                             <a:ea typeface="Cambria Math" panose="02040503050406030204" pitchFamily="18" charset="0"/>
                           </a:rPr>
-                          <m:t>𝐿</m:t>
+                          <m:t>𝑳</m:t>
                         </m:r>
                       </m:num>
                       <m:den>
@@ -7608,11 +12240,11 @@
                           <m:t>𝜕</m:t>
                         </m:r>
                         <m:r>
-                          <a:rPr lang="en-US" b="0" i="1" smtClean="0">
+                          <a:rPr lang="en-US" b="1" i="1" smtClean="0">
                             <a:latin typeface="Cambria Math" panose="02040503050406030204" pitchFamily="18" charset="0"/>
                             <a:ea typeface="Cambria Math" panose="02040503050406030204" pitchFamily="18" charset="0"/>
                           </a:rPr>
-                          <m:t>𝐿</m:t>
+                          <m:t>𝑳</m:t>
                         </m:r>
                       </m:num>
                       <m:den>
@@ -7659,9 +12291,11 @@
                   <a:rPr lang="en-US" dirty="0"/>
                   <a:t>,</a:t>
                 </a:r>
-                <a:br>
-                  <a:rPr lang="en-US" dirty="0"/>
-                </a:br>
+              </a:p>
+              <a:p>
+                <a:pPr marL="0" indent="0">
+                  <a:buNone/>
+                </a:pPr>
                 <a:r>
                   <a:rPr lang="en-US" dirty="0"/>
                   <a:t>	</a:t>
@@ -8044,12 +12678,17 @@
                     </m:d>
                   </m:oMath>
                 </a14:m>
-                <a:br>
-                  <a:rPr lang="en-US" dirty="0"/>
-                </a:br>
+                <a:endParaRPr lang="en-US" b="0" i="1" dirty="0">
+                  <a:latin typeface="Cambria Math" panose="02040503050406030204" pitchFamily="18" charset="0"/>
+                </a:endParaRPr>
+              </a:p>
+              <a:p>
+                <a:pPr marL="0" indent="0">
+                  <a:buNone/>
+                </a:pPr>
                 <a:r>
-                  <a:rPr lang="en-US" dirty="0"/>
-                  <a:t>		</a:t>
+                  <a:rPr lang="en-US" b="0" dirty="0"/>
+                  <a:t>	       </a:t>
                 </a:r>
                 <a14:m>
                   <m:oMath xmlns:m="http://schemas.openxmlformats.org/officeDocument/2006/math">
@@ -8504,11 +13143,11 @@
                           <m:t>𝜕</m:t>
                         </m:r>
                         <m:r>
-                          <a:rPr lang="en-US" b="0" i="1" smtClean="0">
+                          <a:rPr lang="en-US" b="1" i="1" smtClean="0">
                             <a:latin typeface="Cambria Math" panose="02040503050406030204" pitchFamily="18" charset="0"/>
                             <a:ea typeface="Cambria Math" panose="02040503050406030204" pitchFamily="18" charset="0"/>
                           </a:rPr>
-                          <m:t>𝐿</m:t>
+                          <m:t>𝑳</m:t>
                         </m:r>
                       </m:num>
                       <m:den>
@@ -8651,9 +13290,13 @@
                 </a14:m>
                 <a:r>
                   <a:rPr lang="en-US" dirty="0"/>
-                  <a:t> is often referred to as the error</a:t>
+                  <a:t> is often referred to as the </a:t>
                 </a:r>
-                <a:endParaRPr lang="en-US" b="1" dirty="0"/>
+                <a:r>
+                  <a:rPr lang="en-US" u="sng" dirty="0"/>
+                  <a:t>error</a:t>
+                </a:r>
+                <a:endParaRPr lang="en-US" b="1" u="sng" dirty="0"/>
               </a:p>
             </p:txBody>
           </p:sp>
@@ -8683,7 +13326,7 @@
               <a:blipFill>
                 <a:blip r:embed="rId2"/>
                 <a:stretch>
-                  <a:fillRect l="-900" r="-200"/>
+                  <a:fillRect l="-900" t="-817" r="-200"/>
                 </a:stretch>
               </a:blipFill>
             </p:spPr>
@@ -8733,7 +13376,7 @@
                             </p:stCondLst>
                             <p:childTnLst>
                               <p:par>
-                                <p:cTn id="5" presetID="1" presetClass="entr" presetSubtype="0" fill="hold" nodeType="clickEffect">
+                                <p:cTn id="5" presetID="1" presetClass="entr" presetSubtype="0" fill="hold" grpId="0" nodeType="clickEffect">
                                   <p:stCondLst>
                                     <p:cond delay="0"/>
                                   </p:stCondLst>
@@ -8782,7 +13425,7 @@
                             </p:stCondLst>
                             <p:childTnLst>
                               <p:par>
-                                <p:cTn id="9" presetID="1" presetClass="entr" presetSubtype="0" fill="hold" nodeType="clickEffect">
+                                <p:cTn id="9" presetID="1" presetClass="entr" presetSubtype="0" fill="hold" grpId="0" nodeType="clickEffect">
                                   <p:stCondLst>
                                     <p:cond delay="0"/>
                                   </p:stCondLst>
@@ -8831,7 +13474,7 @@
                             </p:stCondLst>
                             <p:childTnLst>
                               <p:par>
-                                <p:cTn id="13" presetID="1" presetClass="entr" presetSubtype="0" fill="hold" nodeType="clickEffect">
+                                <p:cTn id="13" presetID="1" presetClass="entr" presetSubtype="0" fill="hold" grpId="0" nodeType="clickEffect">
                                   <p:stCondLst>
                                     <p:cond delay="0"/>
                                   </p:stCondLst>
@@ -8880,7 +13523,7 @@
                             </p:stCondLst>
                             <p:childTnLst>
                               <p:par>
-                                <p:cTn id="17" presetID="1" presetClass="entr" presetSubtype="0" fill="hold" nodeType="clickEffect">
+                                <p:cTn id="17" presetID="1" presetClass="entr" presetSubtype="0" fill="hold" grpId="0" nodeType="clickEffect">
                                   <p:stCondLst>
                                     <p:cond delay="0"/>
                                   </p:stCondLst>
@@ -8929,7 +13572,7 @@
                             </p:stCondLst>
                             <p:childTnLst>
                               <p:par>
-                                <p:cTn id="21" presetID="1" presetClass="entr" presetSubtype="0" fill="hold" nodeType="clickEffect">
+                                <p:cTn id="21" presetID="1" presetClass="entr" presetSubtype="0" fill="hold" grpId="0" nodeType="clickEffect">
                                   <p:stCondLst>
                                     <p:cond delay="0"/>
                                   </p:stCondLst>
@@ -8945,6 +13588,153 @@
                                           <p:spTgt spid="3">
                                             <p:txEl>
                                               <p:pRg st="4" end="4"/>
+                                            </p:txEl>
+                                          </p:spTgt>
+                                        </p:tgtEl>
+                                        <p:attrNameLst>
+                                          <p:attrName>style.visibility</p:attrName>
+                                        </p:attrNameLst>
+                                      </p:cBhvr>
+                                      <p:to>
+                                        <p:strVal val="visible"/>
+                                      </p:to>
+                                    </p:set>
+                                  </p:childTnLst>
+                                </p:cTn>
+                              </p:par>
+                            </p:childTnLst>
+                          </p:cTn>
+                        </p:par>
+                      </p:childTnLst>
+                    </p:cTn>
+                  </p:par>
+                  <p:par>
+                    <p:cTn id="23" fill="hold">
+                      <p:stCondLst>
+                        <p:cond delay="indefinite"/>
+                      </p:stCondLst>
+                      <p:childTnLst>
+                        <p:par>
+                          <p:cTn id="24" fill="hold">
+                            <p:stCondLst>
+                              <p:cond delay="0"/>
+                            </p:stCondLst>
+                            <p:childTnLst>
+                              <p:par>
+                                <p:cTn id="25" presetID="1" presetClass="entr" presetSubtype="0" fill="hold" grpId="0" nodeType="clickEffect">
+                                  <p:stCondLst>
+                                    <p:cond delay="0"/>
+                                  </p:stCondLst>
+                                  <p:childTnLst>
+                                    <p:set>
+                                      <p:cBhvr>
+                                        <p:cTn id="26" dur="1" fill="hold">
+                                          <p:stCondLst>
+                                            <p:cond delay="0"/>
+                                          </p:stCondLst>
+                                        </p:cTn>
+                                        <p:tgtEl>
+                                          <p:spTgt spid="3">
+                                            <p:txEl>
+                                              <p:pRg st="5" end="5"/>
+                                            </p:txEl>
+                                          </p:spTgt>
+                                        </p:tgtEl>
+                                        <p:attrNameLst>
+                                          <p:attrName>style.visibility</p:attrName>
+                                        </p:attrNameLst>
+                                      </p:cBhvr>
+                                      <p:to>
+                                        <p:strVal val="visible"/>
+                                      </p:to>
+                                    </p:set>
+                                  </p:childTnLst>
+                                </p:cTn>
+                              </p:par>
+                            </p:childTnLst>
+                          </p:cTn>
+                        </p:par>
+                      </p:childTnLst>
+                    </p:cTn>
+                  </p:par>
+                  <p:par>
+                    <p:cTn id="27" fill="hold">
+                      <p:stCondLst>
+                        <p:cond delay="indefinite"/>
+                      </p:stCondLst>
+                      <p:childTnLst>
+                        <p:par>
+                          <p:cTn id="28" fill="hold">
+                            <p:stCondLst>
+                              <p:cond delay="0"/>
+                            </p:stCondLst>
+                            <p:childTnLst>
+                              <p:par>
+                                <p:cTn id="29" presetID="1" presetClass="entr" presetSubtype="0" fill="hold" grpId="0" nodeType="clickEffect">
+                                  <p:stCondLst>
+                                    <p:cond delay="0"/>
+                                  </p:stCondLst>
+                                  <p:childTnLst>
+                                    <p:set>
+                                      <p:cBhvr>
+                                        <p:cTn id="30" dur="1" fill="hold">
+                                          <p:stCondLst>
+                                            <p:cond delay="0"/>
+                                          </p:stCondLst>
+                                        </p:cTn>
+                                        <p:tgtEl>
+                                          <p:spTgt spid="3">
+                                            <p:txEl>
+                                              <p:pRg st="6" end="6"/>
+                                            </p:txEl>
+                                          </p:spTgt>
+                                        </p:tgtEl>
+                                        <p:attrNameLst>
+                                          <p:attrName>style.visibility</p:attrName>
+                                        </p:attrNameLst>
+                                      </p:cBhvr>
+                                      <p:to>
+                                        <p:strVal val="visible"/>
+                                      </p:to>
+                                    </p:set>
+                                  </p:childTnLst>
+                                </p:cTn>
+                              </p:par>
+                            </p:childTnLst>
+                          </p:cTn>
+                        </p:par>
+                      </p:childTnLst>
+                    </p:cTn>
+                  </p:par>
+                  <p:par>
+                    <p:cTn id="31" fill="hold">
+                      <p:stCondLst>
+                        <p:cond delay="indefinite"/>
+                      </p:stCondLst>
+                      <p:childTnLst>
+                        <p:par>
+                          <p:cTn id="32" fill="hold">
+                            <p:stCondLst>
+                              <p:cond delay="0"/>
+                            </p:stCondLst>
+                            <p:childTnLst>
+                              <p:par>
+                                <p:cTn id="33" presetID="1" presetClass="entr" presetSubtype="0" fill="hold" grpId="0" nodeType="clickEffect">
+                                  <p:stCondLst>
+                                    <p:cond delay="0"/>
+                                  </p:stCondLst>
+                                  <p:childTnLst>
+                                    <p:set>
+                                      <p:cBhvr>
+                                        <p:cTn id="34" dur="1" fill="hold">
+                                          <p:stCondLst>
+                                            <p:cond delay="0"/>
+                                          </p:stCondLst>
+                                        </p:cTn>
+                                        <p:tgtEl>
+                                          <p:spTgt spid="3">
+                                            <p:txEl>
+                                              <p:pRg st="7" end="7"/>
                                             </p:txEl>
                                           </p:spTgt>
                                         </p:tgtEl>
@@ -8986,6 +13776,9 @@
         </p:cTn>
       </p:par>
     </p:tnLst>
+    <p:bldLst>
+      <p:bldP spid="3" grpId="0" build="p"/>
+    </p:bldLst>
   </p:timing>
 </p:sld>
 </file>
@@ -9675,7 +14468,7 @@
                 </a14:m>
                 <a:r>
                   <a:rPr lang="en-US" dirty="0"/>
-                  <a:t>, because it cannot be represented as matrix (is a tensor)</a:t>
+                  <a:t>, because it cannot be represented as matrix (its a tensor)</a:t>
                 </a:r>
               </a:p>
               <a:p>
@@ -9709,11 +14502,11 @@
                           <m:t>𝜕</m:t>
                         </m:r>
                         <m:r>
-                          <a:rPr lang="en-US" b="0" i="1" smtClean="0">
+                          <a:rPr lang="en-US" b="1" i="1" smtClean="0">
                             <a:latin typeface="Cambria Math" panose="02040503050406030204" pitchFamily="18" charset="0"/>
                             <a:ea typeface="Cambria Math" panose="02040503050406030204" pitchFamily="18" charset="0"/>
                           </a:rPr>
-                          <m:t>𝐿</m:t>
+                          <m:t>𝑳</m:t>
                         </m:r>
                       </m:num>
                       <m:den>
@@ -9839,11 +14632,11 @@
                           <m:t>𝜕</m:t>
                         </m:r>
                         <m:r>
-                          <a:rPr lang="en-US" b="0" i="1" smtClean="0">
+                          <a:rPr lang="en-US" b="1" i="1" smtClean="0">
                             <a:latin typeface="Cambria Math" panose="02040503050406030204" pitchFamily="18" charset="0"/>
                             <a:ea typeface="Cambria Math" panose="02040503050406030204" pitchFamily="18" charset="0"/>
                           </a:rPr>
-                          <m:t>𝐿</m:t>
+                          <m:t>𝑳</m:t>
                         </m:r>
                       </m:num>
                       <m:den>
@@ -10066,7 +14859,7 @@
                     <m:d>
                       <m:dPr>
                         <m:ctrlPr>
-                          <a:rPr lang="en-US" b="0" i="0" smtClean="0">
+                          <a:rPr lang="en-US" b="0" i="1" smtClean="0">
                             <a:latin typeface="Cambria Math" panose="02040503050406030204" pitchFamily="18" charset="0"/>
                           </a:rPr>
                         </m:ctrlPr>
@@ -10215,11 +15008,11 @@
                           <m:t>𝜕</m:t>
                         </m:r>
                         <m:r>
-                          <a:rPr lang="en-US" b="0" i="1" smtClean="0">
+                          <a:rPr lang="en-US" b="1" i="1" smtClean="0">
                             <a:latin typeface="Cambria Math" panose="02040503050406030204" pitchFamily="18" charset="0"/>
                             <a:ea typeface="Cambria Math" panose="02040503050406030204" pitchFamily="18" charset="0"/>
                           </a:rPr>
-                          <m:t>𝐿</m:t>
+                          <m:t>𝑳</m:t>
                         </m:r>
                       </m:num>
                       <m:den>
@@ -10411,8 +15204,8 @@
           </p:sp>
         </mc:Fallback>
       </mc:AlternateContent>
-      <mc:AlternateContent xmlns:mc="http://schemas.openxmlformats.org/markup-compatibility/2006">
-        <mc:Choice xmlns:a14="http://schemas.microsoft.com/office/drawing/2010/main" Requires="a14">
+      <mc:AlternateContent xmlns:mc="http://schemas.openxmlformats.org/markup-compatibility/2006" xmlns:a14="http://schemas.microsoft.com/office/drawing/2010/main">
+        <mc:Choice Requires="a14">
           <p:sp>
             <p:nvSpPr>
               <p:cNvPr id="5" name="TextBox 4">
@@ -10479,7 +15272,7 @@
             </p:txBody>
           </p:sp>
         </mc:Choice>
-        <mc:Fallback>
+        <mc:Fallback xmlns="">
           <p:sp>
             <p:nvSpPr>
               <p:cNvPr id="5" name="TextBox 4">
@@ -10936,7 +15729,9 @@
               </a:xfrm>
             </p:spPr>
             <p:txBody>
-              <a:bodyPr/>
+              <a:bodyPr>
+                <a:normAutofit lnSpcReduction="10000"/>
+              </a:bodyPr>
               <a:lstStyle/>
               <a:p>
                 <a:r>
@@ -10953,7 +15748,6 @@
                 </a:r>
               </a:p>
               <a:p>
-                <a:pPr/>
                 <a:r>
                   <a:rPr lang="en-US" dirty="0"/>
                   <a:t>Gradient of k</a:t>
@@ -10978,12 +15772,14 @@
                   <a:rPr lang="en-US" dirty="0"/>
                   <a:t>matrix of parameters is:</a:t>
                 </a:r>
-                <a:br>
-                  <a:rPr lang="en-US" dirty="0"/>
-                </a:br>
+              </a:p>
+              <a:p>
+                <a:pPr marL="0" indent="0">
+                  <a:buNone/>
+                </a:pPr>
                 <a:r>
                   <a:rPr lang="en-US" dirty="0"/>
-                  <a:t>	</a:t>
+                  <a:t>          </a:t>
                 </a:r>
                 <a14:m>
                   <m:oMath xmlns:m="http://schemas.openxmlformats.org/officeDocument/2006/math">
@@ -11278,7 +16074,7 @@
                 </a14:m>
                 <a:r>
                   <a:rPr lang="en-US" dirty="0"/>
-                  <a:t> , 	</a:t>
+                  <a:t> , 		</a:t>
                 </a:r>
                 <a14:m>
                   <m:oMath xmlns:m="http://schemas.openxmlformats.org/officeDocument/2006/math">
@@ -11409,12 +16205,17 @@
                     </m:sSup>
                   </m:oMath>
                 </a14:m>
-                <a:br>
-                  <a:rPr lang="en-US" dirty="0"/>
-                </a:br>
+                <a:endParaRPr lang="en-US" b="0" i="1" dirty="0">
+                  <a:latin typeface="Cambria Math" panose="02040503050406030204" pitchFamily="18" charset="0"/>
+                </a:endParaRPr>
+              </a:p>
+              <a:p>
+                <a:pPr marL="0" indent="0">
+                  <a:buNone/>
+                </a:pPr>
                 <a:r>
-                  <a:rPr lang="en-US" dirty="0"/>
-                  <a:t>		 </a:t>
+                  <a:rPr lang="en-US" b="0" dirty="0"/>
+                  <a:t>		</a:t>
                 </a:r>
                 <a14:m>
                   <m:oMath xmlns:m="http://schemas.openxmlformats.org/officeDocument/2006/math">
@@ -11611,16 +16412,17 @@
                     </m:sSup>
                   </m:oMath>
                 </a14:m>
-                <a:br>
-                  <a:rPr lang="en-US" i="1" dirty="0">
-                    <a:latin typeface="Cambria Math" panose="02040503050406030204" pitchFamily="18" charset="0"/>
-                  </a:rPr>
-                </a:br>
+                <a:endParaRPr lang="en-US" i="1" dirty="0">
+                  <a:latin typeface="Cambria Math" panose="02040503050406030204" pitchFamily="18" charset="0"/>
+                </a:endParaRPr>
+              </a:p>
+              <a:p>
+                <a:pPr marL="0" indent="0">
+                  <a:buNone/>
+                </a:pPr>
                 <a:r>
-                  <a:rPr lang="en-US" i="1" dirty="0">
-                    <a:latin typeface="Cambria Math" panose="02040503050406030204" pitchFamily="18" charset="0"/>
-                  </a:rPr>
-                  <a:t>		 </a:t>
+                  <a:rPr lang="en-US" b="0" dirty="0"/>
+                  <a:t>		</a:t>
                 </a:r>
                 <a14:m>
                   <m:oMath xmlns:m="http://schemas.openxmlformats.org/officeDocument/2006/math">
@@ -11711,7 +16513,6 @@
                 <a:endParaRPr lang="en-US" dirty="0"/>
               </a:p>
               <a:p>
-                <a:pPr/>
                 <a:r>
                   <a:rPr lang="en-US" dirty="0"/>
                   <a:t>Where </a:t>
@@ -11857,7 +16658,6 @@
                 </a:r>
               </a:p>
               <a:p>
-                <a:pPr/>
                 <a:r>
                   <a:rPr lang="en-US" dirty="0"/>
                   <a:t>The entire matrix parameter update can be structured as:</a:t>
@@ -12053,7 +16853,6 @@
                 <a:endParaRPr lang="en-US" dirty="0"/>
               </a:p>
               <a:p>
-                <a:pPr/>
                 <a:r>
                   <a:rPr lang="en-US" dirty="0"/>
                   <a:t>This error term is backpropagated</a:t>
@@ -12087,7 +16886,7 @@
               <a:blipFill>
                 <a:blip r:embed="rId2"/>
                 <a:stretch>
-                  <a:fillRect l="-900" t="-1736" r="-1550" b="-511"/>
+                  <a:fillRect l="-900" t="-2349" r="-1550"/>
                 </a:stretch>
               </a:blipFill>
             </p:spPr>
@@ -12369,6 +17168,153 @@
                       </p:childTnLst>
                     </p:cTn>
                   </p:par>
+                  <p:par>
+                    <p:cTn id="23" fill="hold">
+                      <p:stCondLst>
+                        <p:cond delay="indefinite"/>
+                      </p:stCondLst>
+                      <p:childTnLst>
+                        <p:par>
+                          <p:cTn id="24" fill="hold">
+                            <p:stCondLst>
+                              <p:cond delay="0"/>
+                            </p:stCondLst>
+                            <p:childTnLst>
+                              <p:par>
+                                <p:cTn id="25" presetID="1" presetClass="entr" presetSubtype="0" fill="hold" grpId="0" nodeType="clickEffect">
+                                  <p:stCondLst>
+                                    <p:cond delay="0"/>
+                                  </p:stCondLst>
+                                  <p:childTnLst>
+                                    <p:set>
+                                      <p:cBhvr>
+                                        <p:cTn id="26" dur="1" fill="hold">
+                                          <p:stCondLst>
+                                            <p:cond delay="0"/>
+                                          </p:stCondLst>
+                                        </p:cTn>
+                                        <p:tgtEl>
+                                          <p:spTgt spid="3">
+                                            <p:txEl>
+                                              <p:pRg st="5" end="5"/>
+                                            </p:txEl>
+                                          </p:spTgt>
+                                        </p:tgtEl>
+                                        <p:attrNameLst>
+                                          <p:attrName>style.visibility</p:attrName>
+                                        </p:attrNameLst>
+                                      </p:cBhvr>
+                                      <p:to>
+                                        <p:strVal val="visible"/>
+                                      </p:to>
+                                    </p:set>
+                                  </p:childTnLst>
+                                </p:cTn>
+                              </p:par>
+                            </p:childTnLst>
+                          </p:cTn>
+                        </p:par>
+                      </p:childTnLst>
+                    </p:cTn>
+                  </p:par>
+                  <p:par>
+                    <p:cTn id="27" fill="hold">
+                      <p:stCondLst>
+                        <p:cond delay="indefinite"/>
+                      </p:stCondLst>
+                      <p:childTnLst>
+                        <p:par>
+                          <p:cTn id="28" fill="hold">
+                            <p:stCondLst>
+                              <p:cond delay="0"/>
+                            </p:stCondLst>
+                            <p:childTnLst>
+                              <p:par>
+                                <p:cTn id="29" presetID="1" presetClass="entr" presetSubtype="0" fill="hold" grpId="0" nodeType="clickEffect">
+                                  <p:stCondLst>
+                                    <p:cond delay="0"/>
+                                  </p:stCondLst>
+                                  <p:childTnLst>
+                                    <p:set>
+                                      <p:cBhvr>
+                                        <p:cTn id="30" dur="1" fill="hold">
+                                          <p:stCondLst>
+                                            <p:cond delay="0"/>
+                                          </p:stCondLst>
+                                        </p:cTn>
+                                        <p:tgtEl>
+                                          <p:spTgt spid="3">
+                                            <p:txEl>
+                                              <p:pRg st="6" end="6"/>
+                                            </p:txEl>
+                                          </p:spTgt>
+                                        </p:tgtEl>
+                                        <p:attrNameLst>
+                                          <p:attrName>style.visibility</p:attrName>
+                                        </p:attrNameLst>
+                                      </p:cBhvr>
+                                      <p:to>
+                                        <p:strVal val="visible"/>
+                                      </p:to>
+                                    </p:set>
+                                  </p:childTnLst>
+                                </p:cTn>
+                              </p:par>
+                            </p:childTnLst>
+                          </p:cTn>
+                        </p:par>
+                      </p:childTnLst>
+                    </p:cTn>
+                  </p:par>
+                  <p:par>
+                    <p:cTn id="31" fill="hold">
+                      <p:stCondLst>
+                        <p:cond delay="indefinite"/>
+                      </p:stCondLst>
+                      <p:childTnLst>
+                        <p:par>
+                          <p:cTn id="32" fill="hold">
+                            <p:stCondLst>
+                              <p:cond delay="0"/>
+                            </p:stCondLst>
+                            <p:childTnLst>
+                              <p:par>
+                                <p:cTn id="33" presetID="1" presetClass="entr" presetSubtype="0" fill="hold" grpId="0" nodeType="clickEffect">
+                                  <p:stCondLst>
+                                    <p:cond delay="0"/>
+                                  </p:stCondLst>
+                                  <p:childTnLst>
+                                    <p:set>
+                                      <p:cBhvr>
+                                        <p:cTn id="34" dur="1" fill="hold">
+                                          <p:stCondLst>
+                                            <p:cond delay="0"/>
+                                          </p:stCondLst>
+                                        </p:cTn>
+                                        <p:tgtEl>
+                                          <p:spTgt spid="3">
+                                            <p:txEl>
+                                              <p:pRg st="7" end="7"/>
+                                            </p:txEl>
+                                          </p:spTgt>
+                                        </p:tgtEl>
+                                        <p:attrNameLst>
+                                          <p:attrName>style.visibility</p:attrName>
+                                        </p:attrNameLst>
+                                      </p:cBhvr>
+                                      <p:to>
+                                        <p:strVal val="visible"/>
+                                      </p:to>
+                                    </p:set>
+                                  </p:childTnLst>
+                                </p:cTn>
+                              </p:par>
+                            </p:childTnLst>
+                          </p:cTn>
+                        </p:par>
+                      </p:childTnLst>
+                    </p:cTn>
+                  </p:par>
                 </p:childTnLst>
               </p:cTn>
               <p:prevCondLst>
@@ -12447,8 +17393,8 @@
           </a:p>
         </p:txBody>
       </p:sp>
-      <mc:AlternateContent xmlns:mc="http://schemas.openxmlformats.org/markup-compatibility/2006">
-        <mc:Choice xmlns:a14="http://schemas.microsoft.com/office/drawing/2010/main" Requires="a14">
+      <mc:AlternateContent xmlns:mc="http://schemas.openxmlformats.org/markup-compatibility/2006" xmlns:a14="http://schemas.microsoft.com/office/drawing/2010/main">
+        <mc:Choice Requires="a14">
           <p:sp>
             <p:nvSpPr>
               <p:cNvPr id="3" name="Content Placeholder 2">
@@ -14071,7 +19017,7 @@
             </p:txBody>
           </p:sp>
         </mc:Choice>
-        <mc:Fallback>
+        <mc:Fallback xmlns="">
           <p:sp>
             <p:nvSpPr>
               <p:cNvPr id="3" name="Content Placeholder 2">
@@ -14612,15 +19558,14 @@
                   <a:rPr lang="en-US" dirty="0"/>
                   <a:t>:</a:t>
                 </a:r>
-                <a:br>
-                  <a:rPr lang="en-US" dirty="0"/>
-                </a:br>
-                <a:br>
-                  <a:rPr lang="en-US" dirty="0"/>
-                </a:br>
+              </a:p>
+              <a:p>
+                <a:pPr marL="0" indent="0">
+                  <a:buNone/>
+                </a:pPr>
                 <a:r>
                   <a:rPr lang="en-US" dirty="0"/>
-                  <a:t>	</a:t>
+                  <a:t>			</a:t>
                 </a:r>
                 <a14:m>
                   <m:oMath xmlns:m="http://schemas.openxmlformats.org/officeDocument/2006/math">
@@ -14934,15 +19879,14 @@
                   <a:rPr lang="en-US" dirty="0"/>
                   <a:t> </a:t>
                 </a:r>
-                <a:br>
-                  <a:rPr lang="en-US" dirty="0"/>
-                </a:br>
-                <a:br>
-                  <a:rPr lang="en-US" dirty="0"/>
-                </a:br>
+              </a:p>
+              <a:p>
+                <a:pPr marL="0" indent="0">
+                  <a:buNone/>
+                </a:pPr>
                 <a:r>
                   <a:rPr lang="en-US" dirty="0"/>
-                  <a:t>	</a:t>
+                  <a:t>			</a:t>
                 </a:r>
                 <a14:m>
                   <m:oMath xmlns:m="http://schemas.openxmlformats.org/officeDocument/2006/math">
@@ -15120,12 +20064,14 @@
                   <a:rPr lang="en-US" dirty="0"/>
                   <a:t>The last simplification uses the fact that the partial derivatives involved correspond to matrices that can be written:</a:t>
                 </a:r>
-                <a:br>
-                  <a:rPr lang="en-US" dirty="0"/>
-                </a:br>
+              </a:p>
+              <a:p>
+                <a:pPr marL="0" indent="0">
+                  <a:buNone/>
+                </a:pPr>
                 <a:r>
                   <a:rPr lang="en-US" dirty="0"/>
-                  <a:t>	 </a:t>
+                  <a:t>		          </a:t>
                 </a:r>
                 <a14:m>
                   <m:oMath xmlns:m="http://schemas.openxmlformats.org/officeDocument/2006/math">
@@ -15870,6 +20816,431 @@
   <p:clrMapOvr>
     <a:masterClrMapping/>
   </p:clrMapOvr>
+  <p:timing>
+    <p:tnLst>
+      <p:par>
+        <p:cTn id="1" dur="indefinite" restart="never" nodeType="tmRoot">
+          <p:childTnLst>
+            <p:seq concurrent="1" nextAc="seek">
+              <p:cTn id="2" dur="indefinite" nodeType="mainSeq">
+                <p:childTnLst>
+                  <p:par>
+                    <p:cTn id="3" fill="hold">
+                      <p:stCondLst>
+                        <p:cond delay="indefinite"/>
+                      </p:stCondLst>
+                      <p:childTnLst>
+                        <p:par>
+                          <p:cTn id="4" fill="hold">
+                            <p:stCondLst>
+                              <p:cond delay="0"/>
+                            </p:stCondLst>
+                            <p:childTnLst>
+                              <p:par>
+                                <p:cTn id="5" presetID="1" presetClass="entr" presetSubtype="0" fill="hold" grpId="0" nodeType="clickEffect">
+                                  <p:stCondLst>
+                                    <p:cond delay="0"/>
+                                  </p:stCondLst>
+                                  <p:childTnLst>
+                                    <p:set>
+                                      <p:cBhvr>
+                                        <p:cTn id="6" dur="1" fill="hold">
+                                          <p:stCondLst>
+                                            <p:cond delay="0"/>
+                                          </p:stCondLst>
+                                        </p:cTn>
+                                        <p:tgtEl>
+                                          <p:spTgt spid="3">
+                                            <p:txEl>
+                                              <p:pRg st="0" end="0"/>
+                                            </p:txEl>
+                                          </p:spTgt>
+                                        </p:tgtEl>
+                                        <p:attrNameLst>
+                                          <p:attrName>style.visibility</p:attrName>
+                                        </p:attrNameLst>
+                                      </p:cBhvr>
+                                      <p:to>
+                                        <p:strVal val="visible"/>
+                                      </p:to>
+                                    </p:set>
+                                  </p:childTnLst>
+                                </p:cTn>
+                              </p:par>
+                            </p:childTnLst>
+                          </p:cTn>
+                        </p:par>
+                      </p:childTnLst>
+                    </p:cTn>
+                  </p:par>
+                  <p:par>
+                    <p:cTn id="7" fill="hold">
+                      <p:stCondLst>
+                        <p:cond delay="indefinite"/>
+                      </p:stCondLst>
+                      <p:childTnLst>
+                        <p:par>
+                          <p:cTn id="8" fill="hold">
+                            <p:stCondLst>
+                              <p:cond delay="0"/>
+                            </p:stCondLst>
+                            <p:childTnLst>
+                              <p:par>
+                                <p:cTn id="9" presetID="1" presetClass="entr" presetSubtype="0" fill="hold" grpId="0" nodeType="clickEffect">
+                                  <p:stCondLst>
+                                    <p:cond delay="0"/>
+                                  </p:stCondLst>
+                                  <p:childTnLst>
+                                    <p:set>
+                                      <p:cBhvr>
+                                        <p:cTn id="10" dur="1" fill="hold">
+                                          <p:stCondLst>
+                                            <p:cond delay="0"/>
+                                          </p:stCondLst>
+                                        </p:cTn>
+                                        <p:tgtEl>
+                                          <p:spTgt spid="3">
+                                            <p:txEl>
+                                              <p:pRg st="1" end="1"/>
+                                            </p:txEl>
+                                          </p:spTgt>
+                                        </p:tgtEl>
+                                        <p:attrNameLst>
+                                          <p:attrName>style.visibility</p:attrName>
+                                        </p:attrNameLst>
+                                      </p:cBhvr>
+                                      <p:to>
+                                        <p:strVal val="visible"/>
+                                      </p:to>
+                                    </p:set>
+                                  </p:childTnLst>
+                                </p:cTn>
+                              </p:par>
+                            </p:childTnLst>
+                          </p:cTn>
+                        </p:par>
+                      </p:childTnLst>
+                    </p:cTn>
+                  </p:par>
+                  <p:par>
+                    <p:cTn id="11" fill="hold">
+                      <p:stCondLst>
+                        <p:cond delay="indefinite"/>
+                      </p:stCondLst>
+                      <p:childTnLst>
+                        <p:par>
+                          <p:cTn id="12" fill="hold">
+                            <p:stCondLst>
+                              <p:cond delay="0"/>
+                            </p:stCondLst>
+                            <p:childTnLst>
+                              <p:par>
+                                <p:cTn id="13" presetID="1" presetClass="entr" presetSubtype="0" fill="hold" grpId="0" nodeType="clickEffect">
+                                  <p:stCondLst>
+                                    <p:cond delay="0"/>
+                                  </p:stCondLst>
+                                  <p:childTnLst>
+                                    <p:set>
+                                      <p:cBhvr>
+                                        <p:cTn id="14" dur="1" fill="hold">
+                                          <p:stCondLst>
+                                            <p:cond delay="0"/>
+                                          </p:stCondLst>
+                                        </p:cTn>
+                                        <p:tgtEl>
+                                          <p:spTgt spid="3">
+                                            <p:txEl>
+                                              <p:pRg st="2" end="2"/>
+                                            </p:txEl>
+                                          </p:spTgt>
+                                        </p:tgtEl>
+                                        <p:attrNameLst>
+                                          <p:attrName>style.visibility</p:attrName>
+                                        </p:attrNameLst>
+                                      </p:cBhvr>
+                                      <p:to>
+                                        <p:strVal val="visible"/>
+                                      </p:to>
+                                    </p:set>
+                                  </p:childTnLst>
+                                </p:cTn>
+                              </p:par>
+                            </p:childTnLst>
+                          </p:cTn>
+                        </p:par>
+                      </p:childTnLst>
+                    </p:cTn>
+                  </p:par>
+                  <p:par>
+                    <p:cTn id="15" fill="hold">
+                      <p:stCondLst>
+                        <p:cond delay="indefinite"/>
+                      </p:stCondLst>
+                      <p:childTnLst>
+                        <p:par>
+                          <p:cTn id="16" fill="hold">
+                            <p:stCondLst>
+                              <p:cond delay="0"/>
+                            </p:stCondLst>
+                            <p:childTnLst>
+                              <p:par>
+                                <p:cTn id="17" presetID="1" presetClass="entr" presetSubtype="0" fill="hold" grpId="0" nodeType="clickEffect">
+                                  <p:stCondLst>
+                                    <p:cond delay="0"/>
+                                  </p:stCondLst>
+                                  <p:childTnLst>
+                                    <p:set>
+                                      <p:cBhvr>
+                                        <p:cTn id="18" dur="1" fill="hold">
+                                          <p:stCondLst>
+                                            <p:cond delay="0"/>
+                                          </p:stCondLst>
+                                        </p:cTn>
+                                        <p:tgtEl>
+                                          <p:spTgt spid="3">
+                                            <p:txEl>
+                                              <p:pRg st="3" end="3"/>
+                                            </p:txEl>
+                                          </p:spTgt>
+                                        </p:tgtEl>
+                                        <p:attrNameLst>
+                                          <p:attrName>style.visibility</p:attrName>
+                                        </p:attrNameLst>
+                                      </p:cBhvr>
+                                      <p:to>
+                                        <p:strVal val="visible"/>
+                                      </p:to>
+                                    </p:set>
+                                  </p:childTnLst>
+                                </p:cTn>
+                              </p:par>
+                            </p:childTnLst>
+                          </p:cTn>
+                        </p:par>
+                      </p:childTnLst>
+                    </p:cTn>
+                  </p:par>
+                  <p:par>
+                    <p:cTn id="19" fill="hold">
+                      <p:stCondLst>
+                        <p:cond delay="indefinite"/>
+                      </p:stCondLst>
+                      <p:childTnLst>
+                        <p:par>
+                          <p:cTn id="20" fill="hold">
+                            <p:stCondLst>
+                              <p:cond delay="0"/>
+                            </p:stCondLst>
+                            <p:childTnLst>
+                              <p:par>
+                                <p:cTn id="21" presetID="1" presetClass="entr" presetSubtype="0" fill="hold" grpId="0" nodeType="clickEffect">
+                                  <p:stCondLst>
+                                    <p:cond delay="0"/>
+                                  </p:stCondLst>
+                                  <p:childTnLst>
+                                    <p:set>
+                                      <p:cBhvr>
+                                        <p:cTn id="22" dur="1" fill="hold">
+                                          <p:stCondLst>
+                                            <p:cond delay="0"/>
+                                          </p:stCondLst>
+                                        </p:cTn>
+                                        <p:tgtEl>
+                                          <p:spTgt spid="3">
+                                            <p:txEl>
+                                              <p:pRg st="4" end="4"/>
+                                            </p:txEl>
+                                          </p:spTgt>
+                                        </p:tgtEl>
+                                        <p:attrNameLst>
+                                          <p:attrName>style.visibility</p:attrName>
+                                        </p:attrNameLst>
+                                      </p:cBhvr>
+                                      <p:to>
+                                        <p:strVal val="visible"/>
+                                      </p:to>
+                                    </p:set>
+                                  </p:childTnLst>
+                                </p:cTn>
+                              </p:par>
+                            </p:childTnLst>
+                          </p:cTn>
+                        </p:par>
+                      </p:childTnLst>
+                    </p:cTn>
+                  </p:par>
+                  <p:par>
+                    <p:cTn id="23" fill="hold">
+                      <p:stCondLst>
+                        <p:cond delay="indefinite"/>
+                      </p:stCondLst>
+                      <p:childTnLst>
+                        <p:par>
+                          <p:cTn id="24" fill="hold">
+                            <p:stCondLst>
+                              <p:cond delay="0"/>
+                            </p:stCondLst>
+                            <p:childTnLst>
+                              <p:par>
+                                <p:cTn id="25" presetID="1" presetClass="entr" presetSubtype="0" fill="hold" grpId="0" nodeType="clickEffect">
+                                  <p:stCondLst>
+                                    <p:cond delay="0"/>
+                                  </p:stCondLst>
+                                  <p:childTnLst>
+                                    <p:set>
+                                      <p:cBhvr>
+                                        <p:cTn id="26" dur="1" fill="hold">
+                                          <p:stCondLst>
+                                            <p:cond delay="0"/>
+                                          </p:stCondLst>
+                                        </p:cTn>
+                                        <p:tgtEl>
+                                          <p:spTgt spid="3">
+                                            <p:txEl>
+                                              <p:pRg st="5" end="5"/>
+                                            </p:txEl>
+                                          </p:spTgt>
+                                        </p:tgtEl>
+                                        <p:attrNameLst>
+                                          <p:attrName>style.visibility</p:attrName>
+                                        </p:attrNameLst>
+                                      </p:cBhvr>
+                                      <p:to>
+                                        <p:strVal val="visible"/>
+                                      </p:to>
+                                    </p:set>
+                                  </p:childTnLst>
+                                </p:cTn>
+                              </p:par>
+                            </p:childTnLst>
+                          </p:cTn>
+                        </p:par>
+                      </p:childTnLst>
+                    </p:cTn>
+                  </p:par>
+                  <p:par>
+                    <p:cTn id="27" fill="hold">
+                      <p:stCondLst>
+                        <p:cond delay="indefinite"/>
+                      </p:stCondLst>
+                      <p:childTnLst>
+                        <p:par>
+                          <p:cTn id="28" fill="hold">
+                            <p:stCondLst>
+                              <p:cond delay="0"/>
+                            </p:stCondLst>
+                            <p:childTnLst>
+                              <p:par>
+                                <p:cTn id="29" presetID="1" presetClass="entr" presetSubtype="0" fill="hold" grpId="0" nodeType="clickEffect">
+                                  <p:stCondLst>
+                                    <p:cond delay="0"/>
+                                  </p:stCondLst>
+                                  <p:childTnLst>
+                                    <p:set>
+                                      <p:cBhvr>
+                                        <p:cTn id="30" dur="1" fill="hold">
+                                          <p:stCondLst>
+                                            <p:cond delay="0"/>
+                                          </p:stCondLst>
+                                        </p:cTn>
+                                        <p:tgtEl>
+                                          <p:spTgt spid="3">
+                                            <p:txEl>
+                                              <p:pRg st="6" end="6"/>
+                                            </p:txEl>
+                                          </p:spTgt>
+                                        </p:tgtEl>
+                                        <p:attrNameLst>
+                                          <p:attrName>style.visibility</p:attrName>
+                                        </p:attrNameLst>
+                                      </p:cBhvr>
+                                      <p:to>
+                                        <p:strVal val="visible"/>
+                                      </p:to>
+                                    </p:set>
+                                  </p:childTnLst>
+                                </p:cTn>
+                              </p:par>
+                            </p:childTnLst>
+                          </p:cTn>
+                        </p:par>
+                      </p:childTnLst>
+                    </p:cTn>
+                  </p:par>
+                  <p:par>
+                    <p:cTn id="31" fill="hold">
+                      <p:stCondLst>
+                        <p:cond delay="indefinite"/>
+                      </p:stCondLst>
+                      <p:childTnLst>
+                        <p:par>
+                          <p:cTn id="32" fill="hold">
+                            <p:stCondLst>
+                              <p:cond delay="0"/>
+                            </p:stCondLst>
+                            <p:childTnLst>
+                              <p:par>
+                                <p:cTn id="33" presetID="1" presetClass="entr" presetSubtype="0" fill="hold" grpId="0" nodeType="clickEffect">
+                                  <p:stCondLst>
+                                    <p:cond delay="0"/>
+                                  </p:stCondLst>
+                                  <p:childTnLst>
+                                    <p:set>
+                                      <p:cBhvr>
+                                        <p:cTn id="34" dur="1" fill="hold">
+                                          <p:stCondLst>
+                                            <p:cond delay="0"/>
+                                          </p:stCondLst>
+                                        </p:cTn>
+                                        <p:tgtEl>
+                                          <p:spTgt spid="3">
+                                            <p:txEl>
+                                              <p:pRg st="7" end="7"/>
+                                            </p:txEl>
+                                          </p:spTgt>
+                                        </p:tgtEl>
+                                        <p:attrNameLst>
+                                          <p:attrName>style.visibility</p:attrName>
+                                        </p:attrNameLst>
+                                      </p:cBhvr>
+                                      <p:to>
+                                        <p:strVal val="visible"/>
+                                      </p:to>
+                                    </p:set>
+                                  </p:childTnLst>
+                                </p:cTn>
+                              </p:par>
+                            </p:childTnLst>
+                          </p:cTn>
+                        </p:par>
+                      </p:childTnLst>
+                    </p:cTn>
+                  </p:par>
+                </p:childTnLst>
+              </p:cTn>
+              <p:prevCondLst>
+                <p:cond evt="onPrev" delay="0">
+                  <p:tgtEl>
+                    <p:sldTgt/>
+                  </p:tgtEl>
+                </p:cond>
+              </p:prevCondLst>
+              <p:nextCondLst>
+                <p:cond evt="onNext" delay="0">
+                  <p:tgtEl>
+                    <p:sldTgt/>
+                  </p:tgtEl>
+                </p:cond>
+              </p:nextCondLst>
+            </p:seq>
+          </p:childTnLst>
+        </p:cTn>
+      </p:par>
+    </p:tnLst>
+    <p:bldLst>
+      <p:bldP spid="3" grpId="0" build="p"/>
+    </p:bldLst>
+  </p:timing>
 </p:sld>
 </file>
 
@@ -15961,375 +21332,403 @@
                 </a:r>
                 <a:r>
                   <a:rPr lang="en-US" dirty="0"/>
-                  <a:t>vector of parameters of the l</a:t>
+                  <a:t>vector of parameters of the </a:t>
                 </a:r>
-                <a:r>
-                  <a:rPr lang="en-US" baseline="30000" dirty="0"/>
-                  <a:t>th</a:t>
-                </a:r>
+                <a14:m>
+                  <m:oMath xmlns:m="http://schemas.openxmlformats.org/officeDocument/2006/math">
+                    <m:sSup>
+                      <m:sSupPr>
+                        <m:ctrlPr>
+                          <a:rPr lang="en-US" i="1" smtClean="0">
+                            <a:latin typeface="Cambria Math" panose="02040503050406030204" pitchFamily="18" charset="0"/>
+                          </a:rPr>
+                        </m:ctrlPr>
+                      </m:sSupPr>
+                      <m:e>
+                        <m:r>
+                          <a:rPr lang="en-US" b="0" i="1" smtClean="0">
+                            <a:latin typeface="Cambria Math" panose="02040503050406030204" pitchFamily="18" charset="0"/>
+                          </a:rPr>
+                          <m:t>𝑙</m:t>
+                        </m:r>
+                      </m:e>
+                      <m:sup>
+                        <m:r>
+                          <a:rPr lang="en-US" b="0" i="1" smtClean="0">
+                            <a:latin typeface="Cambria Math" panose="02040503050406030204" pitchFamily="18" charset="0"/>
+                          </a:rPr>
+                          <m:t>𝑡h</m:t>
+                        </m:r>
+                      </m:sup>
+                    </m:sSup>
+                  </m:oMath>
+                </a14:m>
                 <a:r>
                   <a:rPr lang="en-US" dirty="0"/>
                   <a:t> network layer can therefore be computed using products of matrices of form:</a:t>
                 </a:r>
-                <a:br>
-                  <a:rPr lang="en-US" dirty="0"/>
-                </a:br>
-                <a:r>
-                  <a:rPr lang="en-US" dirty="0"/>
-                  <a:t>	</a:t>
-                </a:r>
+              </a:p>
+              <a:p>
+                <a:pPr marL="0" indent="0">
+                  <a:buNone/>
+                </a:pPr>
                 <a14:m>
-                  <m:oMath xmlns:m="http://schemas.openxmlformats.org/officeDocument/2006/math">
-                    <m:f>
-                      <m:fPr>
-                        <m:ctrlPr>
-                          <a:rPr lang="en-US" i="1" smtClean="0">
-                            <a:latin typeface="Cambria Math" panose="02040503050406030204" pitchFamily="18" charset="0"/>
-                          </a:rPr>
-                        </m:ctrlPr>
-                      </m:fPr>
-                      <m:num>
-                        <m:r>
-                          <a:rPr lang="en-US" i="1" smtClean="0">
-                            <a:latin typeface="Cambria Math" panose="02040503050406030204" pitchFamily="18" charset="0"/>
-                            <a:ea typeface="Cambria Math" panose="02040503050406030204" pitchFamily="18" charset="0"/>
-                          </a:rPr>
-                          <m:t>𝜕</m:t>
-                        </m:r>
-                        <m:r>
-                          <a:rPr lang="en-US" b="0" i="1" smtClean="0">
-                            <a:latin typeface="Cambria Math" panose="02040503050406030204" pitchFamily="18" charset="0"/>
-                            <a:ea typeface="Cambria Math" panose="02040503050406030204" pitchFamily="18" charset="0"/>
-                          </a:rPr>
-                          <m:t>𝐿</m:t>
-                        </m:r>
-                      </m:num>
-                      <m:den>
-                        <m:r>
-                          <a:rPr lang="en-US" i="1" smtClean="0">
-                            <a:latin typeface="Cambria Math" panose="02040503050406030204" pitchFamily="18" charset="0"/>
-                            <a:ea typeface="Cambria Math" panose="02040503050406030204" pitchFamily="18" charset="0"/>
-                          </a:rPr>
-                          <m:t>𝜕</m:t>
-                        </m:r>
-                        <m:sSubSup>
-                          <m:sSubSupPr>
-                            <m:ctrlPr>
-                              <a:rPr lang="en-US" i="1" smtClean="0">
-                                <a:latin typeface="Cambria Math" panose="02040503050406030204" pitchFamily="18" charset="0"/>
-                                <a:ea typeface="Cambria Math" panose="02040503050406030204" pitchFamily="18" charset="0"/>
-                              </a:rPr>
-                            </m:ctrlPr>
-                          </m:sSubSupPr>
-                          <m:e>
-                            <m:r>
-                              <a:rPr lang="en-US" b="1" i="1" smtClean="0">
-                                <a:latin typeface="Cambria Math" panose="02040503050406030204" pitchFamily="18" charset="0"/>
-                                <a:ea typeface="Cambria Math" panose="02040503050406030204" pitchFamily="18" charset="0"/>
-                              </a:rPr>
-                              <m:t>𝜽</m:t>
-                            </m:r>
-                          </m:e>
-                          <m:sub>
-                            <m:r>
-                              <a:rPr lang="en-US" b="0" i="1" smtClean="0">
-                                <a:latin typeface="Cambria Math" panose="02040503050406030204" pitchFamily="18" charset="0"/>
-                                <a:ea typeface="Cambria Math" panose="02040503050406030204" pitchFamily="18" charset="0"/>
-                              </a:rPr>
-                              <m:t>𝑘</m:t>
-                            </m:r>
-                          </m:sub>
-                          <m:sup>
-                            <m:r>
-                              <a:rPr lang="en-US" b="0" i="1" smtClean="0">
-                                <a:latin typeface="Cambria Math" panose="02040503050406030204" pitchFamily="18" charset="0"/>
-                                <a:ea typeface="Cambria Math" panose="02040503050406030204" pitchFamily="18" charset="0"/>
-                              </a:rPr>
-                              <m:t>(</m:t>
-                            </m:r>
-                            <m:r>
-                              <a:rPr lang="en-US" b="0" i="1" smtClean="0">
-                                <a:latin typeface="Cambria Math" panose="02040503050406030204" pitchFamily="18" charset="0"/>
-                                <a:ea typeface="Cambria Math" panose="02040503050406030204" pitchFamily="18" charset="0"/>
-                              </a:rPr>
-                              <m:t>𝑙</m:t>
-                            </m:r>
-                            <m:r>
-                              <a:rPr lang="en-US" b="0" i="1" smtClean="0">
-                                <a:latin typeface="Cambria Math" panose="02040503050406030204" pitchFamily="18" charset="0"/>
-                                <a:ea typeface="Cambria Math" panose="02040503050406030204" pitchFamily="18" charset="0"/>
-                              </a:rPr>
-                              <m:t>)</m:t>
-                            </m:r>
-                          </m:sup>
-                        </m:sSubSup>
-                      </m:den>
-                    </m:f>
-                    <m:r>
-                      <a:rPr lang="en-US" b="0" i="1" smtClean="0">
-                        <a:latin typeface="Cambria Math" panose="02040503050406030204" pitchFamily="18" charset="0"/>
-                      </a:rPr>
-                      <m:t>=−</m:t>
-                    </m:r>
-                    <m:sSubSup>
-                      <m:sSubSupPr>
-                        <m:ctrlPr>
-                          <a:rPr lang="en-US" b="0" i="1" smtClean="0">
-                            <a:latin typeface="Cambria Math" panose="02040503050406030204" pitchFamily="18" charset="0"/>
-                          </a:rPr>
-                        </m:ctrlPr>
-                      </m:sSubSupPr>
-                      <m:e>
-                        <m:r>
-                          <a:rPr lang="en-US" b="1" i="1" smtClean="0">
-                            <a:latin typeface="Cambria Math" panose="02040503050406030204" pitchFamily="18" charset="0"/>
-                          </a:rPr>
-                          <m:t>𝑯</m:t>
-                        </m:r>
-                      </m:e>
-                      <m:sub>
-                        <m:r>
-                          <a:rPr lang="en-US" b="0" i="1" smtClean="0">
-                            <a:latin typeface="Cambria Math" panose="02040503050406030204" pitchFamily="18" charset="0"/>
-                          </a:rPr>
-                          <m:t>𝑘</m:t>
-                        </m:r>
-                      </m:sub>
-                      <m:sup>
-                        <m:d>
-                          <m:dPr>
-                            <m:ctrlPr>
-                              <a:rPr lang="en-US" b="0" i="1" smtClean="0">
-                                <a:latin typeface="Cambria Math" panose="02040503050406030204" pitchFamily="18" charset="0"/>
-                              </a:rPr>
-                            </m:ctrlPr>
-                          </m:dPr>
-                          <m:e>
-                            <m:r>
-                              <a:rPr lang="en-US" b="0" i="1" smtClean="0">
-                                <a:latin typeface="Cambria Math" panose="02040503050406030204" pitchFamily="18" charset="0"/>
-                              </a:rPr>
-                              <m:t>𝑙</m:t>
-                            </m:r>
-                            <m:r>
-                              <a:rPr lang="en-US" b="0" i="1" smtClean="0">
-                                <a:latin typeface="Cambria Math" panose="02040503050406030204" pitchFamily="18" charset="0"/>
-                              </a:rPr>
-                              <m:t>−1</m:t>
-                            </m:r>
-                          </m:e>
-                        </m:d>
-                      </m:sup>
-                    </m:sSubSup>
-                    <m:sSup>
-                      <m:sSupPr>
-                        <m:ctrlPr>
-                          <a:rPr lang="en-US" b="0" i="1" smtClean="0">
-                            <a:latin typeface="Cambria Math" panose="02040503050406030204" pitchFamily="18" charset="0"/>
-                          </a:rPr>
-                        </m:ctrlPr>
-                      </m:sSupPr>
-                      <m:e>
-                        <m:r>
-                          <a:rPr lang="en-US" b="1" i="1" smtClean="0">
-                            <a:latin typeface="Cambria Math" panose="02040503050406030204" pitchFamily="18" charset="0"/>
-                          </a:rPr>
-                          <m:t>𝑫</m:t>
-                        </m:r>
-                      </m:e>
-                      <m:sup>
-                        <m:d>
-                          <m:dPr>
-                            <m:ctrlPr>
-                              <a:rPr lang="en-US" b="0" i="1" smtClean="0">
-                                <a:latin typeface="Cambria Math" panose="02040503050406030204" pitchFamily="18" charset="0"/>
-                              </a:rPr>
-                            </m:ctrlPr>
-                          </m:dPr>
-                          <m:e>
-                            <m:r>
-                              <a:rPr lang="en-US" b="0" i="1" smtClean="0">
-                                <a:latin typeface="Cambria Math" panose="02040503050406030204" pitchFamily="18" charset="0"/>
-                              </a:rPr>
-                              <m:t>𝑙</m:t>
-                            </m:r>
-                          </m:e>
-                        </m:d>
-                      </m:sup>
-                    </m:sSup>
-                    <m:sSup>
-                      <m:sSupPr>
-                        <m:ctrlPr>
-                          <a:rPr lang="en-US" b="0" i="1" smtClean="0">
-                            <a:latin typeface="Cambria Math" panose="02040503050406030204" pitchFamily="18" charset="0"/>
-                          </a:rPr>
-                        </m:ctrlPr>
-                      </m:sSupPr>
-                      <m:e>
-                        <m:r>
-                          <a:rPr lang="en-US" b="1" i="1" smtClean="0">
-                            <a:latin typeface="Cambria Math" panose="02040503050406030204" pitchFamily="18" charset="0"/>
-                          </a:rPr>
-                          <m:t>𝑾</m:t>
-                        </m:r>
-                      </m:e>
-                      <m:sup>
-                        <m:r>
-                          <a:rPr lang="en-US" b="0" i="1" smtClean="0">
-                            <a:latin typeface="Cambria Math" panose="02040503050406030204" pitchFamily="18" charset="0"/>
-                          </a:rPr>
-                          <m:t>𝑇</m:t>
-                        </m:r>
-                        <m:d>
-                          <m:dPr>
-                            <m:ctrlPr>
-                              <a:rPr lang="en-US" b="0" i="1" smtClean="0">
-                                <a:latin typeface="Cambria Math" panose="02040503050406030204" pitchFamily="18" charset="0"/>
-                              </a:rPr>
-                            </m:ctrlPr>
-                          </m:dPr>
-                          <m:e>
-                            <m:r>
-                              <a:rPr lang="en-US" b="0" i="1" smtClean="0">
-                                <a:latin typeface="Cambria Math" panose="02040503050406030204" pitchFamily="18" charset="0"/>
-                              </a:rPr>
-                              <m:t>𝑙</m:t>
-                            </m:r>
-                            <m:r>
-                              <a:rPr lang="en-US" b="0" i="1" smtClean="0">
-                                <a:latin typeface="Cambria Math" panose="02040503050406030204" pitchFamily="18" charset="0"/>
-                              </a:rPr>
-                              <m:t>+1</m:t>
-                            </m:r>
-                          </m:e>
-                        </m:d>
-                      </m:sup>
-                    </m:sSup>
-                    <m:r>
-                      <a:rPr lang="en-US" b="0" i="1" smtClean="0">
-                        <a:latin typeface="Cambria Math" panose="02040503050406030204" pitchFamily="18" charset="0"/>
-                      </a:rPr>
-                      <m:t>…</m:t>
-                    </m:r>
-                    <m:sSup>
-                      <m:sSupPr>
-                        <m:ctrlPr>
-                          <a:rPr lang="en-US" b="0" i="1" smtClean="0">
-                            <a:latin typeface="Cambria Math" panose="02040503050406030204" pitchFamily="18" charset="0"/>
-                          </a:rPr>
-                        </m:ctrlPr>
-                      </m:sSupPr>
-                      <m:e>
-                        <m:r>
-                          <a:rPr lang="en-US" b="1" i="1" smtClean="0">
-                            <a:latin typeface="Cambria Math" panose="02040503050406030204" pitchFamily="18" charset="0"/>
-                          </a:rPr>
-                          <m:t>𝑫</m:t>
-                        </m:r>
-                      </m:e>
-                      <m:sup>
-                        <m:r>
-                          <a:rPr lang="en-US" b="0" i="1" smtClean="0">
-                            <a:latin typeface="Cambria Math" panose="02040503050406030204" pitchFamily="18" charset="0"/>
-                          </a:rPr>
-                          <m:t>(</m:t>
-                        </m:r>
-                        <m:r>
-                          <a:rPr lang="en-US" b="0" i="1" smtClean="0">
-                            <a:latin typeface="Cambria Math" panose="02040503050406030204" pitchFamily="18" charset="0"/>
-                          </a:rPr>
-                          <m:t>𝐿</m:t>
-                        </m:r>
-                        <m:r>
-                          <a:rPr lang="en-US" b="0" i="1" smtClean="0">
-                            <a:latin typeface="Cambria Math" panose="02040503050406030204" pitchFamily="18" charset="0"/>
-                          </a:rPr>
-                          <m:t>)</m:t>
-                        </m:r>
-                      </m:sup>
-                    </m:sSup>
-                    <m:sSup>
-                      <m:sSupPr>
-                        <m:ctrlPr>
-                          <a:rPr lang="en-US" b="0" i="1" smtClean="0">
-                            <a:latin typeface="Cambria Math" panose="02040503050406030204" pitchFamily="18" charset="0"/>
-                          </a:rPr>
-                        </m:ctrlPr>
-                      </m:sSupPr>
-                      <m:e>
-                        <m:r>
-                          <a:rPr lang="en-US" b="1" i="1" smtClean="0">
-                            <a:latin typeface="Cambria Math" panose="02040503050406030204" pitchFamily="18" charset="0"/>
-                          </a:rPr>
-                          <m:t>𝑾</m:t>
-                        </m:r>
-                      </m:e>
-                      <m:sup>
-                        <m:r>
-                          <a:rPr lang="en-US" b="0" i="1" smtClean="0">
-                            <a:latin typeface="Cambria Math" panose="02040503050406030204" pitchFamily="18" charset="0"/>
-                          </a:rPr>
-                          <m:t>𝑇</m:t>
-                        </m:r>
-                        <m:r>
-                          <a:rPr lang="en-US" b="0" i="1" smtClean="0">
-                            <a:latin typeface="Cambria Math" panose="02040503050406030204" pitchFamily="18" charset="0"/>
-                          </a:rPr>
-                          <m:t>(</m:t>
-                        </m:r>
-                        <m:r>
-                          <a:rPr lang="en-US" b="0" i="1" smtClean="0">
-                            <a:latin typeface="Cambria Math" panose="02040503050406030204" pitchFamily="18" charset="0"/>
-                          </a:rPr>
-                          <m:t>𝐿</m:t>
-                        </m:r>
-                        <m:r>
-                          <a:rPr lang="en-US" b="0" i="1" smtClean="0">
-                            <a:latin typeface="Cambria Math" panose="02040503050406030204" pitchFamily="18" charset="0"/>
-                          </a:rPr>
-                          <m:t>+1)</m:t>
-                        </m:r>
-                      </m:sup>
-                    </m:sSup>
-                    <m:sSup>
-                      <m:sSupPr>
-                        <m:ctrlPr>
-                          <a:rPr lang="en-US" b="0" i="1" smtClean="0">
-                            <a:latin typeface="Cambria Math" panose="02040503050406030204" pitchFamily="18" charset="0"/>
-                          </a:rPr>
-                        </m:ctrlPr>
-                      </m:sSupPr>
-                      <m:e>
-                        <m:r>
-                          <a:rPr lang="en-US" b="0" i="1" smtClean="0">
-                            <a:latin typeface="Cambria Math" panose="02040503050406030204" pitchFamily="18" charset="0"/>
-                            <a:ea typeface="Cambria Math" panose="02040503050406030204" pitchFamily="18" charset="0"/>
-                          </a:rPr>
-                          <m:t>∆</m:t>
-                        </m:r>
-                      </m:e>
-                      <m:sup>
-                        <m:r>
-                          <a:rPr lang="en-US" b="0" i="1" smtClean="0">
-                            <a:latin typeface="Cambria Math" panose="02040503050406030204" pitchFamily="18" charset="0"/>
-                          </a:rPr>
-                          <m:t>(</m:t>
-                        </m:r>
-                        <m:r>
-                          <a:rPr lang="en-US" b="0" i="1" smtClean="0">
-                            <a:latin typeface="Cambria Math" panose="02040503050406030204" pitchFamily="18" charset="0"/>
-                          </a:rPr>
-                          <m:t>𝐿</m:t>
-                        </m:r>
-                        <m:r>
-                          <a:rPr lang="en-US" b="0" i="1" smtClean="0">
-                            <a:latin typeface="Cambria Math" panose="02040503050406030204" pitchFamily="18" charset="0"/>
-                          </a:rPr>
-                          <m:t>+1)</m:t>
-                        </m:r>
-                      </m:sup>
-                    </m:sSup>
-                  </m:oMath>
+                  <m:oMathPara xmlns:m="http://schemas.openxmlformats.org/officeDocument/2006/math">
+                    <m:oMathParaPr>
+                      <m:jc m:val="centerGroup"/>
+                    </m:oMathParaPr>
+                    <m:oMath xmlns:m="http://schemas.openxmlformats.org/officeDocument/2006/math">
+                      <m:f>
+                        <m:fPr>
+                          <m:ctrlPr>
+                            <a:rPr lang="en-US" i="1" smtClean="0">
+                              <a:latin typeface="Cambria Math" panose="02040503050406030204" pitchFamily="18" charset="0"/>
+                            </a:rPr>
+                          </m:ctrlPr>
+                        </m:fPr>
+                        <m:num>
+                          <m:r>
+                            <a:rPr lang="en-US" i="1" smtClean="0">
+                              <a:latin typeface="Cambria Math" panose="02040503050406030204" pitchFamily="18" charset="0"/>
+                              <a:ea typeface="Cambria Math" panose="02040503050406030204" pitchFamily="18" charset="0"/>
+                            </a:rPr>
+                            <m:t>𝜕</m:t>
+                          </m:r>
+                          <m:r>
+                            <a:rPr lang="en-US" b="0" i="1" smtClean="0">
+                              <a:latin typeface="Cambria Math" panose="02040503050406030204" pitchFamily="18" charset="0"/>
+                              <a:ea typeface="Cambria Math" panose="02040503050406030204" pitchFamily="18" charset="0"/>
+                            </a:rPr>
+                            <m:t>𝐿</m:t>
+                          </m:r>
+                        </m:num>
+                        <m:den>
+                          <m:r>
+                            <a:rPr lang="en-US" i="1" smtClean="0">
+                              <a:latin typeface="Cambria Math" panose="02040503050406030204" pitchFamily="18" charset="0"/>
+                              <a:ea typeface="Cambria Math" panose="02040503050406030204" pitchFamily="18" charset="0"/>
+                            </a:rPr>
+                            <m:t>𝜕</m:t>
+                          </m:r>
+                          <m:sSubSup>
+                            <m:sSubSupPr>
+                              <m:ctrlPr>
+                                <a:rPr lang="en-US" i="1" smtClean="0">
+                                  <a:latin typeface="Cambria Math" panose="02040503050406030204" pitchFamily="18" charset="0"/>
+                                  <a:ea typeface="Cambria Math" panose="02040503050406030204" pitchFamily="18" charset="0"/>
+                                </a:rPr>
+                              </m:ctrlPr>
+                            </m:sSubSupPr>
+                            <m:e>
+                              <m:r>
+                                <a:rPr lang="en-US" b="1" i="1" smtClean="0">
+                                  <a:latin typeface="Cambria Math" panose="02040503050406030204" pitchFamily="18" charset="0"/>
+                                  <a:ea typeface="Cambria Math" panose="02040503050406030204" pitchFamily="18" charset="0"/>
+                                </a:rPr>
+                                <m:t>𝜽</m:t>
+                              </m:r>
+                            </m:e>
+                            <m:sub>
+                              <m:r>
+                                <a:rPr lang="en-US" b="0" i="1" smtClean="0">
+                                  <a:latin typeface="Cambria Math" panose="02040503050406030204" pitchFamily="18" charset="0"/>
+                                  <a:ea typeface="Cambria Math" panose="02040503050406030204" pitchFamily="18" charset="0"/>
+                                </a:rPr>
+                                <m:t>𝑘</m:t>
+                              </m:r>
+                            </m:sub>
+                            <m:sup>
+                              <m:r>
+                                <a:rPr lang="en-US" b="0" i="1" smtClean="0">
+                                  <a:latin typeface="Cambria Math" panose="02040503050406030204" pitchFamily="18" charset="0"/>
+                                  <a:ea typeface="Cambria Math" panose="02040503050406030204" pitchFamily="18" charset="0"/>
+                                </a:rPr>
+                                <m:t>(</m:t>
+                              </m:r>
+                              <m:r>
+                                <a:rPr lang="en-US" b="0" i="1" smtClean="0">
+                                  <a:latin typeface="Cambria Math" panose="02040503050406030204" pitchFamily="18" charset="0"/>
+                                  <a:ea typeface="Cambria Math" panose="02040503050406030204" pitchFamily="18" charset="0"/>
+                                </a:rPr>
+                                <m:t>𝑙</m:t>
+                              </m:r>
+                              <m:r>
+                                <a:rPr lang="en-US" b="0" i="1" smtClean="0">
+                                  <a:latin typeface="Cambria Math" panose="02040503050406030204" pitchFamily="18" charset="0"/>
+                                  <a:ea typeface="Cambria Math" panose="02040503050406030204" pitchFamily="18" charset="0"/>
+                                </a:rPr>
+                                <m:t>)</m:t>
+                              </m:r>
+                            </m:sup>
+                          </m:sSubSup>
+                        </m:den>
+                      </m:f>
+                      <m:r>
+                        <a:rPr lang="en-US" b="0" i="1" smtClean="0">
+                          <a:latin typeface="Cambria Math" panose="02040503050406030204" pitchFamily="18" charset="0"/>
+                        </a:rPr>
+                        <m:t>=−</m:t>
+                      </m:r>
+                      <m:sSubSup>
+                        <m:sSubSupPr>
+                          <m:ctrlPr>
+                            <a:rPr lang="en-US" b="0" i="1" smtClean="0">
+                              <a:latin typeface="Cambria Math" panose="02040503050406030204" pitchFamily="18" charset="0"/>
+                            </a:rPr>
+                          </m:ctrlPr>
+                        </m:sSubSupPr>
+                        <m:e>
+                          <m:r>
+                            <a:rPr lang="en-US" b="1" i="1" smtClean="0">
+                              <a:latin typeface="Cambria Math" panose="02040503050406030204" pitchFamily="18" charset="0"/>
+                            </a:rPr>
+                            <m:t>𝑯</m:t>
+                          </m:r>
+                        </m:e>
+                        <m:sub>
+                          <m:r>
+                            <a:rPr lang="en-US" b="0" i="1" smtClean="0">
+                              <a:latin typeface="Cambria Math" panose="02040503050406030204" pitchFamily="18" charset="0"/>
+                            </a:rPr>
+                            <m:t>𝑘</m:t>
+                          </m:r>
+                        </m:sub>
+                        <m:sup>
+                          <m:d>
+                            <m:dPr>
+                              <m:ctrlPr>
+                                <a:rPr lang="en-US" b="0" i="1" smtClean="0">
+                                  <a:latin typeface="Cambria Math" panose="02040503050406030204" pitchFamily="18" charset="0"/>
+                                </a:rPr>
+                              </m:ctrlPr>
+                            </m:dPr>
+                            <m:e>
+                              <m:r>
+                                <a:rPr lang="en-US" b="0" i="1" smtClean="0">
+                                  <a:latin typeface="Cambria Math" panose="02040503050406030204" pitchFamily="18" charset="0"/>
+                                </a:rPr>
+                                <m:t>𝑙</m:t>
+                              </m:r>
+                              <m:r>
+                                <a:rPr lang="en-US" b="0" i="1" smtClean="0">
+                                  <a:latin typeface="Cambria Math" panose="02040503050406030204" pitchFamily="18" charset="0"/>
+                                </a:rPr>
+                                <m:t>−1</m:t>
+                              </m:r>
+                            </m:e>
+                          </m:d>
+                        </m:sup>
+                      </m:sSubSup>
+                      <m:sSup>
+                        <m:sSupPr>
+                          <m:ctrlPr>
+                            <a:rPr lang="en-US" b="0" i="1" smtClean="0">
+                              <a:latin typeface="Cambria Math" panose="02040503050406030204" pitchFamily="18" charset="0"/>
+                            </a:rPr>
+                          </m:ctrlPr>
+                        </m:sSupPr>
+                        <m:e>
+                          <m:r>
+                            <a:rPr lang="en-US" b="1" i="1" smtClean="0">
+                              <a:latin typeface="Cambria Math" panose="02040503050406030204" pitchFamily="18" charset="0"/>
+                            </a:rPr>
+                            <m:t>𝑫</m:t>
+                          </m:r>
+                        </m:e>
+                        <m:sup>
+                          <m:d>
+                            <m:dPr>
+                              <m:ctrlPr>
+                                <a:rPr lang="en-US" b="0" i="1" smtClean="0">
+                                  <a:latin typeface="Cambria Math" panose="02040503050406030204" pitchFamily="18" charset="0"/>
+                                </a:rPr>
+                              </m:ctrlPr>
+                            </m:dPr>
+                            <m:e>
+                              <m:r>
+                                <a:rPr lang="en-US" b="0" i="1" smtClean="0">
+                                  <a:latin typeface="Cambria Math" panose="02040503050406030204" pitchFamily="18" charset="0"/>
+                                </a:rPr>
+                                <m:t>𝑙</m:t>
+                              </m:r>
+                            </m:e>
+                          </m:d>
+                        </m:sup>
+                      </m:sSup>
+                      <m:sSup>
+                        <m:sSupPr>
+                          <m:ctrlPr>
+                            <a:rPr lang="en-US" b="0" i="1" smtClean="0">
+                              <a:latin typeface="Cambria Math" panose="02040503050406030204" pitchFamily="18" charset="0"/>
+                            </a:rPr>
+                          </m:ctrlPr>
+                        </m:sSupPr>
+                        <m:e>
+                          <m:r>
+                            <a:rPr lang="en-US" b="1" i="1" smtClean="0">
+                              <a:latin typeface="Cambria Math" panose="02040503050406030204" pitchFamily="18" charset="0"/>
+                            </a:rPr>
+                            <m:t>𝑾</m:t>
+                          </m:r>
+                        </m:e>
+                        <m:sup>
+                          <m:r>
+                            <a:rPr lang="en-US" b="0" i="1" smtClean="0">
+                              <a:latin typeface="Cambria Math" panose="02040503050406030204" pitchFamily="18" charset="0"/>
+                            </a:rPr>
+                            <m:t>𝑇</m:t>
+                          </m:r>
+                          <m:d>
+                            <m:dPr>
+                              <m:ctrlPr>
+                                <a:rPr lang="en-US" b="0" i="1" smtClean="0">
+                                  <a:latin typeface="Cambria Math" panose="02040503050406030204" pitchFamily="18" charset="0"/>
+                                </a:rPr>
+                              </m:ctrlPr>
+                            </m:dPr>
+                            <m:e>
+                              <m:r>
+                                <a:rPr lang="en-US" b="0" i="1" smtClean="0">
+                                  <a:latin typeface="Cambria Math" panose="02040503050406030204" pitchFamily="18" charset="0"/>
+                                </a:rPr>
+                                <m:t>𝑙</m:t>
+                              </m:r>
+                              <m:r>
+                                <a:rPr lang="en-US" b="0" i="1" smtClean="0">
+                                  <a:latin typeface="Cambria Math" panose="02040503050406030204" pitchFamily="18" charset="0"/>
+                                </a:rPr>
+                                <m:t>+1</m:t>
+                              </m:r>
+                            </m:e>
+                          </m:d>
+                        </m:sup>
+                      </m:sSup>
+                      <m:r>
+                        <a:rPr lang="en-US" b="0" i="1" smtClean="0">
+                          <a:latin typeface="Cambria Math" panose="02040503050406030204" pitchFamily="18" charset="0"/>
+                        </a:rPr>
+                        <m:t>…</m:t>
+                      </m:r>
+                      <m:sSup>
+                        <m:sSupPr>
+                          <m:ctrlPr>
+                            <a:rPr lang="en-US" b="0" i="1" smtClean="0">
+                              <a:latin typeface="Cambria Math" panose="02040503050406030204" pitchFamily="18" charset="0"/>
+                            </a:rPr>
+                          </m:ctrlPr>
+                        </m:sSupPr>
+                        <m:e>
+                          <m:r>
+                            <a:rPr lang="en-US" b="1" i="1" smtClean="0">
+                              <a:latin typeface="Cambria Math" panose="02040503050406030204" pitchFamily="18" charset="0"/>
+                            </a:rPr>
+                            <m:t>𝑫</m:t>
+                          </m:r>
+                        </m:e>
+                        <m:sup>
+                          <m:r>
+                            <a:rPr lang="en-US" b="0" i="1" smtClean="0">
+                              <a:latin typeface="Cambria Math" panose="02040503050406030204" pitchFamily="18" charset="0"/>
+                            </a:rPr>
+                            <m:t>(</m:t>
+                          </m:r>
+                          <m:r>
+                            <a:rPr lang="en-US" b="0" i="1" smtClean="0">
+                              <a:latin typeface="Cambria Math" panose="02040503050406030204" pitchFamily="18" charset="0"/>
+                            </a:rPr>
+                            <m:t>𝐿</m:t>
+                          </m:r>
+                          <m:r>
+                            <a:rPr lang="en-US" b="0" i="1" smtClean="0">
+                              <a:latin typeface="Cambria Math" panose="02040503050406030204" pitchFamily="18" charset="0"/>
+                            </a:rPr>
+                            <m:t>)</m:t>
+                          </m:r>
+                        </m:sup>
+                      </m:sSup>
+                      <m:sSup>
+                        <m:sSupPr>
+                          <m:ctrlPr>
+                            <a:rPr lang="en-US" b="0" i="1" smtClean="0">
+                              <a:latin typeface="Cambria Math" panose="02040503050406030204" pitchFamily="18" charset="0"/>
+                            </a:rPr>
+                          </m:ctrlPr>
+                        </m:sSupPr>
+                        <m:e>
+                          <m:r>
+                            <a:rPr lang="en-US" b="1" i="1" smtClean="0">
+                              <a:latin typeface="Cambria Math" panose="02040503050406030204" pitchFamily="18" charset="0"/>
+                            </a:rPr>
+                            <m:t>𝑾</m:t>
+                          </m:r>
+                        </m:e>
+                        <m:sup>
+                          <m:r>
+                            <a:rPr lang="en-US" b="0" i="1" smtClean="0">
+                              <a:latin typeface="Cambria Math" panose="02040503050406030204" pitchFamily="18" charset="0"/>
+                            </a:rPr>
+                            <m:t>𝑇</m:t>
+                          </m:r>
+                          <m:r>
+                            <a:rPr lang="en-US" b="0" i="1" smtClean="0">
+                              <a:latin typeface="Cambria Math" panose="02040503050406030204" pitchFamily="18" charset="0"/>
+                            </a:rPr>
+                            <m:t>(</m:t>
+                          </m:r>
+                          <m:r>
+                            <a:rPr lang="en-US" b="0" i="1" smtClean="0">
+                              <a:latin typeface="Cambria Math" panose="02040503050406030204" pitchFamily="18" charset="0"/>
+                            </a:rPr>
+                            <m:t>𝐿</m:t>
+                          </m:r>
+                          <m:r>
+                            <a:rPr lang="en-US" b="0" i="1" smtClean="0">
+                              <a:latin typeface="Cambria Math" panose="02040503050406030204" pitchFamily="18" charset="0"/>
+                            </a:rPr>
+                            <m:t>+1)</m:t>
+                          </m:r>
+                        </m:sup>
+                      </m:sSup>
+                      <m:sSup>
+                        <m:sSupPr>
+                          <m:ctrlPr>
+                            <a:rPr lang="en-US" b="0" i="1" smtClean="0">
+                              <a:latin typeface="Cambria Math" panose="02040503050406030204" pitchFamily="18" charset="0"/>
+                            </a:rPr>
+                          </m:ctrlPr>
+                        </m:sSupPr>
+                        <m:e>
+                          <m:r>
+                            <a:rPr lang="en-US" b="0" i="1" smtClean="0">
+                              <a:latin typeface="Cambria Math" panose="02040503050406030204" pitchFamily="18" charset="0"/>
+                              <a:ea typeface="Cambria Math" panose="02040503050406030204" pitchFamily="18" charset="0"/>
+                            </a:rPr>
+                            <m:t>∆</m:t>
+                          </m:r>
+                        </m:e>
+                        <m:sup>
+                          <m:r>
+                            <a:rPr lang="en-US" b="0" i="1" smtClean="0">
+                              <a:latin typeface="Cambria Math" panose="02040503050406030204" pitchFamily="18" charset="0"/>
+                            </a:rPr>
+                            <m:t>(</m:t>
+                          </m:r>
+                          <m:r>
+                            <a:rPr lang="en-US" b="0" i="1" smtClean="0">
+                              <a:latin typeface="Cambria Math" panose="02040503050406030204" pitchFamily="18" charset="0"/>
+                            </a:rPr>
+                            <m:t>𝐿</m:t>
+                          </m:r>
+                          <m:r>
+                            <a:rPr lang="en-US" b="0" i="1" smtClean="0">
+                              <a:latin typeface="Cambria Math" panose="02040503050406030204" pitchFamily="18" charset="0"/>
+                            </a:rPr>
+                            <m:t>+1)</m:t>
+                          </m:r>
+                        </m:sup>
+                      </m:sSup>
+                    </m:oMath>
+                  </m:oMathPara>
                 </a14:m>
                 <a:endParaRPr lang="en-US" dirty="0"/>
               </a:p>
@@ -16453,7 +21852,7 @@
               <a:blipFill>
                 <a:blip r:embed="rId2"/>
                 <a:stretch>
-                  <a:fillRect l="-900" t="-1736"/>
+                  <a:fillRect l="-900" t="-1634"/>
                 </a:stretch>
               </a:blipFill>
             </p:spPr>
@@ -16482,6 +21881,235 @@
   <p:clrMapOvr>
     <a:masterClrMapping/>
   </p:clrMapOvr>
+  <p:timing>
+    <p:tnLst>
+      <p:par>
+        <p:cTn id="1" dur="indefinite" restart="never" nodeType="tmRoot">
+          <p:childTnLst>
+            <p:seq concurrent="1" nextAc="seek">
+              <p:cTn id="2" dur="indefinite" nodeType="mainSeq">
+                <p:childTnLst>
+                  <p:par>
+                    <p:cTn id="3" fill="hold">
+                      <p:stCondLst>
+                        <p:cond delay="indefinite"/>
+                      </p:stCondLst>
+                      <p:childTnLst>
+                        <p:par>
+                          <p:cTn id="4" fill="hold">
+                            <p:stCondLst>
+                              <p:cond delay="0"/>
+                            </p:stCondLst>
+                            <p:childTnLst>
+                              <p:par>
+                                <p:cTn id="5" presetID="1" presetClass="entr" presetSubtype="0" fill="hold" grpId="0" nodeType="clickEffect">
+                                  <p:stCondLst>
+                                    <p:cond delay="0"/>
+                                  </p:stCondLst>
+                                  <p:childTnLst>
+                                    <p:set>
+                                      <p:cBhvr>
+                                        <p:cTn id="6" dur="1" fill="hold">
+                                          <p:stCondLst>
+                                            <p:cond delay="0"/>
+                                          </p:stCondLst>
+                                        </p:cTn>
+                                        <p:tgtEl>
+                                          <p:spTgt spid="3">
+                                            <p:txEl>
+                                              <p:pRg st="0" end="0"/>
+                                            </p:txEl>
+                                          </p:spTgt>
+                                        </p:tgtEl>
+                                        <p:attrNameLst>
+                                          <p:attrName>style.visibility</p:attrName>
+                                        </p:attrNameLst>
+                                      </p:cBhvr>
+                                      <p:to>
+                                        <p:strVal val="visible"/>
+                                      </p:to>
+                                    </p:set>
+                                  </p:childTnLst>
+                                </p:cTn>
+                              </p:par>
+                            </p:childTnLst>
+                          </p:cTn>
+                        </p:par>
+                      </p:childTnLst>
+                    </p:cTn>
+                  </p:par>
+                  <p:par>
+                    <p:cTn id="7" fill="hold">
+                      <p:stCondLst>
+                        <p:cond delay="indefinite"/>
+                      </p:stCondLst>
+                      <p:childTnLst>
+                        <p:par>
+                          <p:cTn id="8" fill="hold">
+                            <p:stCondLst>
+                              <p:cond delay="0"/>
+                            </p:stCondLst>
+                            <p:childTnLst>
+                              <p:par>
+                                <p:cTn id="9" presetID="1" presetClass="entr" presetSubtype="0" fill="hold" grpId="0" nodeType="clickEffect">
+                                  <p:stCondLst>
+                                    <p:cond delay="0"/>
+                                  </p:stCondLst>
+                                  <p:childTnLst>
+                                    <p:set>
+                                      <p:cBhvr>
+                                        <p:cTn id="10" dur="1" fill="hold">
+                                          <p:stCondLst>
+                                            <p:cond delay="0"/>
+                                          </p:stCondLst>
+                                        </p:cTn>
+                                        <p:tgtEl>
+                                          <p:spTgt spid="3">
+                                            <p:txEl>
+                                              <p:pRg st="1" end="1"/>
+                                            </p:txEl>
+                                          </p:spTgt>
+                                        </p:tgtEl>
+                                        <p:attrNameLst>
+                                          <p:attrName>style.visibility</p:attrName>
+                                        </p:attrNameLst>
+                                      </p:cBhvr>
+                                      <p:to>
+                                        <p:strVal val="visible"/>
+                                      </p:to>
+                                    </p:set>
+                                  </p:childTnLst>
+                                </p:cTn>
+                              </p:par>
+                            </p:childTnLst>
+                          </p:cTn>
+                        </p:par>
+                      </p:childTnLst>
+                    </p:cTn>
+                  </p:par>
+                  <p:par>
+                    <p:cTn id="11" fill="hold">
+                      <p:stCondLst>
+                        <p:cond delay="indefinite"/>
+                      </p:stCondLst>
+                      <p:childTnLst>
+                        <p:par>
+                          <p:cTn id="12" fill="hold">
+                            <p:stCondLst>
+                              <p:cond delay="0"/>
+                            </p:stCondLst>
+                            <p:childTnLst>
+                              <p:par>
+                                <p:cTn id="13" presetID="1" presetClass="entr" presetSubtype="0" fill="hold" grpId="0" nodeType="clickEffect">
+                                  <p:stCondLst>
+                                    <p:cond delay="0"/>
+                                  </p:stCondLst>
+                                  <p:childTnLst>
+                                    <p:set>
+                                      <p:cBhvr>
+                                        <p:cTn id="14" dur="1" fill="hold">
+                                          <p:stCondLst>
+                                            <p:cond delay="0"/>
+                                          </p:stCondLst>
+                                        </p:cTn>
+                                        <p:tgtEl>
+                                          <p:spTgt spid="3">
+                                            <p:txEl>
+                                              <p:pRg st="2" end="2"/>
+                                            </p:txEl>
+                                          </p:spTgt>
+                                        </p:tgtEl>
+                                        <p:attrNameLst>
+                                          <p:attrName>style.visibility</p:attrName>
+                                        </p:attrNameLst>
+                                      </p:cBhvr>
+                                      <p:to>
+                                        <p:strVal val="visible"/>
+                                      </p:to>
+                                    </p:set>
+                                  </p:childTnLst>
+                                </p:cTn>
+                              </p:par>
+                            </p:childTnLst>
+                          </p:cTn>
+                        </p:par>
+                      </p:childTnLst>
+                    </p:cTn>
+                  </p:par>
+                  <p:par>
+                    <p:cTn id="15" fill="hold">
+                      <p:stCondLst>
+                        <p:cond delay="indefinite"/>
+                      </p:stCondLst>
+                      <p:childTnLst>
+                        <p:par>
+                          <p:cTn id="16" fill="hold">
+                            <p:stCondLst>
+                              <p:cond delay="0"/>
+                            </p:stCondLst>
+                            <p:childTnLst>
+                              <p:par>
+                                <p:cTn id="17" presetID="1" presetClass="entr" presetSubtype="0" fill="hold" grpId="0" nodeType="clickEffect">
+                                  <p:stCondLst>
+                                    <p:cond delay="0"/>
+                                  </p:stCondLst>
+                                  <p:childTnLst>
+                                    <p:set>
+                                      <p:cBhvr>
+                                        <p:cTn id="18" dur="1" fill="hold">
+                                          <p:stCondLst>
+                                            <p:cond delay="0"/>
+                                          </p:stCondLst>
+                                        </p:cTn>
+                                        <p:tgtEl>
+                                          <p:spTgt spid="3">
+                                            <p:txEl>
+                                              <p:pRg st="3" end="3"/>
+                                            </p:txEl>
+                                          </p:spTgt>
+                                        </p:tgtEl>
+                                        <p:attrNameLst>
+                                          <p:attrName>style.visibility</p:attrName>
+                                        </p:attrNameLst>
+                                      </p:cBhvr>
+                                      <p:to>
+                                        <p:strVal val="visible"/>
+                                      </p:to>
+                                    </p:set>
+                                  </p:childTnLst>
+                                </p:cTn>
+                              </p:par>
+                            </p:childTnLst>
+                          </p:cTn>
+                        </p:par>
+                      </p:childTnLst>
+                    </p:cTn>
+                  </p:par>
+                </p:childTnLst>
+              </p:cTn>
+              <p:prevCondLst>
+                <p:cond evt="onPrev" delay="0">
+                  <p:tgtEl>
+                    <p:sldTgt/>
+                  </p:tgtEl>
+                </p:cond>
+              </p:prevCondLst>
+              <p:nextCondLst>
+                <p:cond evt="onNext" delay="0">
+                  <p:tgtEl>
+                    <p:sldTgt/>
+                  </p:tgtEl>
+                </p:cond>
+              </p:nextCondLst>
+            </p:seq>
+          </p:childTnLst>
+        </p:cTn>
+      </p:par>
+    </p:tnLst>
+    <p:bldLst>
+      <p:bldP spid="3" grpId="0" build="p"/>
+    </p:bldLst>
+  </p:timing>
 </p:sld>
 </file>
 

--- a/Lecture_21.pptx
+++ b/Lecture_21.pptx
@@ -3470,8 +3470,8 @@
           </a:p>
         </p:txBody>
       </p:sp>
-      <mc:AlternateContent xmlns:mc="http://schemas.openxmlformats.org/markup-compatibility/2006">
-        <mc:Choice xmlns:a14="http://schemas.microsoft.com/office/drawing/2010/main" Requires="a14">
+      <mc:AlternateContent xmlns:mc="http://schemas.openxmlformats.org/markup-compatibility/2006" xmlns:a14="http://schemas.microsoft.com/office/drawing/2010/main">
+        <mc:Choice Requires="a14">
           <p:sp>
             <p:nvSpPr>
               <p:cNvPr id="3" name="Content Placeholder 2">
@@ -4714,7 +4714,7 @@
             </p:txBody>
           </p:sp>
         </mc:Choice>
-        <mc:Fallback>
+        <mc:Fallback xmlns="">
           <p:sp>
             <p:nvSpPr>
               <p:cNvPr id="3" name="Content Placeholder 2">
@@ -5903,8 +5903,8 @@
           </a:p>
         </p:txBody>
       </p:sp>
-      <mc:AlternateContent xmlns:mc="http://schemas.openxmlformats.org/markup-compatibility/2006">
-        <mc:Choice xmlns:a14="http://schemas.microsoft.com/office/drawing/2010/main" Requires="a14">
+      <mc:AlternateContent xmlns:mc="http://schemas.openxmlformats.org/markup-compatibility/2006" xmlns:a14="http://schemas.microsoft.com/office/drawing/2010/main">
+        <mc:Choice Requires="a14">
           <p:sp>
             <p:nvSpPr>
               <p:cNvPr id="3" name="Content Placeholder 2">
@@ -6200,7 +6200,7 @@
             </p:txBody>
           </p:sp>
         </mc:Choice>
-        <mc:Fallback>
+        <mc:Fallback xmlns="">
           <p:sp>
             <p:nvSpPr>
               <p:cNvPr id="3" name="Content Placeholder 2">
@@ -6536,8 +6536,8 @@
           </a:p>
         </p:txBody>
       </p:sp>
-      <mc:AlternateContent xmlns:mc="http://schemas.openxmlformats.org/markup-compatibility/2006">
-        <mc:Choice xmlns:a14="http://schemas.microsoft.com/office/drawing/2010/main" Requires="a14">
+      <mc:AlternateContent xmlns:mc="http://schemas.openxmlformats.org/markup-compatibility/2006" xmlns:a14="http://schemas.microsoft.com/office/drawing/2010/main">
+        <mc:Choice Requires="a14">
           <p:sp>
             <p:nvSpPr>
               <p:cNvPr id="3" name="Content Placeholder 2">
@@ -6899,7 +6899,7 @@
             </p:txBody>
           </p:sp>
         </mc:Choice>
-        <mc:Fallback>
+        <mc:Fallback xmlns="">
           <p:sp>
             <p:nvSpPr>
               <p:cNvPr id="3" name="Content Placeholder 2">
@@ -8699,16 +8699,47 @@
           <a:p>
             <a:r>
               <a:rPr lang="en-US" dirty="0"/>
-              <a:t>Backpropagation in matrix-vector form enables GPU-accelerated learning </a:t>
+              <a:t>Backpropagation in matrix-vector form enables GPU-accelerated learning</a:t>
             </a:r>
           </a:p>
           <a:p>
             <a:r>
               <a:rPr lang="en-US" dirty="0"/>
-              <a:t>Convolutional neural networks</a:t>
+              <a:t>Overview of different gradient descent algorithms:</a:t>
+            </a:r>
+            <a:br>
+              <a:rPr lang="en-US" dirty="0"/>
+            </a:br>
+            <a:r>
+              <a:rPr lang="en-US" dirty="0"/>
+              <a:t>	</a:t>
+            </a:r>
+            <a:r>
+              <a:rPr lang="en-US" dirty="0">
+                <a:hlinkClick r:id="rId2"/>
+              </a:rPr>
+              <a:t>https://ruder.io/optimizing-gradient-descent/</a:t>
+            </a:r>
+            <a:r>
+              <a:rPr lang="en-US" dirty="0"/>
+              <a:t> </a:t>
             </a:r>
           </a:p>
           <a:p>
+            <a:r>
+              <a:rPr lang="en-US" dirty="0"/>
+              <a:t>Convolutional neural networks (CNNs)</a:t>
+            </a:r>
+          </a:p>
+          <a:p>
+            <a:r>
+              <a:rPr lang="en-US" dirty="0"/>
+              <a:t>Next lecture: more about CNNs and an example in </a:t>
+            </a:r>
+            <a:r>
+              <a:rPr lang="en-US" dirty="0" err="1"/>
+              <a:t>keras</a:t>
+            </a:r>
             <a:endParaRPr lang="en-US" dirty="0"/>
           </a:p>
         </p:txBody>
@@ -8776,8 +8807,8 @@
           </a:p>
         </p:txBody>
       </p:sp>
-      <mc:AlternateContent xmlns:mc="http://schemas.openxmlformats.org/markup-compatibility/2006">
-        <mc:Choice xmlns:a14="http://schemas.microsoft.com/office/drawing/2010/main" Requires="a14">
+      <mc:AlternateContent xmlns:mc="http://schemas.openxmlformats.org/markup-compatibility/2006" xmlns:a14="http://schemas.microsoft.com/office/drawing/2010/main">
+        <mc:Choice Requires="a14">
           <p:sp>
             <p:nvSpPr>
               <p:cNvPr id="3" name="Content Placeholder 2">
@@ -8808,7 +8839,7 @@
               <a:p>
                 <a:r>
                   <a:rPr lang="en-US" dirty="0"/>
-                  <a:t>GPU advantages over CPU:</a:t>
+                  <a:t>GPU advantages over CPU for deep learning:</a:t>
                 </a:r>
               </a:p>
               <a:p>
@@ -9130,7 +9161,7 @@
             </p:txBody>
           </p:sp>
         </mc:Choice>
-        <mc:Fallback>
+        <mc:Fallback xmlns="">
           <p:sp>
             <p:nvSpPr>
               <p:cNvPr id="3" name="Content Placeholder 2">
@@ -10257,7 +10288,7 @@
                             <a:latin typeface="Cambria Math" panose="02040503050406030204" pitchFamily="18" charset="0"/>
                             <a:ea typeface="Cambria Math" panose="02040503050406030204" pitchFamily="18" charset="0"/>
                           </a:rPr>
-                          <m:t>1</m:t>
+                          <m:t>𝑘</m:t>
                         </m:r>
                       </m:sub>
                     </m:sSub>
@@ -10309,7 +10340,7 @@
                                 <a:latin typeface="Cambria Math" panose="02040503050406030204" pitchFamily="18" charset="0"/>
                                 <a:ea typeface="Cambria Math" panose="02040503050406030204" pitchFamily="18" charset="0"/>
                               </a:rPr>
-                              <m:t>1</m:t>
+                              <m:t>𝑘</m:t>
                             </m:r>
                           </m:sub>
                         </m:sSub>
@@ -11254,8 +11285,8 @@
           </a:p>
         </p:txBody>
       </p:sp>
-      <mc:AlternateContent xmlns:mc="http://schemas.openxmlformats.org/markup-compatibility/2006">
-        <mc:Choice xmlns:a14="http://schemas.microsoft.com/office/drawing/2010/main" Requires="a14">
+      <mc:AlternateContent xmlns:mc="http://schemas.openxmlformats.org/markup-compatibility/2006" xmlns:a14="http://schemas.microsoft.com/office/drawing/2010/main">
+        <mc:Choice Requires="a14">
           <p:sp>
             <p:nvSpPr>
               <p:cNvPr id="3" name="Content Placeholder 2">
@@ -12122,11 +12153,11 @@
                           <m:t>𝜕</m:t>
                         </m:r>
                         <m:r>
-                          <a:rPr lang="en-US" b="1" i="1" smtClean="0">
+                          <a:rPr lang="en-US" b="0" i="1" smtClean="0">
                             <a:latin typeface="Cambria Math" panose="02040503050406030204" pitchFamily="18" charset="0"/>
                             <a:ea typeface="Cambria Math" panose="02040503050406030204" pitchFamily="18" charset="0"/>
                           </a:rPr>
-                          <m:t>𝑳</m:t>
+                          <m:t>𝐿</m:t>
                         </m:r>
                       </m:num>
                       <m:den>
@@ -12240,11 +12271,11 @@
                           <m:t>𝜕</m:t>
                         </m:r>
                         <m:r>
-                          <a:rPr lang="en-US" b="1" i="1" smtClean="0">
+                          <a:rPr lang="en-US" b="0" i="1" smtClean="0">
                             <a:latin typeface="Cambria Math" panose="02040503050406030204" pitchFamily="18" charset="0"/>
                             <a:ea typeface="Cambria Math" panose="02040503050406030204" pitchFamily="18" charset="0"/>
                           </a:rPr>
-                          <m:t>𝑳</m:t>
+                          <m:t>𝐿</m:t>
                         </m:r>
                       </m:num>
                       <m:den>
@@ -13143,11 +13174,11 @@
                           <m:t>𝜕</m:t>
                         </m:r>
                         <m:r>
-                          <a:rPr lang="en-US" b="1" i="1" smtClean="0">
+                          <a:rPr lang="en-US" b="0" i="1" smtClean="0">
                             <a:latin typeface="Cambria Math" panose="02040503050406030204" pitchFamily="18" charset="0"/>
                             <a:ea typeface="Cambria Math" panose="02040503050406030204" pitchFamily="18" charset="0"/>
                           </a:rPr>
-                          <m:t>𝑳</m:t>
+                          <m:t>𝐿</m:t>
                         </m:r>
                       </m:num>
                       <m:den>
@@ -13301,7 +13332,7 @@
             </p:txBody>
           </p:sp>
         </mc:Choice>
-        <mc:Fallback>
+        <mc:Fallback xmlns="">
           <p:sp>
             <p:nvSpPr>
               <p:cNvPr id="3" name="Content Placeholder 2">
@@ -13833,8 +13864,8 @@
           </a:p>
         </p:txBody>
       </p:sp>
-      <mc:AlternateContent xmlns:mc="http://schemas.openxmlformats.org/markup-compatibility/2006">
-        <mc:Choice xmlns:a14="http://schemas.microsoft.com/office/drawing/2010/main" Requires="a14">
+      <mc:AlternateContent xmlns:mc="http://schemas.openxmlformats.org/markup-compatibility/2006" xmlns:a14="http://schemas.microsoft.com/office/drawing/2010/main">
+        <mc:Choice Requires="a14">
           <p:sp>
             <p:nvSpPr>
               <p:cNvPr id="3" name="Content Placeholder 2">
@@ -14502,11 +14533,11 @@
                           <m:t>𝜕</m:t>
                         </m:r>
                         <m:r>
-                          <a:rPr lang="en-US" b="1" i="1" smtClean="0">
+                          <a:rPr lang="en-US" b="0" i="1" smtClean="0">
                             <a:latin typeface="Cambria Math" panose="02040503050406030204" pitchFamily="18" charset="0"/>
                             <a:ea typeface="Cambria Math" panose="02040503050406030204" pitchFamily="18" charset="0"/>
                           </a:rPr>
-                          <m:t>𝑳</m:t>
+                          <m:t>𝐿</m:t>
                         </m:r>
                       </m:num>
                       <m:den>
@@ -14632,11 +14663,11 @@
                           <m:t>𝜕</m:t>
                         </m:r>
                         <m:r>
-                          <a:rPr lang="en-US" b="1" i="1" smtClean="0">
+                          <a:rPr lang="en-US" b="0" i="1" smtClean="0">
                             <a:latin typeface="Cambria Math" panose="02040503050406030204" pitchFamily="18" charset="0"/>
                             <a:ea typeface="Cambria Math" panose="02040503050406030204" pitchFamily="18" charset="0"/>
                           </a:rPr>
-                          <m:t>𝑳</m:t>
+                          <m:t>𝐿</m:t>
                         </m:r>
                       </m:num>
                       <m:den>
@@ -15008,11 +15039,11 @@
                           <m:t>𝜕</m:t>
                         </m:r>
                         <m:r>
-                          <a:rPr lang="en-US" b="1" i="1" smtClean="0">
+                          <a:rPr lang="en-US" b="0" i="1" smtClean="0">
                             <a:latin typeface="Cambria Math" panose="02040503050406030204" pitchFamily="18" charset="0"/>
                             <a:ea typeface="Cambria Math" panose="02040503050406030204" pitchFamily="18" charset="0"/>
                           </a:rPr>
-                          <m:t>𝑳</m:t>
+                          <m:t>𝐿</m:t>
                         </m:r>
                       </m:num>
                       <m:den>
@@ -15160,7 +15191,7 @@
             </p:txBody>
           </p:sp>
         </mc:Choice>
-        <mc:Fallback>
+        <mc:Fallback xmlns="">
           <p:sp>
             <p:nvSpPr>
               <p:cNvPr id="3" name="Content Placeholder 2">
@@ -15704,8 +15735,8 @@
           </a:p>
         </p:txBody>
       </p:sp>
-      <mc:AlternateContent xmlns:mc="http://schemas.openxmlformats.org/markup-compatibility/2006">
-        <mc:Choice xmlns:a14="http://schemas.microsoft.com/office/drawing/2010/main" Requires="a14">
+      <mc:AlternateContent xmlns:mc="http://schemas.openxmlformats.org/markup-compatibility/2006" xmlns:a14="http://schemas.microsoft.com/office/drawing/2010/main">
+        <mc:Choice Requires="a14">
           <p:sp>
             <p:nvSpPr>
               <p:cNvPr id="3" name="Content Placeholder 2">
@@ -15800,11 +15831,11 @@
                           <m:t>𝜕</m:t>
                         </m:r>
                         <m:r>
-                          <a:rPr lang="en-US" b="1" i="1" smtClean="0">
+                          <a:rPr lang="en-US" b="0" i="1" smtClean="0">
                             <a:latin typeface="Cambria Math" panose="02040503050406030204" pitchFamily="18" charset="0"/>
                             <a:ea typeface="Cambria Math" panose="02040503050406030204" pitchFamily="18" charset="0"/>
                           </a:rPr>
-                          <m:t>𝑳</m:t>
+                          <m:t>𝐿</m:t>
                         </m:r>
                       </m:num>
                       <m:den>
@@ -16011,11 +16042,11 @@
                           <m:t>𝜕</m:t>
                         </m:r>
                         <m:r>
-                          <a:rPr lang="en-US" b="1" i="1" smtClean="0">
+                          <a:rPr lang="en-US" b="0" i="1" smtClean="0">
                             <a:latin typeface="Cambria Math" panose="02040503050406030204" pitchFamily="18" charset="0"/>
                             <a:ea typeface="Cambria Math" panose="02040503050406030204" pitchFamily="18" charset="0"/>
                           </a:rPr>
-                          <m:t>𝑳</m:t>
+                          <m:t>𝐿</m:t>
                         </m:r>
                       </m:num>
                       <m:den>
@@ -16095,11 +16126,11 @@
                           <m:t>𝜕</m:t>
                         </m:r>
                         <m:r>
-                          <a:rPr lang="en-US" b="1" i="1" smtClean="0">
+                          <a:rPr lang="en-US" b="0" i="1" smtClean="0">
                             <a:latin typeface="Cambria Math" panose="02040503050406030204" pitchFamily="18" charset="0"/>
                             <a:ea typeface="Cambria Math" panose="02040503050406030204" pitchFamily="18" charset="0"/>
                           </a:rPr>
-                          <m:t>𝑳</m:t>
+                          <m:t>𝐿</m:t>
                         </m:r>
                       </m:num>
                       <m:den>
@@ -16688,11 +16719,11 @@
                           <m:t>𝜕</m:t>
                         </m:r>
                         <m:r>
-                          <a:rPr lang="en-US" b="1" i="1" smtClean="0">
+                          <a:rPr lang="en-US" b="0" i="1" smtClean="0">
                             <a:latin typeface="Cambria Math" panose="02040503050406030204" pitchFamily="18" charset="0"/>
                             <a:ea typeface="Cambria Math" panose="02040503050406030204" pitchFamily="18" charset="0"/>
                           </a:rPr>
-                          <m:t>𝑳</m:t>
+                          <m:t>𝐿</m:t>
                         </m:r>
                       </m:num>
                       <m:den>
@@ -16861,7 +16892,7 @@
             </p:txBody>
           </p:sp>
         </mc:Choice>
-        <mc:Fallback>
+        <mc:Fallback xmlns="">
           <p:sp>
             <p:nvSpPr>
               <p:cNvPr id="3" name="Content Placeholder 2">
@@ -17902,11 +17933,11 @@
                           <m:t>𝜕</m:t>
                         </m:r>
                         <m:r>
-                          <a:rPr lang="en-US" sz="3000" b="1" i="1" smtClean="0">
+                          <a:rPr lang="en-US" sz="3000" b="0" i="1" smtClean="0">
                             <a:latin typeface="Cambria Math" panose="02040503050406030204" pitchFamily="18" charset="0"/>
                             <a:ea typeface="Cambria Math" panose="02040503050406030204" pitchFamily="18" charset="0"/>
                           </a:rPr>
-                          <m:t>𝑳</m:t>
+                          <m:t>𝐿</m:t>
                         </m:r>
                       </m:num>
                       <m:den>
@@ -19042,7 +19073,7 @@
               <a:blipFill>
                 <a:blip r:embed="rId2"/>
                 <a:stretch>
-                  <a:fillRect l="-900" t="-1736" r="-500"/>
+                  <a:fillRect l="-900" t="-1736" r="-1200"/>
                 </a:stretch>
               </a:blipFill>
             </p:spPr>
@@ -19402,8 +19433,8 @@
           </a:p>
         </p:txBody>
       </p:sp>
-      <mc:AlternateContent xmlns:mc="http://schemas.openxmlformats.org/markup-compatibility/2006">
-        <mc:Choice xmlns:a14="http://schemas.microsoft.com/office/drawing/2010/main" Requires="a14">
+      <mc:AlternateContent xmlns:mc="http://schemas.openxmlformats.org/markup-compatibility/2006" xmlns:a14="http://schemas.microsoft.com/office/drawing/2010/main">
+        <mc:Choice Requires="a14">
           <p:sp>
             <p:nvSpPr>
               <p:cNvPr id="3" name="Content Placeholder 2">
@@ -20762,7 +20793,7 @@
             </p:txBody>
           </p:sp>
         </mc:Choice>
-        <mc:Fallback>
+        <mc:Fallback xmlns="">
           <p:sp>
             <p:nvSpPr>
               <p:cNvPr id="3" name="Content Placeholder 2">
@@ -21294,8 +21325,8 @@
           </a:p>
         </p:txBody>
       </p:sp>
-      <mc:AlternateContent xmlns:mc="http://schemas.openxmlformats.org/markup-compatibility/2006">
-        <mc:Choice xmlns:a14="http://schemas.microsoft.com/office/drawing/2010/main" Requires="a14">
+      <mc:AlternateContent xmlns:mc="http://schemas.openxmlformats.org/markup-compatibility/2006" xmlns:a14="http://schemas.microsoft.com/office/drawing/2010/main">
+        <mc:Choice Requires="a14">
           <p:sp>
             <p:nvSpPr>
               <p:cNvPr id="3" name="Content Placeholder 2">
@@ -21827,7 +21858,7 @@
             </p:txBody>
           </p:sp>
         </mc:Choice>
-        <mc:Fallback>
+        <mc:Fallback xmlns="">
           <p:sp>
             <p:nvSpPr>
               <p:cNvPr id="3" name="Content Placeholder 2">

--- a/Lecture_21.pptx
+++ b/Lecture_21.pptx
@@ -23,7 +23,8 @@
     <p:sldId id="270" r:id="rId17"/>
     <p:sldId id="273" r:id="rId18"/>
     <p:sldId id="272" r:id="rId19"/>
-    <p:sldId id="274" r:id="rId20"/>
+    <p:sldId id="275" r:id="rId20"/>
+    <p:sldId id="274" r:id="rId21"/>
   </p:sldIdLst>
   <p:sldSz cx="12192000" cy="6858000"/>
   <p:notesSz cx="6858000" cy="9144000"/>
@@ -277,7 +278,7 @@
           <a:p>
             <a:fld id="{2AF41B97-E2CF-4D4F-B94A-3414D15BA86E}" type="datetimeFigureOut">
               <a:rPr lang="en-US" smtClean="0"/>
-              <a:t>10/27/2019</a:t>
+              <a:t>10/28/2019</a:t>
             </a:fld>
             <a:endParaRPr lang="en-US"/>
           </a:p>
@@ -475,7 +476,7 @@
           <a:p>
             <a:fld id="{2AF41B97-E2CF-4D4F-B94A-3414D15BA86E}" type="datetimeFigureOut">
               <a:rPr lang="en-US" smtClean="0"/>
-              <a:t>10/27/2019</a:t>
+              <a:t>10/28/2019</a:t>
             </a:fld>
             <a:endParaRPr lang="en-US"/>
           </a:p>
@@ -683,7 +684,7 @@
           <a:p>
             <a:fld id="{2AF41B97-E2CF-4D4F-B94A-3414D15BA86E}" type="datetimeFigureOut">
               <a:rPr lang="en-US" smtClean="0"/>
-              <a:t>10/27/2019</a:t>
+              <a:t>10/28/2019</a:t>
             </a:fld>
             <a:endParaRPr lang="en-US"/>
           </a:p>
@@ -881,7 +882,7 @@
           <a:p>
             <a:fld id="{2AF41B97-E2CF-4D4F-B94A-3414D15BA86E}" type="datetimeFigureOut">
               <a:rPr lang="en-US" smtClean="0"/>
-              <a:t>10/27/2019</a:t>
+              <a:t>10/28/2019</a:t>
             </a:fld>
             <a:endParaRPr lang="en-US"/>
           </a:p>
@@ -1156,7 +1157,7 @@
           <a:p>
             <a:fld id="{2AF41B97-E2CF-4D4F-B94A-3414D15BA86E}" type="datetimeFigureOut">
               <a:rPr lang="en-US" smtClean="0"/>
-              <a:t>10/27/2019</a:t>
+              <a:t>10/28/2019</a:t>
             </a:fld>
             <a:endParaRPr lang="en-US"/>
           </a:p>
@@ -1421,7 +1422,7 @@
           <a:p>
             <a:fld id="{2AF41B97-E2CF-4D4F-B94A-3414D15BA86E}" type="datetimeFigureOut">
               <a:rPr lang="en-US" smtClean="0"/>
-              <a:t>10/27/2019</a:t>
+              <a:t>10/28/2019</a:t>
             </a:fld>
             <a:endParaRPr lang="en-US"/>
           </a:p>
@@ -1833,7 +1834,7 @@
           <a:p>
             <a:fld id="{2AF41B97-E2CF-4D4F-B94A-3414D15BA86E}" type="datetimeFigureOut">
               <a:rPr lang="en-US" smtClean="0"/>
-              <a:t>10/27/2019</a:t>
+              <a:t>10/28/2019</a:t>
             </a:fld>
             <a:endParaRPr lang="en-US"/>
           </a:p>
@@ -1974,7 +1975,7 @@
           <a:p>
             <a:fld id="{2AF41B97-E2CF-4D4F-B94A-3414D15BA86E}" type="datetimeFigureOut">
               <a:rPr lang="en-US" smtClean="0"/>
-              <a:t>10/27/2019</a:t>
+              <a:t>10/28/2019</a:t>
             </a:fld>
             <a:endParaRPr lang="en-US"/>
           </a:p>
@@ -2087,7 +2088,7 @@
           <a:p>
             <a:fld id="{2AF41B97-E2CF-4D4F-B94A-3414D15BA86E}" type="datetimeFigureOut">
               <a:rPr lang="en-US" smtClean="0"/>
-              <a:t>10/27/2019</a:t>
+              <a:t>10/28/2019</a:t>
             </a:fld>
             <a:endParaRPr lang="en-US"/>
           </a:p>
@@ -2398,7 +2399,7 @@
           <a:p>
             <a:fld id="{2AF41B97-E2CF-4D4F-B94A-3414D15BA86E}" type="datetimeFigureOut">
               <a:rPr lang="en-US" smtClean="0"/>
-              <a:t>10/27/2019</a:t>
+              <a:t>10/28/2019</a:t>
             </a:fld>
             <a:endParaRPr lang="en-US"/>
           </a:p>
@@ -2686,7 +2687,7 @@
           <a:p>
             <a:fld id="{2AF41B97-E2CF-4D4F-B94A-3414D15BA86E}" type="datetimeFigureOut">
               <a:rPr lang="en-US" smtClean="0"/>
-              <a:t>10/27/2019</a:t>
+              <a:t>10/28/2019</a:t>
             </a:fld>
             <a:endParaRPr lang="en-US"/>
           </a:p>
@@ -2927,7 +2928,7 @@
           <a:p>
             <a:fld id="{2AF41B97-E2CF-4D4F-B94A-3414D15BA86E}" type="datetimeFigureOut">
               <a:rPr lang="en-US" smtClean="0"/>
-              <a:t>10/27/2019</a:t>
+              <a:t>10/28/2019</a:t>
             </a:fld>
             <a:endParaRPr lang="en-US"/>
           </a:p>
@@ -8645,38 +8646,10 @@
       </p:grpSpPr>
       <p:sp>
         <p:nvSpPr>
-          <p:cNvPr id="2" name="Title 1">
-            <a:extLst>
-              <a:ext uri="{FF2B5EF4-FFF2-40B4-BE49-F238E27FC236}">
-                <a16:creationId xmlns:a16="http://schemas.microsoft.com/office/drawing/2014/main" id="{B1CDE06F-A7FA-4645-8911-8ADD643724CE}"/>
-              </a:ext>
-            </a:extLst>
-          </p:cNvPr>
-          <p:cNvSpPr>
-            <a:spLocks noGrp="1"/>
-          </p:cNvSpPr>
-          <p:nvPr>
-            <p:ph type="title"/>
-          </p:nvPr>
-        </p:nvSpPr>
-        <p:spPr/>
-        <p:txBody>
-          <a:bodyPr/>
-          <a:lstStyle/>
-          <a:p>
-            <a:r>
-              <a:rPr lang="en-US" dirty="0"/>
-              <a:t>Recap </a:t>
-            </a:r>
-          </a:p>
-        </p:txBody>
-      </p:sp>
-      <p:sp>
-        <p:nvSpPr>
           <p:cNvPr id="3" name="Content Placeholder 2">
             <a:extLst>
               <a:ext uri="{FF2B5EF4-FFF2-40B4-BE49-F238E27FC236}">
-                <a16:creationId xmlns:a16="http://schemas.microsoft.com/office/drawing/2014/main" id="{3FBE588F-1B40-40FB-A8B0-487E4C0BA671}"/>
+                <a16:creationId xmlns:a16="http://schemas.microsoft.com/office/drawing/2014/main" id="{735322E0-5D9C-4461-902C-CADBADACBFBD}"/>
               </a:ext>
             </a:extLst>
           </p:cNvPr>
@@ -8689,8 +8662,8 @@
         </p:nvSpPr>
         <p:spPr>
           <a:xfrm>
-            <a:off x="-1" y="1825625"/>
-            <a:ext cx="12051587" cy="4351338"/>
+            <a:off x="-1" y="4596984"/>
+            <a:ext cx="12191999" cy="2261016"/>
           </a:xfrm>
         </p:spPr>
         <p:txBody>
@@ -8699,55 +8672,51 @@
           <a:p>
             <a:r>
               <a:rPr lang="en-US" dirty="0"/>
-              <a:t>Backpropagation in matrix-vector form enables GPU-accelerated learning</a:t>
+              <a:t>Left: 8 images and the 5 labels considered most probable by CNN, correct label is written under each image, and probability assigned to correct label in red</a:t>
             </a:r>
           </a:p>
           <a:p>
             <a:r>
               <a:rPr lang="en-US" dirty="0"/>
-              <a:t>Overview of different gradient descent algorithms:</a:t>
+              <a:t>Right: column 1 = 5 test images, column 2-7 = 6 training instances producing feature vectors in last hidden layer with smallest Euclidean distance from test image</a:t>
             </a:r>
-            <a:br>
-              <a:rPr lang="en-US" dirty="0"/>
-            </a:br>
-            <a:r>
-              <a:rPr lang="en-US" dirty="0"/>
-              <a:t>	</a:t>
-            </a:r>
-            <a:r>
-              <a:rPr lang="en-US" dirty="0">
-                <a:hlinkClick r:id="rId2"/>
-              </a:rPr>
-              <a:t>https://ruder.io/optimizing-gradient-descent/</a:t>
-            </a:r>
-            <a:r>
-              <a:rPr lang="en-US" dirty="0"/>
-              <a:t> </a:t>
-            </a:r>
-          </a:p>
-          <a:p>
-            <a:r>
-              <a:rPr lang="en-US" dirty="0"/>
-              <a:t>Convolutional neural networks (CNNs)</a:t>
-            </a:r>
-          </a:p>
-          <a:p>
-            <a:r>
-              <a:rPr lang="en-US" dirty="0"/>
-              <a:t>Next lecture: more about CNNs and an example in </a:t>
-            </a:r>
-            <a:r>
-              <a:rPr lang="en-US" dirty="0" err="1"/>
-              <a:t>keras</a:t>
-            </a:r>
-            <a:endParaRPr lang="en-US" dirty="0"/>
           </a:p>
         </p:txBody>
       </p:sp>
+      <p:pic>
+        <p:nvPicPr>
+          <p:cNvPr id="4" name="Picture 3">
+            <a:extLst>
+              <a:ext uri="{FF2B5EF4-FFF2-40B4-BE49-F238E27FC236}">
+                <a16:creationId xmlns:a16="http://schemas.microsoft.com/office/drawing/2014/main" id="{AA6D315B-CC14-4D2B-B314-AD5FB738FC33}"/>
+              </a:ext>
+            </a:extLst>
+          </p:cNvPr>
+          <p:cNvPicPr>
+            <a:picLocks noChangeAspect="1"/>
+          </p:cNvPicPr>
+          <p:nvPr/>
+        </p:nvPicPr>
+        <p:blipFill>
+          <a:blip r:embed="rId2"/>
+          <a:stretch>
+            <a:fillRect/>
+          </a:stretch>
+        </p:blipFill>
+        <p:spPr>
+          <a:xfrm>
+            <a:off x="0" y="0"/>
+            <a:ext cx="12192000" cy="4596984"/>
+          </a:xfrm>
+          <a:prstGeom prst="rect">
+            <a:avLst/>
+          </a:prstGeom>
+        </p:spPr>
+      </p:pic>
     </p:spTree>
     <p:extLst>
       <p:ext uri="{BB962C8B-B14F-4D97-AF65-F5344CB8AC3E}">
-        <p14:creationId xmlns:p14="http://schemas.microsoft.com/office/powerpoint/2010/main" val="2817725166"/>
+        <p14:creationId xmlns:p14="http://schemas.microsoft.com/office/powerpoint/2010/main" val="1105501153"/>
       </p:ext>
     </p:extLst>
   </p:cSld>
@@ -8839,7 +8808,7 @@
               <a:p>
                 <a:r>
                   <a:rPr lang="en-US" dirty="0"/>
-                  <a:t>GPU advantages over CPU for deep learning:</a:t>
+                  <a:t>GPU advantages over CPU for deep learning (~100x speed increase):</a:t>
                 </a:r>
               </a:p>
               <a:p>
@@ -8850,7 +8819,7 @@
                 </a:r>
               </a:p>
               <a:p>
-                <a:pPr lvl="1"/>
+                <a:pPr lvl="2"/>
                 <a:r>
                   <a:rPr lang="en-US" dirty="0"/>
                   <a:t>GPU can do many simple operations at the same time</a:t>
@@ -9651,6 +9620,137 @@
 </p:sld>
 </file>
 
+<file path=ppt/slides/slide20.xml><?xml version="1.0" encoding="utf-8"?>
+<p:sld xmlns:a="http://schemas.openxmlformats.org/drawingml/2006/main" xmlns:r="http://schemas.openxmlformats.org/officeDocument/2006/relationships" xmlns:p="http://schemas.openxmlformats.org/presentationml/2006/main">
+  <p:cSld>
+    <p:spTree>
+      <p:nvGrpSpPr>
+        <p:cNvPr id="1" name=""/>
+        <p:cNvGrpSpPr/>
+        <p:nvPr/>
+      </p:nvGrpSpPr>
+      <p:grpSpPr>
+        <a:xfrm>
+          <a:off x="0" y="0"/>
+          <a:ext cx="0" cy="0"/>
+          <a:chOff x="0" y="0"/>
+          <a:chExt cx="0" cy="0"/>
+        </a:xfrm>
+      </p:grpSpPr>
+      <p:sp>
+        <p:nvSpPr>
+          <p:cNvPr id="2" name="Title 1">
+            <a:extLst>
+              <a:ext uri="{FF2B5EF4-FFF2-40B4-BE49-F238E27FC236}">
+                <a16:creationId xmlns:a16="http://schemas.microsoft.com/office/drawing/2014/main" id="{B1CDE06F-A7FA-4645-8911-8ADD643724CE}"/>
+              </a:ext>
+            </a:extLst>
+          </p:cNvPr>
+          <p:cNvSpPr>
+            <a:spLocks noGrp="1"/>
+          </p:cNvSpPr>
+          <p:nvPr>
+            <p:ph type="title"/>
+          </p:nvPr>
+        </p:nvSpPr>
+        <p:spPr/>
+        <p:txBody>
+          <a:bodyPr/>
+          <a:lstStyle/>
+          <a:p>
+            <a:r>
+              <a:rPr lang="en-US" dirty="0"/>
+              <a:t>Recap </a:t>
+            </a:r>
+          </a:p>
+        </p:txBody>
+      </p:sp>
+      <p:sp>
+        <p:nvSpPr>
+          <p:cNvPr id="3" name="Content Placeholder 2">
+            <a:extLst>
+              <a:ext uri="{FF2B5EF4-FFF2-40B4-BE49-F238E27FC236}">
+                <a16:creationId xmlns:a16="http://schemas.microsoft.com/office/drawing/2014/main" id="{3FBE588F-1B40-40FB-A8B0-487E4C0BA671}"/>
+              </a:ext>
+            </a:extLst>
+          </p:cNvPr>
+          <p:cNvSpPr>
+            <a:spLocks noGrp="1"/>
+          </p:cNvSpPr>
+          <p:nvPr>
+            <p:ph idx="1"/>
+          </p:nvPr>
+        </p:nvSpPr>
+        <p:spPr>
+          <a:xfrm>
+            <a:off x="-1" y="1825625"/>
+            <a:ext cx="12051587" cy="4351338"/>
+          </a:xfrm>
+        </p:spPr>
+        <p:txBody>
+          <a:bodyPr/>
+          <a:lstStyle/>
+          <a:p>
+            <a:r>
+              <a:rPr lang="en-US" dirty="0"/>
+              <a:t>Backpropagation in matrix-vector form enables GPU-accelerated learning</a:t>
+            </a:r>
+          </a:p>
+          <a:p>
+            <a:r>
+              <a:rPr lang="en-US" dirty="0"/>
+              <a:t>Overview of different gradient descent algorithms:</a:t>
+            </a:r>
+            <a:br>
+              <a:rPr lang="en-US" dirty="0"/>
+            </a:br>
+            <a:r>
+              <a:rPr lang="en-US" dirty="0"/>
+              <a:t>	</a:t>
+            </a:r>
+            <a:r>
+              <a:rPr lang="en-US" dirty="0">
+                <a:hlinkClick r:id="rId2"/>
+              </a:rPr>
+              <a:t>https://ruder.io/optimizing-gradient-descent/</a:t>
+            </a:r>
+            <a:r>
+              <a:rPr lang="en-US" dirty="0"/>
+              <a:t> </a:t>
+            </a:r>
+          </a:p>
+          <a:p>
+            <a:r>
+              <a:rPr lang="en-US" dirty="0"/>
+              <a:t>Convolutional neural networks (CNNs)</a:t>
+            </a:r>
+          </a:p>
+          <a:p>
+            <a:r>
+              <a:rPr lang="en-US" dirty="0"/>
+              <a:t>Next lecture: more about CNNs and an example in </a:t>
+            </a:r>
+            <a:r>
+              <a:rPr lang="en-US" dirty="0" err="1"/>
+              <a:t>keras</a:t>
+            </a:r>
+            <a:endParaRPr lang="en-US" dirty="0"/>
+          </a:p>
+        </p:txBody>
+      </p:sp>
+    </p:spTree>
+    <p:extLst>
+      <p:ext uri="{BB962C8B-B14F-4D97-AF65-F5344CB8AC3E}">
+        <p14:creationId xmlns:p14="http://schemas.microsoft.com/office/powerpoint/2010/main" val="2817725166"/>
+      </p:ext>
+    </p:extLst>
+  </p:cSld>
+  <p:clrMapOvr>
+    <a:masterClrMapping/>
+  </p:clrMapOvr>
+</p:sld>
+</file>
+
 <file path=ppt/slides/slide3.xml><?xml version="1.0" encoding="utf-8"?>
 <p:sld xmlns:a="http://schemas.openxmlformats.org/drawingml/2006/main" xmlns:r="http://schemas.openxmlformats.org/officeDocument/2006/relationships" xmlns:p="http://schemas.openxmlformats.org/presentationml/2006/main">
   <p:cSld>
@@ -9701,8 +9801,8 @@
           </a:p>
         </p:txBody>
       </p:sp>
-      <mc:AlternateContent xmlns:mc="http://schemas.openxmlformats.org/markup-compatibility/2006">
-        <mc:Choice xmlns:a14="http://schemas.microsoft.com/office/drawing/2010/main" Requires="a14">
+      <mc:AlternateContent xmlns:mc="http://schemas.openxmlformats.org/markup-compatibility/2006" xmlns:a14="http://schemas.microsoft.com/office/drawing/2010/main">
+        <mc:Choice Requires="a14">
           <p:sp>
             <p:nvSpPr>
               <p:cNvPr id="3" name="Content Placeholder 2">
@@ -9988,7 +10088,7 @@
                           <a:rPr lang="en-US" b="0" i="1" smtClean="0">
                             <a:latin typeface="Cambria Math" panose="02040503050406030204" pitchFamily="18" charset="0"/>
                           </a:rPr>
-                          <m:t>𝑘</m:t>
+                          <m:t>𝐾</m:t>
                         </m:r>
                       </m:sub>
                     </m:sSub>
@@ -10232,11 +10332,11 @@
                           </m:e>
                           <m:sub>
                             <m:r>
-                              <a:rPr lang="en-US" b="1" i="1" smtClean="0">
-                                <a:latin typeface="Cambria Math" panose="02040503050406030204" pitchFamily="18" charset="0"/>
-                                <a:ea typeface="Cambria Math" panose="02040503050406030204" pitchFamily="18" charset="0"/>
-                              </a:rPr>
-                              <m:t>𝑲</m:t>
+                              <a:rPr lang="en-US" b="0" i="1" smtClean="0">
+                                <a:latin typeface="Cambria Math" panose="02040503050406030204" pitchFamily="18" charset="0"/>
+                                <a:ea typeface="Cambria Math" panose="02040503050406030204" pitchFamily="18" charset="0"/>
+                              </a:rPr>
+                              <m:t>𝐾</m:t>
                             </m:r>
                           </m:sub>
                         </m:sSub>
@@ -10903,7 +11003,7 @@
             </p:txBody>
           </p:sp>
         </mc:Choice>
-        <mc:Fallback>
+        <mc:Fallback xmlns="">
           <p:sp>
             <p:nvSpPr>
               <p:cNvPr id="3" name="Content Placeholder 2">
